--- a/week1/day3/week1.4.pptx
+++ b/week1/day3/week1.4.pptx
@@ -12,6 +12,10 @@
     <p:sldId id="260" r:id="rId6"/>
     <p:sldId id="261" r:id="rId7"/>
     <p:sldId id="262" r:id="rId8"/>
+    <p:sldId id="264" r:id="rId9"/>
+    <p:sldId id="265" r:id="rId10"/>
+    <p:sldId id="266" r:id="rId11"/>
+    <p:sldId id="263" r:id="rId12"/>
   </p:sldIdLst>
   <p:sldSz cx="25279350" cy="10799763"/>
   <p:notesSz cx="6858000" cy="9144000"/>
@@ -3858,6 +3862,1939 @@
 </p:sld>
 </file>
 
+<file path=ppt/slides/slide10.xml><?xml version="1.0" encoding="utf-8"?>
+<p:sld xmlns:a="http://schemas.openxmlformats.org/drawingml/2006/main" xmlns:r="http://schemas.openxmlformats.org/officeDocument/2006/relationships" xmlns:p="http://schemas.openxmlformats.org/presentationml/2006/main">
+  <p:cSld>
+    <p:spTree>
+      <p:nvGrpSpPr>
+        <p:cNvPr id="1" name=""/>
+        <p:cNvGrpSpPr/>
+        <p:nvPr/>
+      </p:nvGrpSpPr>
+      <p:grpSpPr>
+        <a:xfrm>
+          <a:off x="0" y="0"/>
+          <a:ext cx="0" cy="0"/>
+          <a:chOff x="0" y="0"/>
+          <a:chExt cx="0" cy="0"/>
+        </a:xfrm>
+      </p:grpSpPr>
+      <p:sp>
+        <p:nvSpPr>
+          <p:cNvPr id="2" name="文本框 1">
+            <a:extLst>
+              <a:ext uri="{FF2B5EF4-FFF2-40B4-BE49-F238E27FC236}">
+                <a16:creationId xmlns:a16="http://schemas.microsoft.com/office/drawing/2014/main" id="{7713A2CF-07D3-475B-B7E2-4189F49EC5F0}"/>
+              </a:ext>
+            </a:extLst>
+          </p:cNvPr>
+          <p:cNvSpPr txBox="1"/>
+          <p:nvPr/>
+        </p:nvSpPr>
+        <p:spPr>
+          <a:xfrm>
+            <a:off x="481175" y="439921"/>
+            <a:ext cx="3845712" cy="9787295"/>
+          </a:xfrm>
+          <a:prstGeom prst="rect">
+            <a:avLst/>
+          </a:prstGeom>
+          <a:noFill/>
+        </p:spPr>
+        <p:txBody>
+          <a:bodyPr wrap="square" rtlCol="0">
+            <a:spAutoFit/>
+          </a:bodyPr>
+          <a:lstStyle/>
+          <a:p>
+            <a:r>
+              <a:rPr lang="en-US" altLang="zh-CN" sz="3000" dirty="0"/>
+              <a:t>var c=3;</a:t>
+            </a:r>
+          </a:p>
+          <a:p>
+            <a:r>
+              <a:rPr lang="en-US" altLang="zh-CN" sz="3000" dirty="0"/>
+              <a:t>function </a:t>
+            </a:r>
+            <a:r>
+              <a:rPr lang="en-US" altLang="zh-CN" sz="3000" dirty="0" err="1"/>
+              <a:t>getC</a:t>
+            </a:r>
+            <a:r>
+              <a:rPr lang="en-US" altLang="zh-CN" sz="3000" dirty="0"/>
+              <a:t>() {</a:t>
+            </a:r>
+          </a:p>
+          <a:p>
+            <a:r>
+              <a:rPr lang="en-US" altLang="zh-CN" sz="3000" dirty="0"/>
+              <a:t>    </a:t>
+            </a:r>
+            <a:r>
+              <a:rPr lang="en-US" altLang="zh-CN" sz="3000" dirty="0" err="1"/>
+              <a:t>this.c</a:t>
+            </a:r>
+            <a:r>
+              <a:rPr lang="en-US" altLang="zh-CN" sz="3000" dirty="0"/>
+              <a:t>++;</a:t>
+            </a:r>
+          </a:p>
+          <a:p>
+            <a:r>
+              <a:rPr lang="en-US" altLang="zh-CN" sz="3000" dirty="0"/>
+              <a:t>    return function (c) {</a:t>
+            </a:r>
+          </a:p>
+          <a:p>
+            <a:r>
+              <a:rPr lang="en-US" altLang="zh-CN" sz="3000" dirty="0"/>
+              <a:t>        c=</a:t>
+            </a:r>
+            <a:r>
+              <a:rPr lang="en-US" altLang="zh-CN" sz="3000" dirty="0" err="1"/>
+              <a:t>this.c</a:t>
+            </a:r>
+            <a:r>
+              <a:rPr lang="en-US" altLang="zh-CN" sz="3000" dirty="0"/>
+              <a:t>*2;</a:t>
+            </a:r>
+          </a:p>
+          <a:p>
+            <a:r>
+              <a:rPr lang="en-US" altLang="zh-CN" sz="3000" dirty="0"/>
+              <a:t>        console.log(c);</a:t>
+            </a:r>
+          </a:p>
+          <a:p>
+            <a:r>
+              <a:rPr lang="en-US" altLang="zh-CN" sz="3000" dirty="0"/>
+              <a:t>    }</a:t>
+            </a:r>
+          </a:p>
+          <a:p>
+            <a:r>
+              <a:rPr lang="en-US" altLang="zh-CN" sz="3000" dirty="0"/>
+              <a:t>}</a:t>
+            </a:r>
+          </a:p>
+          <a:p>
+            <a:r>
+              <a:rPr lang="en-US" altLang="zh-CN" sz="3000" dirty="0"/>
+              <a:t>var obj3={</a:t>
+            </a:r>
+          </a:p>
+          <a:p>
+            <a:r>
+              <a:rPr lang="en-US" altLang="zh-CN" sz="3000" dirty="0"/>
+              <a:t>    c:2,</a:t>
+            </a:r>
+          </a:p>
+          <a:p>
+            <a:r>
+              <a:rPr lang="en-US" altLang="zh-CN" sz="3000" dirty="0"/>
+              <a:t>    </a:t>
+            </a:r>
+            <a:r>
+              <a:rPr lang="en-US" altLang="zh-CN" sz="3000" dirty="0" err="1"/>
+              <a:t>getC</a:t>
+            </a:r>
+            <a:r>
+              <a:rPr lang="en-US" altLang="zh-CN" sz="3000" dirty="0"/>
+              <a:t>:(function () {</a:t>
+            </a:r>
+          </a:p>
+          <a:p>
+            <a:r>
+              <a:rPr lang="en-US" altLang="zh-CN" sz="3000" dirty="0"/>
+              <a:t>        </a:t>
+            </a:r>
+            <a:r>
+              <a:rPr lang="en-US" altLang="zh-CN" sz="3000" dirty="0" err="1"/>
+              <a:t>this.c</a:t>
+            </a:r>
+            <a:r>
+              <a:rPr lang="en-US" altLang="zh-CN" sz="3000" dirty="0"/>
+              <a:t>-=1;</a:t>
+            </a:r>
+          </a:p>
+          <a:p>
+            <a:r>
+              <a:rPr lang="en-US" altLang="zh-CN" sz="3000" dirty="0"/>
+              <a:t>        return </a:t>
+            </a:r>
+            <a:r>
+              <a:rPr lang="en-US" altLang="zh-CN" sz="3000" dirty="0" err="1"/>
+              <a:t>this.getC</a:t>
+            </a:r>
+            <a:endParaRPr lang="en-US" altLang="zh-CN" sz="3000" dirty="0"/>
+          </a:p>
+          <a:p>
+            <a:r>
+              <a:rPr lang="en-US" altLang="zh-CN" sz="3000" dirty="0"/>
+              <a:t>    })()</a:t>
+            </a:r>
+          </a:p>
+          <a:p>
+            <a:r>
+              <a:rPr lang="en-US" altLang="zh-CN" sz="3000" dirty="0"/>
+              <a:t>};</a:t>
+            </a:r>
+          </a:p>
+          <a:p>
+            <a:r>
+              <a:rPr lang="en-US" altLang="zh-CN" sz="3000" dirty="0" err="1"/>
+              <a:t>getC</a:t>
+            </a:r>
+            <a:r>
+              <a:rPr lang="en-US" altLang="zh-CN" sz="3000" dirty="0"/>
+              <a:t>();</a:t>
+            </a:r>
+          </a:p>
+          <a:p>
+            <a:r>
+              <a:rPr lang="en-US" altLang="zh-CN" sz="3000" dirty="0"/>
+              <a:t>obj3.getC();</a:t>
+            </a:r>
+          </a:p>
+          <a:p>
+            <a:r>
+              <a:rPr lang="en-US" altLang="zh-CN" sz="3000" dirty="0"/>
+              <a:t>var f3=obj3.getC;</a:t>
+            </a:r>
+          </a:p>
+          <a:p>
+            <a:r>
+              <a:rPr lang="en-US" altLang="zh-CN" sz="3000" dirty="0"/>
+              <a:t>f3();</a:t>
+            </a:r>
+          </a:p>
+          <a:p>
+            <a:r>
+              <a:rPr lang="en-US" altLang="zh-CN" sz="3000" dirty="0"/>
+              <a:t>console.log(</a:t>
+            </a:r>
+            <a:r>
+              <a:rPr lang="en-US" altLang="zh-CN" sz="3000" dirty="0" err="1"/>
+              <a:t>window.c</a:t>
+            </a:r>
+            <a:r>
+              <a:rPr lang="en-US" altLang="zh-CN" sz="3000" dirty="0"/>
+              <a:t>);</a:t>
+            </a:r>
+          </a:p>
+          <a:p>
+            <a:r>
+              <a:rPr lang="en-US" altLang="zh-CN" sz="3000" dirty="0"/>
+              <a:t>console.log(obj3.c);</a:t>
+            </a:r>
+            <a:endParaRPr lang="zh-CN" altLang="en-US" sz="3000" dirty="0"/>
+          </a:p>
+        </p:txBody>
+      </p:sp>
+      <p:sp>
+        <p:nvSpPr>
+          <p:cNvPr id="3" name="矩形 2">
+            <a:extLst>
+              <a:ext uri="{FF2B5EF4-FFF2-40B4-BE49-F238E27FC236}">
+                <a16:creationId xmlns:a16="http://schemas.microsoft.com/office/drawing/2014/main" id="{EDA2A581-D648-44DB-9D2F-EB837F930B4D}"/>
+              </a:ext>
+            </a:extLst>
+          </p:cNvPr>
+          <p:cNvSpPr/>
+          <p:nvPr/>
+        </p:nvSpPr>
+        <p:spPr>
+          <a:xfrm>
+            <a:off x="4567609" y="1310639"/>
+            <a:ext cx="4419600" cy="4733700"/>
+          </a:xfrm>
+          <a:prstGeom prst="rect">
+            <a:avLst/>
+          </a:prstGeom>
+          <a:noFill/>
+        </p:spPr>
+        <p:style>
+          <a:lnRef idx="2">
+            <a:schemeClr val="accent1">
+              <a:shade val="50000"/>
+            </a:schemeClr>
+          </a:lnRef>
+          <a:fillRef idx="1">
+            <a:schemeClr val="accent1"/>
+          </a:fillRef>
+          <a:effectRef idx="0">
+            <a:schemeClr val="accent1"/>
+          </a:effectRef>
+          <a:fontRef idx="minor">
+            <a:schemeClr val="lt1"/>
+          </a:fontRef>
+        </p:style>
+        <p:txBody>
+          <a:bodyPr rtlCol="0" anchor="ctr"/>
+          <a:lstStyle/>
+          <a:p>
+            <a:pPr algn="ctr"/>
+            <a:endParaRPr lang="zh-CN" altLang="en-US"/>
+          </a:p>
+        </p:txBody>
+      </p:sp>
+      <p:sp>
+        <p:nvSpPr>
+          <p:cNvPr id="4" name="文本框 3">
+            <a:extLst>
+              <a:ext uri="{FF2B5EF4-FFF2-40B4-BE49-F238E27FC236}">
+                <a16:creationId xmlns:a16="http://schemas.microsoft.com/office/drawing/2014/main" id="{A8DDC73D-250B-4C5C-8938-57F97254DA42}"/>
+              </a:ext>
+            </a:extLst>
+          </p:cNvPr>
+          <p:cNvSpPr txBox="1"/>
+          <p:nvPr/>
+        </p:nvSpPr>
+        <p:spPr>
+          <a:xfrm>
+            <a:off x="4567609" y="548640"/>
+            <a:ext cx="1676869" cy="646331"/>
+          </a:xfrm>
+          <a:prstGeom prst="rect">
+            <a:avLst/>
+          </a:prstGeom>
+          <a:noFill/>
+        </p:spPr>
+        <p:txBody>
+          <a:bodyPr wrap="none" rtlCol="0">
+            <a:spAutoFit/>
+          </a:bodyPr>
+          <a:lstStyle/>
+          <a:p>
+            <a:r>
+              <a:rPr lang="en-US" altLang="zh-CN" sz="3600" dirty="0">
+                <a:solidFill>
+                  <a:srgbClr val="00B0F0"/>
+                </a:solidFill>
+              </a:rPr>
+              <a:t>window</a:t>
+            </a:r>
+            <a:endParaRPr lang="zh-CN" altLang="en-US" sz="3600" dirty="0">
+              <a:solidFill>
+                <a:srgbClr val="00B0F0"/>
+              </a:solidFill>
+            </a:endParaRPr>
+          </a:p>
+        </p:txBody>
+      </p:sp>
+      <p:cxnSp>
+        <p:nvCxnSpPr>
+          <p:cNvPr id="6" name="直接连接符 5">
+            <a:extLst>
+              <a:ext uri="{FF2B5EF4-FFF2-40B4-BE49-F238E27FC236}">
+                <a16:creationId xmlns:a16="http://schemas.microsoft.com/office/drawing/2014/main" id="{DBC9F127-DCE4-44C4-84CA-CF691EFF6624}"/>
+              </a:ext>
+            </a:extLst>
+          </p:cNvPr>
+          <p:cNvCxnSpPr/>
+          <p:nvPr/>
+        </p:nvCxnSpPr>
+        <p:spPr>
+          <a:xfrm>
+            <a:off x="4567609" y="3444240"/>
+            <a:ext cx="4419600" cy="0"/>
+          </a:xfrm>
+          <a:prstGeom prst="line">
+            <a:avLst/>
+          </a:prstGeom>
+        </p:spPr>
+        <p:style>
+          <a:lnRef idx="1">
+            <a:schemeClr val="accent1"/>
+          </a:lnRef>
+          <a:fillRef idx="0">
+            <a:schemeClr val="accent1"/>
+          </a:fillRef>
+          <a:effectRef idx="0">
+            <a:schemeClr val="accent1"/>
+          </a:effectRef>
+          <a:fontRef idx="minor">
+            <a:schemeClr val="tx1"/>
+          </a:fontRef>
+        </p:style>
+      </p:cxnSp>
+      <p:sp>
+        <p:nvSpPr>
+          <p:cNvPr id="7" name="矩形 6">
+            <a:extLst>
+              <a:ext uri="{FF2B5EF4-FFF2-40B4-BE49-F238E27FC236}">
+                <a16:creationId xmlns:a16="http://schemas.microsoft.com/office/drawing/2014/main" id="{60C1CEDF-4DBE-4918-A90F-1B5FB860F951}"/>
+              </a:ext>
+            </a:extLst>
+          </p:cNvPr>
+          <p:cNvSpPr/>
+          <p:nvPr/>
+        </p:nvSpPr>
+        <p:spPr>
+          <a:xfrm>
+            <a:off x="9341087" y="1146601"/>
+            <a:ext cx="3816974" cy="2387472"/>
+          </a:xfrm>
+          <a:prstGeom prst="rect">
+            <a:avLst/>
+          </a:prstGeom>
+        </p:spPr>
+        <p:style>
+          <a:lnRef idx="2">
+            <a:schemeClr val="dk1"/>
+          </a:lnRef>
+          <a:fillRef idx="1">
+            <a:schemeClr val="lt1"/>
+          </a:fillRef>
+          <a:effectRef idx="0">
+            <a:schemeClr val="dk1"/>
+          </a:effectRef>
+          <a:fontRef idx="minor">
+            <a:schemeClr val="dk1"/>
+          </a:fontRef>
+        </p:style>
+        <p:txBody>
+          <a:bodyPr rtlCol="0" anchor="ctr"/>
+          <a:lstStyle/>
+          <a:p>
+            <a:pPr algn="ctr"/>
+            <a:endParaRPr lang="zh-CN" altLang="en-US"/>
+          </a:p>
+        </p:txBody>
+      </p:sp>
+      <p:sp>
+        <p:nvSpPr>
+          <p:cNvPr id="8" name="文本框 7">
+            <a:extLst>
+              <a:ext uri="{FF2B5EF4-FFF2-40B4-BE49-F238E27FC236}">
+                <a16:creationId xmlns:a16="http://schemas.microsoft.com/office/drawing/2014/main" id="{66FB6035-F0B5-4D3E-BEA8-A280B9D2B030}"/>
+              </a:ext>
+            </a:extLst>
+          </p:cNvPr>
+          <p:cNvSpPr txBox="1"/>
+          <p:nvPr/>
+        </p:nvSpPr>
+        <p:spPr>
+          <a:xfrm>
+            <a:off x="9341087" y="439921"/>
+            <a:ext cx="1316386" cy="523220"/>
+          </a:xfrm>
+          <a:prstGeom prst="rect">
+            <a:avLst/>
+          </a:prstGeom>
+          <a:noFill/>
+        </p:spPr>
+        <p:txBody>
+          <a:bodyPr wrap="none" rtlCol="0">
+            <a:spAutoFit/>
+          </a:bodyPr>
+          <a:lstStyle/>
+          <a:p>
+            <a:r>
+              <a:rPr lang="en-US" altLang="zh-CN" sz="2800" b="1" dirty="0"/>
+              <a:t>AAFF11</a:t>
+            </a:r>
+            <a:endParaRPr lang="zh-CN" altLang="en-US" sz="2800" b="1" dirty="0"/>
+          </a:p>
+        </p:txBody>
+      </p:sp>
+      <p:sp>
+        <p:nvSpPr>
+          <p:cNvPr id="10" name="文本框 9">
+            <a:extLst>
+              <a:ext uri="{FF2B5EF4-FFF2-40B4-BE49-F238E27FC236}">
+                <a16:creationId xmlns:a16="http://schemas.microsoft.com/office/drawing/2014/main" id="{B0752F04-6689-4607-A456-A76DCA0F25DC}"/>
+              </a:ext>
+            </a:extLst>
+          </p:cNvPr>
+          <p:cNvSpPr txBox="1"/>
+          <p:nvPr/>
+        </p:nvSpPr>
+        <p:spPr>
+          <a:xfrm>
+            <a:off x="4689529" y="1456581"/>
+            <a:ext cx="4175760" cy="1815882"/>
+          </a:xfrm>
+          <a:prstGeom prst="rect">
+            <a:avLst/>
+          </a:prstGeom>
+          <a:noFill/>
+        </p:spPr>
+        <p:txBody>
+          <a:bodyPr wrap="square" rtlCol="0">
+            <a:spAutoFit/>
+          </a:bodyPr>
+          <a:lstStyle/>
+          <a:p>
+            <a:r>
+              <a:rPr lang="zh-CN" altLang="en-US" sz="2800" dirty="0"/>
+              <a:t>变量提升：</a:t>
+            </a:r>
+            <a:endParaRPr lang="en-US" altLang="zh-CN" sz="2800" dirty="0"/>
+          </a:p>
+          <a:p>
+            <a:r>
+              <a:rPr lang="en-US" altLang="zh-CN" sz="2800" dirty="0"/>
+              <a:t>Var c </a:t>
+            </a:r>
+          </a:p>
+          <a:p>
+            <a:r>
+              <a:rPr lang="en-US" altLang="zh-CN" sz="2800" dirty="0" err="1"/>
+              <a:t>GetC</a:t>
+            </a:r>
+            <a:r>
+              <a:rPr lang="en-US" altLang="zh-CN" sz="2800" dirty="0"/>
+              <a:t>=AAFF11</a:t>
+            </a:r>
+          </a:p>
+          <a:p>
+            <a:r>
+              <a:rPr lang="en-US" altLang="zh-CN" sz="2800" dirty="0"/>
+              <a:t>Var obj3  var f3</a:t>
+            </a:r>
+          </a:p>
+        </p:txBody>
+      </p:sp>
+      <p:cxnSp>
+        <p:nvCxnSpPr>
+          <p:cNvPr id="13" name="直接箭头连接符 12">
+            <a:extLst>
+              <a:ext uri="{FF2B5EF4-FFF2-40B4-BE49-F238E27FC236}">
+                <a16:creationId xmlns:a16="http://schemas.microsoft.com/office/drawing/2014/main" id="{7E83FE5E-3397-41D5-AF3B-397CB32DAFF4}"/>
+              </a:ext>
+            </a:extLst>
+          </p:cNvPr>
+          <p:cNvCxnSpPr>
+            <a:cxnSpLocks/>
+            <a:stCxn id="8" idx="1"/>
+          </p:cNvCxnSpPr>
+          <p:nvPr/>
+        </p:nvCxnSpPr>
+        <p:spPr>
+          <a:xfrm flipH="1">
+            <a:off x="5827363" y="701531"/>
+            <a:ext cx="3513724" cy="1825260"/>
+          </a:xfrm>
+          <a:prstGeom prst="straightConnector1">
+            <a:avLst/>
+          </a:prstGeom>
+          <a:ln w="38100">
+            <a:tailEnd type="triangle"/>
+          </a:ln>
+        </p:spPr>
+        <p:style>
+          <a:lnRef idx="1">
+            <a:schemeClr val="accent1"/>
+          </a:lnRef>
+          <a:fillRef idx="0">
+            <a:schemeClr val="accent1"/>
+          </a:fillRef>
+          <a:effectRef idx="0">
+            <a:schemeClr val="accent1"/>
+          </a:effectRef>
+          <a:fontRef idx="minor">
+            <a:schemeClr val="tx1"/>
+          </a:fontRef>
+        </p:style>
+      </p:cxnSp>
+      <p:sp>
+        <p:nvSpPr>
+          <p:cNvPr id="14" name="文本框 13">
+            <a:extLst>
+              <a:ext uri="{FF2B5EF4-FFF2-40B4-BE49-F238E27FC236}">
+                <a16:creationId xmlns:a16="http://schemas.microsoft.com/office/drawing/2014/main" id="{D48C2F89-3237-4F85-9BAC-1AEEFC9CBAC4}"/>
+              </a:ext>
+            </a:extLst>
+          </p:cNvPr>
+          <p:cNvSpPr txBox="1"/>
+          <p:nvPr/>
+        </p:nvSpPr>
+        <p:spPr>
+          <a:xfrm>
+            <a:off x="4689528" y="3534073"/>
+            <a:ext cx="4172370" cy="2062103"/>
+          </a:xfrm>
+          <a:prstGeom prst="rect">
+            <a:avLst/>
+          </a:prstGeom>
+          <a:noFill/>
+        </p:spPr>
+        <p:txBody>
+          <a:bodyPr wrap="square" rtlCol="0">
+            <a:spAutoFit/>
+          </a:bodyPr>
+          <a:lstStyle/>
+          <a:p>
+            <a:r>
+              <a:rPr lang="en-US" altLang="zh-CN" sz="3200" dirty="0"/>
+              <a:t>c=3  2  </a:t>
+            </a:r>
+            <a:r>
+              <a:rPr lang="en-US" altLang="zh-CN" sz="3200" dirty="0">
+                <a:solidFill>
+                  <a:schemeClr val="accent2"/>
+                </a:solidFill>
+              </a:rPr>
+              <a:t>3  4</a:t>
+            </a:r>
+          </a:p>
+          <a:p>
+            <a:r>
+              <a:rPr lang="en-US" altLang="zh-CN" sz="3200" dirty="0" err="1"/>
+              <a:t>getC</a:t>
+            </a:r>
+            <a:r>
+              <a:rPr lang="en-US" altLang="zh-CN" sz="3200" dirty="0"/>
+              <a:t>() =&gt;AAFF44</a:t>
+            </a:r>
+          </a:p>
+          <a:p>
+            <a:r>
+              <a:rPr lang="en-US" altLang="zh-CN" sz="3200" dirty="0"/>
+              <a:t>Obj3.getC()=&gt;AAFF33()</a:t>
+            </a:r>
+          </a:p>
+          <a:p>
+            <a:r>
+              <a:rPr lang="en-US" altLang="zh-CN" sz="3200" dirty="0">
+                <a:solidFill>
+                  <a:schemeClr val="accent6">
+                    <a:lumMod val="75000"/>
+                  </a:schemeClr>
+                </a:solidFill>
+              </a:rPr>
+              <a:t>f3= AAFF11</a:t>
+            </a:r>
+            <a:endParaRPr lang="zh-CN" altLang="en-US" sz="3200" dirty="0">
+              <a:solidFill>
+                <a:schemeClr val="accent6">
+                  <a:lumMod val="75000"/>
+                </a:schemeClr>
+              </a:solidFill>
+            </a:endParaRPr>
+          </a:p>
+        </p:txBody>
+      </p:sp>
+      <p:sp>
+        <p:nvSpPr>
+          <p:cNvPr id="9" name="文本框 8">
+            <a:extLst>
+              <a:ext uri="{FF2B5EF4-FFF2-40B4-BE49-F238E27FC236}">
+                <a16:creationId xmlns:a16="http://schemas.microsoft.com/office/drawing/2014/main" id="{52B47153-E632-45B5-9517-A31D43493DF2}"/>
+              </a:ext>
+            </a:extLst>
+          </p:cNvPr>
+          <p:cNvSpPr txBox="1"/>
+          <p:nvPr/>
+        </p:nvSpPr>
+        <p:spPr>
+          <a:xfrm>
+            <a:off x="9508436" y="1213068"/>
+            <a:ext cx="3520441" cy="2246769"/>
+          </a:xfrm>
+          <a:prstGeom prst="rect">
+            <a:avLst/>
+          </a:prstGeom>
+          <a:noFill/>
+        </p:spPr>
+        <p:txBody>
+          <a:bodyPr wrap="square" rtlCol="0">
+            <a:spAutoFit/>
+          </a:bodyPr>
+          <a:lstStyle/>
+          <a:p>
+            <a:r>
+              <a:rPr lang="en-US" altLang="zh-CN" sz="2800"/>
+              <a:t>this.c++;</a:t>
+            </a:r>
+          </a:p>
+          <a:p>
+            <a:r>
+              <a:rPr lang="en-US" altLang="zh-CN" sz="2800"/>
+              <a:t>    return function (c) {</a:t>
+            </a:r>
+          </a:p>
+          <a:p>
+            <a:r>
+              <a:rPr lang="en-US" altLang="zh-CN" sz="2800"/>
+              <a:t>        c=this.c*2;</a:t>
+            </a:r>
+          </a:p>
+          <a:p>
+            <a:r>
+              <a:rPr lang="en-US" altLang="zh-CN" sz="2800"/>
+              <a:t>        console.log(c);</a:t>
+            </a:r>
+          </a:p>
+          <a:p>
+            <a:r>
+              <a:rPr lang="en-US" altLang="zh-CN" sz="2800"/>
+              <a:t>    }</a:t>
+            </a:r>
+            <a:endParaRPr lang="en-US" altLang="zh-CN" sz="2800" dirty="0"/>
+          </a:p>
+        </p:txBody>
+      </p:sp>
+      <p:sp>
+        <p:nvSpPr>
+          <p:cNvPr id="34" name="矩形 33">
+            <a:extLst>
+              <a:ext uri="{FF2B5EF4-FFF2-40B4-BE49-F238E27FC236}">
+                <a16:creationId xmlns:a16="http://schemas.microsoft.com/office/drawing/2014/main" id="{1F37C03D-678C-4250-BC33-718CD197B2DC}"/>
+              </a:ext>
+            </a:extLst>
+          </p:cNvPr>
+          <p:cNvSpPr/>
+          <p:nvPr/>
+        </p:nvSpPr>
+        <p:spPr>
+          <a:xfrm>
+            <a:off x="9341087" y="4412530"/>
+            <a:ext cx="3816974" cy="2387472"/>
+          </a:xfrm>
+          <a:prstGeom prst="rect">
+            <a:avLst/>
+          </a:prstGeom>
+        </p:spPr>
+        <p:style>
+          <a:lnRef idx="2">
+            <a:schemeClr val="dk1"/>
+          </a:lnRef>
+          <a:fillRef idx="1">
+            <a:schemeClr val="lt1"/>
+          </a:fillRef>
+          <a:effectRef idx="0">
+            <a:schemeClr val="dk1"/>
+          </a:effectRef>
+          <a:fontRef idx="minor">
+            <a:schemeClr val="dk1"/>
+          </a:fontRef>
+        </p:style>
+        <p:txBody>
+          <a:bodyPr rtlCol="0" anchor="ctr"/>
+          <a:lstStyle/>
+          <a:p>
+            <a:pPr algn="ctr"/>
+            <a:endParaRPr lang="zh-CN" altLang="en-US"/>
+          </a:p>
+        </p:txBody>
+      </p:sp>
+      <p:sp>
+        <p:nvSpPr>
+          <p:cNvPr id="35" name="文本框 34">
+            <a:extLst>
+              <a:ext uri="{FF2B5EF4-FFF2-40B4-BE49-F238E27FC236}">
+                <a16:creationId xmlns:a16="http://schemas.microsoft.com/office/drawing/2014/main" id="{0C8BBE5A-AC3F-4A40-BC0E-219816C28F44}"/>
+              </a:ext>
+            </a:extLst>
+          </p:cNvPr>
+          <p:cNvSpPr txBox="1"/>
+          <p:nvPr/>
+        </p:nvSpPr>
+        <p:spPr>
+          <a:xfrm>
+            <a:off x="9341087" y="3705850"/>
+            <a:ext cx="1316386" cy="523220"/>
+          </a:xfrm>
+          <a:prstGeom prst="rect">
+            <a:avLst/>
+          </a:prstGeom>
+          <a:noFill/>
+        </p:spPr>
+        <p:txBody>
+          <a:bodyPr wrap="none" rtlCol="0">
+            <a:spAutoFit/>
+          </a:bodyPr>
+          <a:lstStyle/>
+          <a:p>
+            <a:r>
+              <a:rPr lang="en-US" altLang="zh-CN" sz="2800" b="1" dirty="0"/>
+              <a:t>AAFF22</a:t>
+            </a:r>
+            <a:endParaRPr lang="zh-CN" altLang="en-US" sz="2800" b="1" dirty="0"/>
+          </a:p>
+        </p:txBody>
+      </p:sp>
+      <p:sp>
+        <p:nvSpPr>
+          <p:cNvPr id="36" name="文本框 35">
+            <a:extLst>
+              <a:ext uri="{FF2B5EF4-FFF2-40B4-BE49-F238E27FC236}">
+                <a16:creationId xmlns:a16="http://schemas.microsoft.com/office/drawing/2014/main" id="{40BFF873-1A81-42A6-A6E9-3C1F9F1AB27D}"/>
+              </a:ext>
+            </a:extLst>
+          </p:cNvPr>
+          <p:cNvSpPr txBox="1"/>
+          <p:nvPr/>
+        </p:nvSpPr>
+        <p:spPr>
+          <a:xfrm>
+            <a:off x="9508436" y="4478997"/>
+            <a:ext cx="3520441" cy="2677656"/>
+          </a:xfrm>
+          <a:prstGeom prst="rect">
+            <a:avLst/>
+          </a:prstGeom>
+          <a:noFill/>
+        </p:spPr>
+        <p:txBody>
+          <a:bodyPr wrap="square" rtlCol="0">
+            <a:spAutoFit/>
+          </a:bodyPr>
+          <a:lstStyle/>
+          <a:p>
+            <a:r>
+              <a:rPr lang="en-US" altLang="zh-CN" sz="2800" dirty="0"/>
+              <a:t>    c:2, </a:t>
+            </a:r>
+            <a:r>
+              <a:rPr lang="en-US" altLang="zh-CN" sz="2800" dirty="0">
+                <a:solidFill>
+                  <a:schemeClr val="accent2"/>
+                </a:solidFill>
+              </a:rPr>
+              <a:t>3</a:t>
+            </a:r>
+          </a:p>
+          <a:p>
+            <a:r>
+              <a:rPr lang="en-US" altLang="zh-CN" sz="2800" dirty="0"/>
+              <a:t>    </a:t>
+            </a:r>
+            <a:r>
+              <a:rPr lang="en-US" altLang="zh-CN" sz="2800" dirty="0" err="1"/>
+              <a:t>getC</a:t>
+            </a:r>
+            <a:r>
+              <a:rPr lang="en-US" altLang="zh-CN" sz="2800" dirty="0"/>
+              <a:t>:(function () {</a:t>
+            </a:r>
+          </a:p>
+          <a:p>
+            <a:r>
+              <a:rPr lang="en-US" altLang="zh-CN" sz="2800" dirty="0"/>
+              <a:t>        </a:t>
+            </a:r>
+            <a:r>
+              <a:rPr lang="en-US" altLang="zh-CN" sz="2800" dirty="0" err="1"/>
+              <a:t>this.c</a:t>
+            </a:r>
+            <a:r>
+              <a:rPr lang="en-US" altLang="zh-CN" sz="2800" dirty="0"/>
+              <a:t>-=1;</a:t>
+            </a:r>
+          </a:p>
+          <a:p>
+            <a:r>
+              <a:rPr lang="en-US" altLang="zh-CN" sz="2800" dirty="0"/>
+              <a:t>        return </a:t>
+            </a:r>
+            <a:r>
+              <a:rPr lang="en-US" altLang="zh-CN" sz="2800" dirty="0" err="1"/>
+              <a:t>this.getC</a:t>
+            </a:r>
+            <a:endParaRPr lang="en-US" altLang="zh-CN" sz="2800" dirty="0"/>
+          </a:p>
+          <a:p>
+            <a:r>
+              <a:rPr lang="en-US" altLang="zh-CN" sz="2800" dirty="0"/>
+              <a:t>    })()  // =&gt; AAFF11</a:t>
+            </a:r>
+          </a:p>
+          <a:p>
+            <a:endParaRPr lang="en-US" altLang="zh-CN" sz="2800" dirty="0"/>
+          </a:p>
+        </p:txBody>
+      </p:sp>
+      <p:sp>
+        <p:nvSpPr>
+          <p:cNvPr id="11" name="矩形 10">
+            <a:extLst>
+              <a:ext uri="{FF2B5EF4-FFF2-40B4-BE49-F238E27FC236}">
+                <a16:creationId xmlns:a16="http://schemas.microsoft.com/office/drawing/2014/main" id="{1BBFD1AD-7E36-4EF0-8199-D4D94F712136}"/>
+              </a:ext>
+            </a:extLst>
+          </p:cNvPr>
+          <p:cNvSpPr/>
+          <p:nvPr/>
+        </p:nvSpPr>
+        <p:spPr>
+          <a:xfrm>
+            <a:off x="13530020" y="1146601"/>
+            <a:ext cx="2510726" cy="2387472"/>
+          </a:xfrm>
+          <a:prstGeom prst="rect">
+            <a:avLst/>
+          </a:prstGeom>
+          <a:noFill/>
+        </p:spPr>
+        <p:style>
+          <a:lnRef idx="2">
+            <a:schemeClr val="accent1">
+              <a:shade val="50000"/>
+            </a:schemeClr>
+          </a:lnRef>
+          <a:fillRef idx="1">
+            <a:schemeClr val="accent1"/>
+          </a:fillRef>
+          <a:effectRef idx="0">
+            <a:schemeClr val="accent1"/>
+          </a:effectRef>
+          <a:fontRef idx="minor">
+            <a:schemeClr val="lt1"/>
+          </a:fontRef>
+        </p:style>
+        <p:txBody>
+          <a:bodyPr rtlCol="0" anchor="ctr"/>
+          <a:lstStyle/>
+          <a:p>
+            <a:pPr algn="ctr"/>
+            <a:endParaRPr lang="zh-CN" altLang="en-US"/>
+          </a:p>
+        </p:txBody>
+      </p:sp>
+      <p:sp>
+        <p:nvSpPr>
+          <p:cNvPr id="39" name="文本框 38">
+            <a:extLst>
+              <a:ext uri="{FF2B5EF4-FFF2-40B4-BE49-F238E27FC236}">
+                <a16:creationId xmlns:a16="http://schemas.microsoft.com/office/drawing/2014/main" id="{27FF8FC9-5DCA-4B4C-8E54-78D9C2761903}"/>
+              </a:ext>
+            </a:extLst>
+          </p:cNvPr>
+          <p:cNvSpPr txBox="1"/>
+          <p:nvPr/>
+        </p:nvSpPr>
+        <p:spPr>
+          <a:xfrm>
+            <a:off x="13468997" y="422455"/>
+            <a:ext cx="1316386" cy="523220"/>
+          </a:xfrm>
+          <a:prstGeom prst="rect">
+            <a:avLst/>
+          </a:prstGeom>
+          <a:noFill/>
+        </p:spPr>
+        <p:txBody>
+          <a:bodyPr wrap="none" rtlCol="0">
+            <a:spAutoFit/>
+          </a:bodyPr>
+          <a:lstStyle/>
+          <a:p>
+            <a:r>
+              <a:rPr lang="en-US" altLang="zh-CN" sz="2800" b="1" dirty="0"/>
+              <a:t>AAFF33</a:t>
+            </a:r>
+            <a:endParaRPr lang="zh-CN" altLang="en-US" sz="2800" b="1" dirty="0"/>
+          </a:p>
+        </p:txBody>
+      </p:sp>
+      <p:sp>
+        <p:nvSpPr>
+          <p:cNvPr id="21" name="文本框 20">
+            <a:extLst>
+              <a:ext uri="{FF2B5EF4-FFF2-40B4-BE49-F238E27FC236}">
+                <a16:creationId xmlns:a16="http://schemas.microsoft.com/office/drawing/2014/main" id="{D8FDC541-9D4E-4AAF-8821-0D5950BFD4E4}"/>
+              </a:ext>
+            </a:extLst>
+          </p:cNvPr>
+          <p:cNvSpPr txBox="1"/>
+          <p:nvPr/>
+        </p:nvSpPr>
+        <p:spPr>
+          <a:xfrm>
+            <a:off x="13654007" y="1213068"/>
+            <a:ext cx="2200759" cy="1754326"/>
+          </a:xfrm>
+          <a:prstGeom prst="rect">
+            <a:avLst/>
+          </a:prstGeom>
+          <a:noFill/>
+        </p:spPr>
+        <p:txBody>
+          <a:bodyPr wrap="square" rtlCol="0">
+            <a:spAutoFit/>
+          </a:bodyPr>
+          <a:lstStyle/>
+          <a:p>
+            <a:r>
+              <a:rPr lang="en-US" altLang="zh-CN" sz="3600" dirty="0"/>
+              <a:t> </a:t>
+            </a:r>
+            <a:r>
+              <a:rPr lang="en-US" altLang="zh-CN" sz="3600" dirty="0" err="1"/>
+              <a:t>this.c</a:t>
+            </a:r>
+            <a:r>
+              <a:rPr lang="en-US" altLang="zh-CN" sz="3600" dirty="0"/>
+              <a:t>-= 1;</a:t>
+            </a:r>
+          </a:p>
+          <a:p>
+            <a:r>
+              <a:rPr lang="en-US" altLang="zh-CN" sz="3600" dirty="0"/>
+              <a:t> return </a:t>
+            </a:r>
+            <a:r>
+              <a:rPr lang="en-US" altLang="zh-CN" sz="3600" dirty="0" err="1"/>
+              <a:t>this.getC</a:t>
+            </a:r>
+            <a:endParaRPr lang="zh-CN" altLang="en-US" sz="3600" dirty="0"/>
+          </a:p>
+        </p:txBody>
+      </p:sp>
+      <p:cxnSp>
+        <p:nvCxnSpPr>
+          <p:cNvPr id="23" name="直接连接符 22">
+            <a:extLst>
+              <a:ext uri="{FF2B5EF4-FFF2-40B4-BE49-F238E27FC236}">
+                <a16:creationId xmlns:a16="http://schemas.microsoft.com/office/drawing/2014/main" id="{D33431BC-11CA-42F3-80D8-288ED3435A71}"/>
+              </a:ext>
+            </a:extLst>
+          </p:cNvPr>
+          <p:cNvCxnSpPr/>
+          <p:nvPr/>
+        </p:nvCxnSpPr>
+        <p:spPr>
+          <a:xfrm>
+            <a:off x="5114441" y="3534073"/>
+            <a:ext cx="232474" cy="541981"/>
+          </a:xfrm>
+          <a:prstGeom prst="line">
+            <a:avLst/>
+          </a:prstGeom>
+          <a:ln>
+            <a:solidFill>
+              <a:srgbClr val="FF0000"/>
+            </a:solidFill>
+          </a:ln>
+        </p:spPr>
+        <p:style>
+          <a:lnRef idx="1">
+            <a:schemeClr val="accent1"/>
+          </a:lnRef>
+          <a:fillRef idx="0">
+            <a:schemeClr val="accent1"/>
+          </a:fillRef>
+          <a:effectRef idx="0">
+            <a:schemeClr val="accent1"/>
+          </a:effectRef>
+          <a:fontRef idx="minor">
+            <a:schemeClr val="tx1"/>
+          </a:fontRef>
+        </p:style>
+      </p:cxnSp>
+      <p:sp>
+        <p:nvSpPr>
+          <p:cNvPr id="42" name="矩形 41">
+            <a:extLst>
+              <a:ext uri="{FF2B5EF4-FFF2-40B4-BE49-F238E27FC236}">
+                <a16:creationId xmlns:a16="http://schemas.microsoft.com/office/drawing/2014/main" id="{D4F6BF1C-E4A9-4E52-AAE0-448988883DC2}"/>
+              </a:ext>
+            </a:extLst>
+          </p:cNvPr>
+          <p:cNvSpPr/>
+          <p:nvPr/>
+        </p:nvSpPr>
+        <p:spPr>
+          <a:xfrm>
+            <a:off x="13530020" y="4521124"/>
+            <a:ext cx="3816974" cy="2387472"/>
+          </a:xfrm>
+          <a:prstGeom prst="rect">
+            <a:avLst/>
+          </a:prstGeom>
+        </p:spPr>
+        <p:style>
+          <a:lnRef idx="2">
+            <a:schemeClr val="dk1"/>
+          </a:lnRef>
+          <a:fillRef idx="1">
+            <a:schemeClr val="lt1"/>
+          </a:fillRef>
+          <a:effectRef idx="0">
+            <a:schemeClr val="dk1"/>
+          </a:effectRef>
+          <a:fontRef idx="minor">
+            <a:schemeClr val="dk1"/>
+          </a:fontRef>
+        </p:style>
+        <p:txBody>
+          <a:bodyPr rtlCol="0" anchor="ctr"/>
+          <a:lstStyle/>
+          <a:p>
+            <a:pPr algn="ctr"/>
+            <a:endParaRPr lang="zh-CN" altLang="en-US"/>
+          </a:p>
+        </p:txBody>
+      </p:sp>
+      <p:sp>
+        <p:nvSpPr>
+          <p:cNvPr id="43" name="文本框 42">
+            <a:extLst>
+              <a:ext uri="{FF2B5EF4-FFF2-40B4-BE49-F238E27FC236}">
+                <a16:creationId xmlns:a16="http://schemas.microsoft.com/office/drawing/2014/main" id="{972AE895-AAB1-4324-AF49-9F97B61845AA}"/>
+              </a:ext>
+            </a:extLst>
+          </p:cNvPr>
+          <p:cNvSpPr txBox="1"/>
+          <p:nvPr/>
+        </p:nvSpPr>
+        <p:spPr>
+          <a:xfrm>
+            <a:off x="13530020" y="3814444"/>
+            <a:ext cx="3417923" cy="523220"/>
+          </a:xfrm>
+          <a:prstGeom prst="rect">
+            <a:avLst/>
+          </a:prstGeom>
+          <a:noFill/>
+        </p:spPr>
+        <p:txBody>
+          <a:bodyPr wrap="none" rtlCol="0">
+            <a:spAutoFit/>
+          </a:bodyPr>
+          <a:lstStyle/>
+          <a:p>
+            <a:r>
+              <a:rPr lang="en-US" altLang="zh-CN" sz="2800" b="1" dirty="0"/>
+              <a:t>AAFF11() </a:t>
+            </a:r>
+            <a:r>
+              <a:rPr lang="zh-CN" altLang="en-US" sz="2800" b="1" dirty="0"/>
+              <a:t>无私有变量</a:t>
+            </a:r>
+          </a:p>
+        </p:txBody>
+      </p:sp>
+      <p:sp>
+        <p:nvSpPr>
+          <p:cNvPr id="44" name="文本框 43">
+            <a:extLst>
+              <a:ext uri="{FF2B5EF4-FFF2-40B4-BE49-F238E27FC236}">
+                <a16:creationId xmlns:a16="http://schemas.microsoft.com/office/drawing/2014/main" id="{85BD8725-2230-4693-808E-F2E7FD1E25C1}"/>
+              </a:ext>
+            </a:extLst>
+          </p:cNvPr>
+          <p:cNvSpPr txBox="1"/>
+          <p:nvPr/>
+        </p:nvSpPr>
+        <p:spPr>
+          <a:xfrm>
+            <a:off x="13697369" y="4587591"/>
+            <a:ext cx="4296163" cy="2246769"/>
+          </a:xfrm>
+          <a:prstGeom prst="rect">
+            <a:avLst/>
+          </a:prstGeom>
+          <a:noFill/>
+        </p:spPr>
+        <p:txBody>
+          <a:bodyPr wrap="square" rtlCol="0">
+            <a:spAutoFit/>
+          </a:bodyPr>
+          <a:lstStyle/>
+          <a:p>
+            <a:r>
+              <a:rPr lang="en-US" altLang="zh-CN" sz="2800" dirty="0"/>
+              <a:t>    </a:t>
+            </a:r>
+            <a:r>
+              <a:rPr lang="en-US" altLang="zh-CN" sz="2800" dirty="0" err="1"/>
+              <a:t>this.c</a:t>
+            </a:r>
+            <a:r>
+              <a:rPr lang="en-US" altLang="zh-CN" sz="2800" dirty="0"/>
+              <a:t>++= </a:t>
+            </a:r>
+            <a:r>
+              <a:rPr lang="en-US" altLang="zh-CN" sz="2800" dirty="0" err="1"/>
+              <a:t>window.c</a:t>
+            </a:r>
+            <a:r>
+              <a:rPr lang="en-US" altLang="zh-CN" sz="2800" dirty="0"/>
+              <a:t>++</a:t>
+            </a:r>
+          </a:p>
+          <a:p>
+            <a:r>
+              <a:rPr lang="en-US" altLang="zh-CN" sz="2800" dirty="0"/>
+              <a:t>    return function (c) {</a:t>
+            </a:r>
+          </a:p>
+          <a:p>
+            <a:r>
+              <a:rPr lang="en-US" altLang="zh-CN" sz="2800" dirty="0"/>
+              <a:t>        c=</a:t>
+            </a:r>
+            <a:r>
+              <a:rPr lang="en-US" altLang="zh-CN" sz="2800" dirty="0" err="1"/>
+              <a:t>this.c</a:t>
+            </a:r>
+            <a:r>
+              <a:rPr lang="en-US" altLang="zh-CN" sz="2800" dirty="0"/>
+              <a:t>*2;</a:t>
+            </a:r>
+          </a:p>
+          <a:p>
+            <a:r>
+              <a:rPr lang="en-US" altLang="zh-CN" sz="2800" dirty="0"/>
+              <a:t>        console.log(c);</a:t>
+            </a:r>
+          </a:p>
+          <a:p>
+            <a:r>
+              <a:rPr lang="en-US" altLang="zh-CN" sz="2800" dirty="0"/>
+              <a:t>    }</a:t>
+            </a:r>
+          </a:p>
+        </p:txBody>
+      </p:sp>
+      <p:cxnSp>
+        <p:nvCxnSpPr>
+          <p:cNvPr id="25" name="直接连接符 24">
+            <a:extLst>
+              <a:ext uri="{FF2B5EF4-FFF2-40B4-BE49-F238E27FC236}">
+                <a16:creationId xmlns:a16="http://schemas.microsoft.com/office/drawing/2014/main" id="{ABEEFF1E-E52C-4343-AB85-2A60C44CD5E1}"/>
+              </a:ext>
+            </a:extLst>
+          </p:cNvPr>
+          <p:cNvCxnSpPr/>
+          <p:nvPr/>
+        </p:nvCxnSpPr>
+        <p:spPr>
+          <a:xfrm>
+            <a:off x="5532895" y="3705850"/>
+            <a:ext cx="294468" cy="370204"/>
+          </a:xfrm>
+          <a:prstGeom prst="line">
+            <a:avLst/>
+          </a:prstGeom>
+          <a:ln>
+            <a:solidFill>
+              <a:srgbClr val="FF0000"/>
+            </a:solidFill>
+          </a:ln>
+        </p:spPr>
+        <p:style>
+          <a:lnRef idx="1">
+            <a:schemeClr val="accent1"/>
+          </a:lnRef>
+          <a:fillRef idx="0">
+            <a:schemeClr val="accent1"/>
+          </a:fillRef>
+          <a:effectRef idx="0">
+            <a:schemeClr val="accent1"/>
+          </a:effectRef>
+          <a:fontRef idx="minor">
+            <a:schemeClr val="tx1"/>
+          </a:fontRef>
+        </p:style>
+      </p:cxnSp>
+      <p:sp>
+        <p:nvSpPr>
+          <p:cNvPr id="47" name="矩形 46">
+            <a:extLst>
+              <a:ext uri="{FF2B5EF4-FFF2-40B4-BE49-F238E27FC236}">
+                <a16:creationId xmlns:a16="http://schemas.microsoft.com/office/drawing/2014/main" id="{16015D6B-D6C5-4635-B2AC-B55F10D9E445}"/>
+              </a:ext>
+            </a:extLst>
+          </p:cNvPr>
+          <p:cNvSpPr/>
+          <p:nvPr/>
+        </p:nvSpPr>
+        <p:spPr>
+          <a:xfrm>
+            <a:off x="16524079" y="1146601"/>
+            <a:ext cx="2510726" cy="2387472"/>
+          </a:xfrm>
+          <a:prstGeom prst="rect">
+            <a:avLst/>
+          </a:prstGeom>
+          <a:noFill/>
+        </p:spPr>
+        <p:style>
+          <a:lnRef idx="2">
+            <a:schemeClr val="accent1">
+              <a:shade val="50000"/>
+            </a:schemeClr>
+          </a:lnRef>
+          <a:fillRef idx="1">
+            <a:schemeClr val="accent1"/>
+          </a:fillRef>
+          <a:effectRef idx="0">
+            <a:schemeClr val="accent1"/>
+          </a:effectRef>
+          <a:fontRef idx="minor">
+            <a:schemeClr val="lt1"/>
+          </a:fontRef>
+        </p:style>
+        <p:txBody>
+          <a:bodyPr rtlCol="0" anchor="ctr"/>
+          <a:lstStyle/>
+          <a:p>
+            <a:pPr algn="ctr"/>
+            <a:endParaRPr lang="zh-CN" altLang="en-US"/>
+          </a:p>
+        </p:txBody>
+      </p:sp>
+      <p:sp>
+        <p:nvSpPr>
+          <p:cNvPr id="48" name="文本框 47">
+            <a:extLst>
+              <a:ext uri="{FF2B5EF4-FFF2-40B4-BE49-F238E27FC236}">
+                <a16:creationId xmlns:a16="http://schemas.microsoft.com/office/drawing/2014/main" id="{EBAC35FE-F58B-46DA-A3B5-F4385FF36A6E}"/>
+              </a:ext>
+            </a:extLst>
+          </p:cNvPr>
+          <p:cNvSpPr txBox="1"/>
+          <p:nvPr/>
+        </p:nvSpPr>
+        <p:spPr>
+          <a:xfrm>
+            <a:off x="16463056" y="422455"/>
+            <a:ext cx="1316386" cy="523220"/>
+          </a:xfrm>
+          <a:prstGeom prst="rect">
+            <a:avLst/>
+          </a:prstGeom>
+          <a:noFill/>
+        </p:spPr>
+        <p:txBody>
+          <a:bodyPr wrap="none" rtlCol="0">
+            <a:spAutoFit/>
+          </a:bodyPr>
+          <a:lstStyle/>
+          <a:p>
+            <a:r>
+              <a:rPr lang="en-US" altLang="zh-CN" sz="2800" b="1" dirty="0"/>
+              <a:t>AAFF44</a:t>
+            </a:r>
+            <a:endParaRPr lang="zh-CN" altLang="en-US" sz="2800" b="1" dirty="0"/>
+          </a:p>
+        </p:txBody>
+      </p:sp>
+      <p:sp>
+        <p:nvSpPr>
+          <p:cNvPr id="49" name="文本框 48">
+            <a:extLst>
+              <a:ext uri="{FF2B5EF4-FFF2-40B4-BE49-F238E27FC236}">
+                <a16:creationId xmlns:a16="http://schemas.microsoft.com/office/drawing/2014/main" id="{BC57C505-8760-4C94-8C5E-2831662D8310}"/>
+              </a:ext>
+            </a:extLst>
+          </p:cNvPr>
+          <p:cNvSpPr txBox="1"/>
+          <p:nvPr/>
+        </p:nvSpPr>
+        <p:spPr>
+          <a:xfrm>
+            <a:off x="16648066" y="1213068"/>
+            <a:ext cx="2200759" cy="1754326"/>
+          </a:xfrm>
+          <a:prstGeom prst="rect">
+            <a:avLst/>
+          </a:prstGeom>
+          <a:noFill/>
+        </p:spPr>
+        <p:txBody>
+          <a:bodyPr wrap="square" rtlCol="0">
+            <a:spAutoFit/>
+          </a:bodyPr>
+          <a:lstStyle/>
+          <a:p>
+            <a:r>
+              <a:rPr lang="en-US" altLang="zh-CN" sz="3600" dirty="0"/>
+              <a:t>c=</a:t>
+            </a:r>
+            <a:r>
+              <a:rPr lang="en-US" altLang="zh-CN" sz="3600" dirty="0" err="1"/>
+              <a:t>this.c</a:t>
+            </a:r>
+            <a:r>
+              <a:rPr lang="en-US" altLang="zh-CN" sz="3600" dirty="0"/>
+              <a:t>*2;</a:t>
+            </a:r>
+          </a:p>
+          <a:p>
+            <a:r>
+              <a:rPr lang="en-US" altLang="zh-CN" sz="3600" dirty="0"/>
+              <a:t>console.log(c);</a:t>
+            </a:r>
+          </a:p>
+        </p:txBody>
+      </p:sp>
+      <p:sp>
+        <p:nvSpPr>
+          <p:cNvPr id="54" name="矩形 53">
+            <a:extLst>
+              <a:ext uri="{FF2B5EF4-FFF2-40B4-BE49-F238E27FC236}">
+                <a16:creationId xmlns:a16="http://schemas.microsoft.com/office/drawing/2014/main" id="{FBFC7628-1EEE-42D9-BE72-6D877DD6CFD8}"/>
+              </a:ext>
+            </a:extLst>
+          </p:cNvPr>
+          <p:cNvSpPr/>
+          <p:nvPr/>
+        </p:nvSpPr>
+        <p:spPr>
+          <a:xfrm>
+            <a:off x="19439397" y="1146601"/>
+            <a:ext cx="3816974" cy="2387472"/>
+          </a:xfrm>
+          <a:prstGeom prst="rect">
+            <a:avLst/>
+          </a:prstGeom>
+        </p:spPr>
+        <p:style>
+          <a:lnRef idx="2">
+            <a:schemeClr val="dk1"/>
+          </a:lnRef>
+          <a:fillRef idx="1">
+            <a:schemeClr val="lt1"/>
+          </a:fillRef>
+          <a:effectRef idx="0">
+            <a:schemeClr val="dk1"/>
+          </a:effectRef>
+          <a:fontRef idx="minor">
+            <a:schemeClr val="dk1"/>
+          </a:fontRef>
+        </p:style>
+        <p:txBody>
+          <a:bodyPr rtlCol="0" anchor="ctr"/>
+          <a:lstStyle/>
+          <a:p>
+            <a:pPr algn="ctr"/>
+            <a:endParaRPr lang="zh-CN" altLang="en-US"/>
+          </a:p>
+        </p:txBody>
+      </p:sp>
+      <p:sp>
+        <p:nvSpPr>
+          <p:cNvPr id="55" name="文本框 54">
+            <a:extLst>
+              <a:ext uri="{FF2B5EF4-FFF2-40B4-BE49-F238E27FC236}">
+                <a16:creationId xmlns:a16="http://schemas.microsoft.com/office/drawing/2014/main" id="{10CCECA2-2685-438E-9196-03A26E7AB579}"/>
+              </a:ext>
+            </a:extLst>
+          </p:cNvPr>
+          <p:cNvSpPr txBox="1"/>
+          <p:nvPr/>
+        </p:nvSpPr>
+        <p:spPr>
+          <a:xfrm>
+            <a:off x="19439397" y="439921"/>
+            <a:ext cx="1622560" cy="523220"/>
+          </a:xfrm>
+          <a:prstGeom prst="rect">
+            <a:avLst/>
+          </a:prstGeom>
+          <a:noFill/>
+        </p:spPr>
+        <p:txBody>
+          <a:bodyPr wrap="none" rtlCol="0">
+            <a:spAutoFit/>
+          </a:bodyPr>
+          <a:lstStyle/>
+          <a:p>
+            <a:r>
+              <a:rPr lang="en-US" altLang="zh-CN" sz="2800" b="1" dirty="0"/>
+              <a:t>AAFF11( )</a:t>
+            </a:r>
+            <a:endParaRPr lang="zh-CN" altLang="en-US" sz="2800" b="1" dirty="0"/>
+          </a:p>
+        </p:txBody>
+      </p:sp>
+      <p:sp>
+        <p:nvSpPr>
+          <p:cNvPr id="56" name="文本框 55">
+            <a:extLst>
+              <a:ext uri="{FF2B5EF4-FFF2-40B4-BE49-F238E27FC236}">
+                <a16:creationId xmlns:a16="http://schemas.microsoft.com/office/drawing/2014/main" id="{667A0212-1AEC-4099-8D7E-CCEDB3C78439}"/>
+              </a:ext>
+            </a:extLst>
+          </p:cNvPr>
+          <p:cNvSpPr txBox="1"/>
+          <p:nvPr/>
+        </p:nvSpPr>
+        <p:spPr>
+          <a:xfrm>
+            <a:off x="19606746" y="1213068"/>
+            <a:ext cx="3520441" cy="2246769"/>
+          </a:xfrm>
+          <a:prstGeom prst="rect">
+            <a:avLst/>
+          </a:prstGeom>
+          <a:noFill/>
+        </p:spPr>
+        <p:txBody>
+          <a:bodyPr wrap="square" rtlCol="0">
+            <a:spAutoFit/>
+          </a:bodyPr>
+          <a:lstStyle/>
+          <a:p>
+            <a:r>
+              <a:rPr lang="en-US" altLang="zh-CN" sz="2800" dirty="0"/>
+              <a:t>    </a:t>
+            </a:r>
+            <a:r>
+              <a:rPr lang="en-US" altLang="zh-CN" sz="2800" dirty="0" err="1"/>
+              <a:t>this.c</a:t>
+            </a:r>
+            <a:r>
+              <a:rPr lang="en-US" altLang="zh-CN" sz="2800" dirty="0"/>
+              <a:t>++;//obj3.c++</a:t>
+            </a:r>
+          </a:p>
+          <a:p>
+            <a:r>
+              <a:rPr lang="en-US" altLang="zh-CN" sz="2800" dirty="0"/>
+              <a:t>    return function (c) {</a:t>
+            </a:r>
+          </a:p>
+          <a:p>
+            <a:r>
+              <a:rPr lang="en-US" altLang="zh-CN" sz="2800" dirty="0"/>
+              <a:t>        c=</a:t>
+            </a:r>
+            <a:r>
+              <a:rPr lang="en-US" altLang="zh-CN" sz="2800" dirty="0" err="1"/>
+              <a:t>this.c</a:t>
+            </a:r>
+            <a:r>
+              <a:rPr lang="en-US" altLang="zh-CN" sz="2800" dirty="0"/>
+              <a:t>*2;</a:t>
+            </a:r>
+          </a:p>
+          <a:p>
+            <a:r>
+              <a:rPr lang="en-US" altLang="zh-CN" sz="2800" dirty="0"/>
+              <a:t>        console.log(c);</a:t>
+            </a:r>
+          </a:p>
+          <a:p>
+            <a:r>
+              <a:rPr lang="en-US" altLang="zh-CN" sz="2800" dirty="0"/>
+              <a:t>    }</a:t>
+            </a:r>
+          </a:p>
+        </p:txBody>
+      </p:sp>
+      <p:cxnSp>
+        <p:nvCxnSpPr>
+          <p:cNvPr id="27" name="直接连接符 26">
+            <a:extLst>
+              <a:ext uri="{FF2B5EF4-FFF2-40B4-BE49-F238E27FC236}">
+                <a16:creationId xmlns:a16="http://schemas.microsoft.com/office/drawing/2014/main" id="{07C42AC3-03EA-4FD4-A23F-97890D4B32AF}"/>
+              </a:ext>
+            </a:extLst>
+          </p:cNvPr>
+          <p:cNvCxnSpPr/>
+          <p:nvPr/>
+        </p:nvCxnSpPr>
+        <p:spPr>
+          <a:xfrm>
+            <a:off x="10125043" y="4521124"/>
+            <a:ext cx="240722" cy="329845"/>
+          </a:xfrm>
+          <a:prstGeom prst="line">
+            <a:avLst/>
+          </a:prstGeom>
+          <a:ln>
+            <a:solidFill>
+              <a:srgbClr val="FF0000"/>
+            </a:solidFill>
+          </a:ln>
+        </p:spPr>
+        <p:style>
+          <a:lnRef idx="1">
+            <a:schemeClr val="accent1"/>
+          </a:lnRef>
+          <a:fillRef idx="0">
+            <a:schemeClr val="accent1"/>
+          </a:fillRef>
+          <a:effectRef idx="0">
+            <a:schemeClr val="accent1"/>
+          </a:effectRef>
+          <a:fontRef idx="minor">
+            <a:schemeClr val="tx1"/>
+          </a:fontRef>
+        </p:style>
+      </p:cxnSp>
+      <p:sp>
+        <p:nvSpPr>
+          <p:cNvPr id="59" name="矩形 58">
+            <a:extLst>
+              <a:ext uri="{FF2B5EF4-FFF2-40B4-BE49-F238E27FC236}">
+                <a16:creationId xmlns:a16="http://schemas.microsoft.com/office/drawing/2014/main" id="{08BB7046-BD7E-4AEC-8F9C-0932426ECD77}"/>
+              </a:ext>
+            </a:extLst>
+          </p:cNvPr>
+          <p:cNvSpPr/>
+          <p:nvPr/>
+        </p:nvSpPr>
+        <p:spPr>
+          <a:xfrm>
+            <a:off x="18160881" y="4517239"/>
+            <a:ext cx="3816974" cy="2387472"/>
+          </a:xfrm>
+          <a:prstGeom prst="rect">
+            <a:avLst/>
+          </a:prstGeom>
+        </p:spPr>
+        <p:style>
+          <a:lnRef idx="2">
+            <a:schemeClr val="dk1"/>
+          </a:lnRef>
+          <a:fillRef idx="1">
+            <a:schemeClr val="lt1"/>
+          </a:fillRef>
+          <a:effectRef idx="0">
+            <a:schemeClr val="dk1"/>
+          </a:effectRef>
+          <a:fontRef idx="minor">
+            <a:schemeClr val="dk1"/>
+          </a:fontRef>
+        </p:style>
+        <p:txBody>
+          <a:bodyPr rtlCol="0" anchor="ctr"/>
+          <a:lstStyle/>
+          <a:p>
+            <a:pPr algn="ctr"/>
+            <a:endParaRPr lang="zh-CN" altLang="en-US"/>
+          </a:p>
+        </p:txBody>
+      </p:sp>
+      <p:sp>
+        <p:nvSpPr>
+          <p:cNvPr id="61" name="文本框 60">
+            <a:extLst>
+              <a:ext uri="{FF2B5EF4-FFF2-40B4-BE49-F238E27FC236}">
+                <a16:creationId xmlns:a16="http://schemas.microsoft.com/office/drawing/2014/main" id="{25FD8007-AE72-4A18-B136-D8154EA7E2C1}"/>
+              </a:ext>
+            </a:extLst>
+          </p:cNvPr>
+          <p:cNvSpPr txBox="1"/>
+          <p:nvPr/>
+        </p:nvSpPr>
+        <p:spPr>
+          <a:xfrm>
+            <a:off x="17848137" y="3814444"/>
+            <a:ext cx="1622560" cy="523220"/>
+          </a:xfrm>
+          <a:prstGeom prst="rect">
+            <a:avLst/>
+          </a:prstGeom>
+          <a:noFill/>
+        </p:spPr>
+        <p:txBody>
+          <a:bodyPr wrap="none" rtlCol="0">
+            <a:spAutoFit/>
+          </a:bodyPr>
+          <a:lstStyle/>
+          <a:p>
+            <a:r>
+              <a:rPr lang="en-US" altLang="zh-CN" sz="2800" b="1" dirty="0"/>
+              <a:t>AAFF11( )</a:t>
+            </a:r>
+            <a:endParaRPr lang="zh-CN" altLang="en-US" sz="2800" b="1" dirty="0"/>
+          </a:p>
+        </p:txBody>
+      </p:sp>
+      <p:sp>
+        <p:nvSpPr>
+          <p:cNvPr id="65" name="文本框 64">
+            <a:extLst>
+              <a:ext uri="{FF2B5EF4-FFF2-40B4-BE49-F238E27FC236}">
+                <a16:creationId xmlns:a16="http://schemas.microsoft.com/office/drawing/2014/main" id="{B52B8FB7-3A90-4CD4-82E4-AAC423BB830B}"/>
+              </a:ext>
+            </a:extLst>
+          </p:cNvPr>
+          <p:cNvSpPr txBox="1"/>
+          <p:nvPr/>
+        </p:nvSpPr>
+        <p:spPr>
+          <a:xfrm>
+            <a:off x="18015486" y="4587591"/>
+            <a:ext cx="3816975" cy="2246769"/>
+          </a:xfrm>
+          <a:prstGeom prst="rect">
+            <a:avLst/>
+          </a:prstGeom>
+          <a:noFill/>
+        </p:spPr>
+        <p:txBody>
+          <a:bodyPr wrap="square" rtlCol="0">
+            <a:spAutoFit/>
+          </a:bodyPr>
+          <a:lstStyle/>
+          <a:p>
+            <a:r>
+              <a:rPr lang="en-US" altLang="zh-CN" sz="2800" dirty="0"/>
+              <a:t>    </a:t>
+            </a:r>
+            <a:r>
+              <a:rPr lang="en-US" altLang="zh-CN" sz="2800" dirty="0" err="1"/>
+              <a:t>this.c</a:t>
+            </a:r>
+            <a:r>
+              <a:rPr lang="en-US" altLang="zh-CN" sz="2800" dirty="0"/>
+              <a:t>++;//</a:t>
+            </a:r>
+            <a:r>
+              <a:rPr lang="en-US" altLang="zh-CN" sz="2800" dirty="0" err="1"/>
+              <a:t>window.c</a:t>
+            </a:r>
+            <a:r>
+              <a:rPr lang="en-US" altLang="zh-CN" sz="2800" dirty="0"/>
+              <a:t>++</a:t>
+            </a:r>
+          </a:p>
+          <a:p>
+            <a:r>
+              <a:rPr lang="en-US" altLang="zh-CN" sz="2800" dirty="0"/>
+              <a:t>    return function (c) {</a:t>
+            </a:r>
+          </a:p>
+          <a:p>
+            <a:r>
+              <a:rPr lang="en-US" altLang="zh-CN" sz="2800" dirty="0"/>
+              <a:t>        c=</a:t>
+            </a:r>
+            <a:r>
+              <a:rPr lang="en-US" altLang="zh-CN" sz="2800" dirty="0" err="1"/>
+              <a:t>this.c</a:t>
+            </a:r>
+            <a:r>
+              <a:rPr lang="en-US" altLang="zh-CN" sz="2800" dirty="0"/>
+              <a:t>*2;</a:t>
+            </a:r>
+          </a:p>
+          <a:p>
+            <a:r>
+              <a:rPr lang="en-US" altLang="zh-CN" sz="2800" dirty="0"/>
+              <a:t>        console.log(c);</a:t>
+            </a:r>
+          </a:p>
+          <a:p>
+            <a:r>
+              <a:rPr lang="en-US" altLang="zh-CN" sz="2800" dirty="0"/>
+              <a:t>    }</a:t>
+            </a:r>
+          </a:p>
+        </p:txBody>
+      </p:sp>
+      <p:cxnSp>
+        <p:nvCxnSpPr>
+          <p:cNvPr id="30" name="直接连接符 29">
+            <a:extLst>
+              <a:ext uri="{FF2B5EF4-FFF2-40B4-BE49-F238E27FC236}">
+                <a16:creationId xmlns:a16="http://schemas.microsoft.com/office/drawing/2014/main" id="{964F7600-7978-463B-BC07-6EEB7C73B6BE}"/>
+              </a:ext>
+            </a:extLst>
+          </p:cNvPr>
+          <p:cNvCxnSpPr/>
+          <p:nvPr/>
+        </p:nvCxnSpPr>
+        <p:spPr>
+          <a:xfrm>
+            <a:off x="5827363" y="3534073"/>
+            <a:ext cx="417115" cy="541981"/>
+          </a:xfrm>
+          <a:prstGeom prst="line">
+            <a:avLst/>
+          </a:prstGeom>
+        </p:spPr>
+        <p:style>
+          <a:lnRef idx="1">
+            <a:schemeClr val="accent1"/>
+          </a:lnRef>
+          <a:fillRef idx="0">
+            <a:schemeClr val="accent1"/>
+          </a:fillRef>
+          <a:effectRef idx="0">
+            <a:schemeClr val="accent1"/>
+          </a:effectRef>
+          <a:fontRef idx="minor">
+            <a:schemeClr val="tx1"/>
+          </a:fontRef>
+        </p:style>
+      </p:cxnSp>
+      <p:sp>
+        <p:nvSpPr>
+          <p:cNvPr id="71" name="矩形 70">
+            <a:extLst>
+              <a:ext uri="{FF2B5EF4-FFF2-40B4-BE49-F238E27FC236}">
+                <a16:creationId xmlns:a16="http://schemas.microsoft.com/office/drawing/2014/main" id="{DF136759-B32E-4FE1-8A8F-5E4769C9A3EF}"/>
+              </a:ext>
+            </a:extLst>
+          </p:cNvPr>
+          <p:cNvSpPr/>
+          <p:nvPr/>
+        </p:nvSpPr>
+        <p:spPr>
+          <a:xfrm>
+            <a:off x="22310596" y="4463988"/>
+            <a:ext cx="2510726" cy="2387472"/>
+          </a:xfrm>
+          <a:prstGeom prst="rect">
+            <a:avLst/>
+          </a:prstGeom>
+          <a:noFill/>
+        </p:spPr>
+        <p:style>
+          <a:lnRef idx="2">
+            <a:schemeClr val="accent1">
+              <a:shade val="50000"/>
+            </a:schemeClr>
+          </a:lnRef>
+          <a:fillRef idx="1">
+            <a:schemeClr val="accent1"/>
+          </a:fillRef>
+          <a:effectRef idx="0">
+            <a:schemeClr val="accent1"/>
+          </a:effectRef>
+          <a:fontRef idx="minor">
+            <a:schemeClr val="lt1"/>
+          </a:fontRef>
+        </p:style>
+        <p:txBody>
+          <a:bodyPr rtlCol="0" anchor="ctr"/>
+          <a:lstStyle/>
+          <a:p>
+            <a:pPr algn="ctr"/>
+            <a:endParaRPr lang="zh-CN" altLang="en-US"/>
+          </a:p>
+        </p:txBody>
+      </p:sp>
+      <p:sp>
+        <p:nvSpPr>
+          <p:cNvPr id="72" name="文本框 71">
+            <a:extLst>
+              <a:ext uri="{FF2B5EF4-FFF2-40B4-BE49-F238E27FC236}">
+                <a16:creationId xmlns:a16="http://schemas.microsoft.com/office/drawing/2014/main" id="{5F99E4A8-3F00-46D8-B914-99EA485887C8}"/>
+              </a:ext>
+            </a:extLst>
+          </p:cNvPr>
+          <p:cNvSpPr txBox="1"/>
+          <p:nvPr/>
+        </p:nvSpPr>
+        <p:spPr>
+          <a:xfrm>
+            <a:off x="22249573" y="3739842"/>
+            <a:ext cx="1316386" cy="523220"/>
+          </a:xfrm>
+          <a:prstGeom prst="rect">
+            <a:avLst/>
+          </a:prstGeom>
+          <a:noFill/>
+        </p:spPr>
+        <p:txBody>
+          <a:bodyPr wrap="none" rtlCol="0">
+            <a:spAutoFit/>
+          </a:bodyPr>
+          <a:lstStyle/>
+          <a:p>
+            <a:r>
+              <a:rPr lang="en-US" altLang="zh-CN" sz="2800" b="1" dirty="0"/>
+              <a:t>AAFF55</a:t>
+            </a:r>
+            <a:endParaRPr lang="zh-CN" altLang="en-US" sz="2800" b="1" dirty="0"/>
+          </a:p>
+        </p:txBody>
+      </p:sp>
+      <p:sp>
+        <p:nvSpPr>
+          <p:cNvPr id="73" name="文本框 72">
+            <a:extLst>
+              <a:ext uri="{FF2B5EF4-FFF2-40B4-BE49-F238E27FC236}">
+                <a16:creationId xmlns:a16="http://schemas.microsoft.com/office/drawing/2014/main" id="{D03C3FEA-6D18-4B6B-A74E-0C9CD4C5A596}"/>
+              </a:ext>
+            </a:extLst>
+          </p:cNvPr>
+          <p:cNvSpPr txBox="1"/>
+          <p:nvPr/>
+        </p:nvSpPr>
+        <p:spPr>
+          <a:xfrm>
+            <a:off x="22434583" y="4530455"/>
+            <a:ext cx="2200759" cy="1754326"/>
+          </a:xfrm>
+          <a:prstGeom prst="rect">
+            <a:avLst/>
+          </a:prstGeom>
+          <a:noFill/>
+        </p:spPr>
+        <p:txBody>
+          <a:bodyPr wrap="square" rtlCol="0">
+            <a:spAutoFit/>
+          </a:bodyPr>
+          <a:lstStyle/>
+          <a:p>
+            <a:r>
+              <a:rPr lang="en-US" altLang="zh-CN" sz="3600" dirty="0"/>
+              <a:t>c=</a:t>
+            </a:r>
+            <a:r>
+              <a:rPr lang="en-US" altLang="zh-CN" sz="3600" dirty="0" err="1"/>
+              <a:t>this.c</a:t>
+            </a:r>
+            <a:r>
+              <a:rPr lang="en-US" altLang="zh-CN" sz="3600" dirty="0"/>
+              <a:t>*2;</a:t>
+            </a:r>
+          </a:p>
+          <a:p>
+            <a:r>
+              <a:rPr lang="en-US" altLang="zh-CN" sz="3600" dirty="0"/>
+              <a:t>console.log(c);</a:t>
+            </a:r>
+          </a:p>
+        </p:txBody>
+      </p:sp>
+    </p:spTree>
+    <p:extLst>
+      <p:ext uri="{BB962C8B-B14F-4D97-AF65-F5344CB8AC3E}">
+        <p14:creationId xmlns:p14="http://schemas.microsoft.com/office/powerpoint/2010/main" val="2320836847"/>
+      </p:ext>
+    </p:extLst>
+  </p:cSld>
+  <p:clrMapOvr>
+    <a:masterClrMapping/>
+  </p:clrMapOvr>
+</p:sld>
+</file>
+
+<file path=ppt/slides/slide11.xml><?xml version="1.0" encoding="utf-8"?>
+<p:sld xmlns:a="http://schemas.openxmlformats.org/drawingml/2006/main" xmlns:r="http://schemas.openxmlformats.org/officeDocument/2006/relationships" xmlns:p="http://schemas.openxmlformats.org/presentationml/2006/main">
+  <p:cSld>
+    <p:spTree>
+      <p:nvGrpSpPr>
+        <p:cNvPr id="1" name=""/>
+        <p:cNvGrpSpPr/>
+        <p:nvPr/>
+      </p:nvGrpSpPr>
+      <p:grpSpPr>
+        <a:xfrm>
+          <a:off x="0" y="0"/>
+          <a:ext cx="0" cy="0"/>
+          <a:chOff x="0" y="0"/>
+          <a:chExt cx="0" cy="0"/>
+        </a:xfrm>
+      </p:grpSpPr>
+    </p:spTree>
+    <p:extLst>
+      <p:ext uri="{BB962C8B-B14F-4D97-AF65-F5344CB8AC3E}">
+        <p14:creationId xmlns:p14="http://schemas.microsoft.com/office/powerpoint/2010/main" val="2935575912"/>
+      </p:ext>
+    </p:extLst>
+  </p:cSld>
+  <p:clrMapOvr>
+    <a:masterClrMapping/>
+  </p:clrMapOvr>
+</p:sld>
+</file>
+
 <file path=ppt/slides/slide2.xml><?xml version="1.0" encoding="utf-8"?>
 <p:sld xmlns:a="http://schemas.openxmlformats.org/drawingml/2006/main" xmlns:r="http://schemas.openxmlformats.org/officeDocument/2006/relationships" xmlns:p="http://schemas.openxmlformats.org/presentationml/2006/main">
   <p:cSld>
@@ -11618,6 +13555,3854 @@
     <p:extLst>
       <p:ext uri="{BB962C8B-B14F-4D97-AF65-F5344CB8AC3E}">
         <p14:creationId xmlns:p14="http://schemas.microsoft.com/office/powerpoint/2010/main" val="1985630224"/>
+      </p:ext>
+    </p:extLst>
+  </p:cSld>
+  <p:clrMapOvr>
+    <a:masterClrMapping/>
+  </p:clrMapOvr>
+</p:sld>
+</file>
+
+<file path=ppt/slides/slide8.xml><?xml version="1.0" encoding="utf-8"?>
+<p:sld xmlns:a="http://schemas.openxmlformats.org/drawingml/2006/main" xmlns:r="http://schemas.openxmlformats.org/officeDocument/2006/relationships" xmlns:p="http://schemas.openxmlformats.org/presentationml/2006/main">
+  <p:cSld>
+    <p:spTree>
+      <p:nvGrpSpPr>
+        <p:cNvPr id="1" name=""/>
+        <p:cNvGrpSpPr/>
+        <p:nvPr/>
+      </p:nvGrpSpPr>
+      <p:grpSpPr>
+        <a:xfrm>
+          <a:off x="0" y="0"/>
+          <a:ext cx="0" cy="0"/>
+          <a:chOff x="0" y="0"/>
+          <a:chExt cx="0" cy="0"/>
+        </a:xfrm>
+      </p:grpSpPr>
+      <p:sp>
+        <p:nvSpPr>
+          <p:cNvPr id="2" name="文本框 1">
+            <a:extLst>
+              <a:ext uri="{FF2B5EF4-FFF2-40B4-BE49-F238E27FC236}">
+                <a16:creationId xmlns:a16="http://schemas.microsoft.com/office/drawing/2014/main" id="{7713A2CF-07D3-475B-B7E2-4189F49EC5F0}"/>
+              </a:ext>
+            </a:extLst>
+          </p:cNvPr>
+          <p:cNvSpPr txBox="1"/>
+          <p:nvPr/>
+        </p:nvSpPr>
+        <p:spPr>
+          <a:xfrm>
+            <a:off x="-511444" y="548640"/>
+            <a:ext cx="5594888" cy="8402300"/>
+          </a:xfrm>
+          <a:prstGeom prst="rect">
+            <a:avLst/>
+          </a:prstGeom>
+          <a:noFill/>
+        </p:spPr>
+        <p:txBody>
+          <a:bodyPr wrap="square" rtlCol="0">
+            <a:spAutoFit/>
+          </a:bodyPr>
+          <a:lstStyle/>
+          <a:p>
+            <a:r>
+              <a:rPr lang="en-US" altLang="zh-CN" sz="3600" dirty="0"/>
+              <a:t>        var a = 9;</a:t>
+            </a:r>
+          </a:p>
+          <a:p>
+            <a:r>
+              <a:rPr lang="en-US" altLang="zh-CN" sz="3600" dirty="0"/>
+              <a:t>        function ss() {</a:t>
+            </a:r>
+          </a:p>
+          <a:p>
+            <a:r>
+              <a:rPr lang="en-US" altLang="zh-CN" sz="3600" dirty="0"/>
+              <a:t>            a = 0;</a:t>
+            </a:r>
+          </a:p>
+          <a:p>
+            <a:r>
+              <a:rPr lang="en-US" altLang="zh-CN" sz="3600" dirty="0"/>
+              <a:t>            return function (b) {</a:t>
+            </a:r>
+          </a:p>
+          <a:p>
+            <a:r>
+              <a:rPr lang="en-US" altLang="zh-CN" sz="3600" dirty="0"/>
+              <a:t>                return b + (a++)</a:t>
+            </a:r>
+          </a:p>
+          <a:p>
+            <a:r>
+              <a:rPr lang="en-US" altLang="zh-CN" sz="3600" dirty="0"/>
+              <a:t>            }</a:t>
+            </a:r>
+          </a:p>
+          <a:p>
+            <a:r>
+              <a:rPr lang="en-US" altLang="zh-CN" sz="3600" dirty="0"/>
+              <a:t>        }</a:t>
+            </a:r>
+          </a:p>
+          <a:p>
+            <a:r>
+              <a:rPr lang="en-US" altLang="zh-CN" sz="3600" dirty="0"/>
+              <a:t>        var f = ss();</a:t>
+            </a:r>
+          </a:p>
+          <a:p>
+            <a:r>
+              <a:rPr lang="en-US" altLang="zh-CN" sz="3600" dirty="0"/>
+              <a:t>        var m = f(5);</a:t>
+            </a:r>
+          </a:p>
+          <a:p>
+            <a:r>
+              <a:rPr lang="en-US" altLang="zh-CN" sz="3600" dirty="0"/>
+              <a:t>        console.log(m);</a:t>
+            </a:r>
+          </a:p>
+          <a:p>
+            <a:r>
+              <a:rPr lang="en-US" altLang="zh-CN" sz="3600" dirty="0"/>
+              <a:t>        var n = ss()(5);</a:t>
+            </a:r>
+          </a:p>
+          <a:p>
+            <a:r>
+              <a:rPr lang="en-US" altLang="zh-CN" sz="3600" dirty="0"/>
+              <a:t>        console.log(n);</a:t>
+            </a:r>
+          </a:p>
+          <a:p>
+            <a:r>
+              <a:rPr lang="en-US" altLang="zh-CN" sz="3600" dirty="0"/>
+              <a:t>        var x = f(5);</a:t>
+            </a:r>
+          </a:p>
+          <a:p>
+            <a:r>
+              <a:rPr lang="en-US" altLang="zh-CN" sz="3600" dirty="0"/>
+              <a:t>        console.log(x);</a:t>
+            </a:r>
+          </a:p>
+          <a:p>
+            <a:r>
+              <a:rPr lang="en-US" altLang="zh-CN" sz="3600" dirty="0"/>
+              <a:t>        console.log(a);</a:t>
+            </a:r>
+            <a:endParaRPr lang="zh-CN" altLang="en-US" sz="3600" dirty="0"/>
+          </a:p>
+        </p:txBody>
+      </p:sp>
+      <p:sp>
+        <p:nvSpPr>
+          <p:cNvPr id="3" name="矩形 2">
+            <a:extLst>
+              <a:ext uri="{FF2B5EF4-FFF2-40B4-BE49-F238E27FC236}">
+                <a16:creationId xmlns:a16="http://schemas.microsoft.com/office/drawing/2014/main" id="{EDA2A581-D648-44DB-9D2F-EB837F930B4D}"/>
+              </a:ext>
+            </a:extLst>
+          </p:cNvPr>
+          <p:cNvSpPr/>
+          <p:nvPr/>
+        </p:nvSpPr>
+        <p:spPr>
+          <a:xfrm>
+            <a:off x="4831080" y="1310639"/>
+            <a:ext cx="4419600" cy="5958066"/>
+          </a:xfrm>
+          <a:prstGeom prst="rect">
+            <a:avLst/>
+          </a:prstGeom>
+          <a:noFill/>
+        </p:spPr>
+        <p:style>
+          <a:lnRef idx="2">
+            <a:schemeClr val="accent1">
+              <a:shade val="50000"/>
+            </a:schemeClr>
+          </a:lnRef>
+          <a:fillRef idx="1">
+            <a:schemeClr val="accent1"/>
+          </a:fillRef>
+          <a:effectRef idx="0">
+            <a:schemeClr val="accent1"/>
+          </a:effectRef>
+          <a:fontRef idx="minor">
+            <a:schemeClr val="lt1"/>
+          </a:fontRef>
+        </p:style>
+        <p:txBody>
+          <a:bodyPr rtlCol="0" anchor="ctr"/>
+          <a:lstStyle/>
+          <a:p>
+            <a:pPr algn="ctr"/>
+            <a:endParaRPr lang="zh-CN" altLang="en-US"/>
+          </a:p>
+        </p:txBody>
+      </p:sp>
+      <p:sp>
+        <p:nvSpPr>
+          <p:cNvPr id="4" name="文本框 3">
+            <a:extLst>
+              <a:ext uri="{FF2B5EF4-FFF2-40B4-BE49-F238E27FC236}">
+                <a16:creationId xmlns:a16="http://schemas.microsoft.com/office/drawing/2014/main" id="{A8DDC73D-250B-4C5C-8938-57F97254DA42}"/>
+              </a:ext>
+            </a:extLst>
+          </p:cNvPr>
+          <p:cNvSpPr txBox="1"/>
+          <p:nvPr/>
+        </p:nvSpPr>
+        <p:spPr>
+          <a:xfrm>
+            <a:off x="4831080" y="548640"/>
+            <a:ext cx="1676869" cy="646331"/>
+          </a:xfrm>
+          <a:prstGeom prst="rect">
+            <a:avLst/>
+          </a:prstGeom>
+          <a:noFill/>
+        </p:spPr>
+        <p:txBody>
+          <a:bodyPr wrap="none" rtlCol="0">
+            <a:spAutoFit/>
+          </a:bodyPr>
+          <a:lstStyle/>
+          <a:p>
+            <a:r>
+              <a:rPr lang="en-US" altLang="zh-CN" sz="3600" dirty="0">
+                <a:solidFill>
+                  <a:srgbClr val="00B0F0"/>
+                </a:solidFill>
+              </a:rPr>
+              <a:t>window</a:t>
+            </a:r>
+            <a:endParaRPr lang="zh-CN" altLang="en-US" sz="3600" dirty="0">
+              <a:solidFill>
+                <a:srgbClr val="00B0F0"/>
+              </a:solidFill>
+            </a:endParaRPr>
+          </a:p>
+        </p:txBody>
+      </p:sp>
+      <p:cxnSp>
+        <p:nvCxnSpPr>
+          <p:cNvPr id="6" name="直接连接符 5">
+            <a:extLst>
+              <a:ext uri="{FF2B5EF4-FFF2-40B4-BE49-F238E27FC236}">
+                <a16:creationId xmlns:a16="http://schemas.microsoft.com/office/drawing/2014/main" id="{DBC9F127-DCE4-44C4-84CA-CF691EFF6624}"/>
+              </a:ext>
+            </a:extLst>
+          </p:cNvPr>
+          <p:cNvCxnSpPr/>
+          <p:nvPr/>
+        </p:nvCxnSpPr>
+        <p:spPr>
+          <a:xfrm>
+            <a:off x="4831080" y="3444240"/>
+            <a:ext cx="4419600" cy="0"/>
+          </a:xfrm>
+          <a:prstGeom prst="line">
+            <a:avLst/>
+          </a:prstGeom>
+        </p:spPr>
+        <p:style>
+          <a:lnRef idx="1">
+            <a:schemeClr val="accent1"/>
+          </a:lnRef>
+          <a:fillRef idx="0">
+            <a:schemeClr val="accent1"/>
+          </a:fillRef>
+          <a:effectRef idx="0">
+            <a:schemeClr val="accent1"/>
+          </a:effectRef>
+          <a:fontRef idx="minor">
+            <a:schemeClr val="tx1"/>
+          </a:fontRef>
+        </p:style>
+      </p:cxnSp>
+      <p:sp>
+        <p:nvSpPr>
+          <p:cNvPr id="7" name="矩形 6">
+            <a:extLst>
+              <a:ext uri="{FF2B5EF4-FFF2-40B4-BE49-F238E27FC236}">
+                <a16:creationId xmlns:a16="http://schemas.microsoft.com/office/drawing/2014/main" id="{60C1CEDF-4DBE-4918-A90F-1B5FB860F951}"/>
+              </a:ext>
+            </a:extLst>
+          </p:cNvPr>
+          <p:cNvSpPr/>
+          <p:nvPr/>
+        </p:nvSpPr>
+        <p:spPr>
+          <a:xfrm>
+            <a:off x="9604558" y="1146600"/>
+            <a:ext cx="3048000" cy="2746089"/>
+          </a:xfrm>
+          <a:prstGeom prst="rect">
+            <a:avLst/>
+          </a:prstGeom>
+        </p:spPr>
+        <p:style>
+          <a:lnRef idx="2">
+            <a:schemeClr val="dk1"/>
+          </a:lnRef>
+          <a:fillRef idx="1">
+            <a:schemeClr val="lt1"/>
+          </a:fillRef>
+          <a:effectRef idx="0">
+            <a:schemeClr val="dk1"/>
+          </a:effectRef>
+          <a:fontRef idx="minor">
+            <a:schemeClr val="dk1"/>
+          </a:fontRef>
+        </p:style>
+        <p:txBody>
+          <a:bodyPr rtlCol="0" anchor="ctr"/>
+          <a:lstStyle/>
+          <a:p>
+            <a:pPr algn="ctr"/>
+            <a:endParaRPr lang="zh-CN" altLang="en-US"/>
+          </a:p>
+        </p:txBody>
+      </p:sp>
+      <p:sp>
+        <p:nvSpPr>
+          <p:cNvPr id="8" name="文本框 7">
+            <a:extLst>
+              <a:ext uri="{FF2B5EF4-FFF2-40B4-BE49-F238E27FC236}">
+                <a16:creationId xmlns:a16="http://schemas.microsoft.com/office/drawing/2014/main" id="{66FB6035-F0B5-4D3E-BEA8-A280B9D2B030}"/>
+              </a:ext>
+            </a:extLst>
+          </p:cNvPr>
+          <p:cNvSpPr txBox="1"/>
+          <p:nvPr/>
+        </p:nvSpPr>
+        <p:spPr>
+          <a:xfrm>
+            <a:off x="9604558" y="671751"/>
+            <a:ext cx="1316386" cy="523220"/>
+          </a:xfrm>
+          <a:prstGeom prst="rect">
+            <a:avLst/>
+          </a:prstGeom>
+          <a:noFill/>
+        </p:spPr>
+        <p:txBody>
+          <a:bodyPr wrap="none" rtlCol="0">
+            <a:spAutoFit/>
+          </a:bodyPr>
+          <a:lstStyle/>
+          <a:p>
+            <a:r>
+              <a:rPr lang="en-US" altLang="zh-CN" sz="2800" b="1" dirty="0"/>
+              <a:t>AAFF11</a:t>
+            </a:r>
+            <a:endParaRPr lang="zh-CN" altLang="en-US" sz="2800" b="1" dirty="0"/>
+          </a:p>
+        </p:txBody>
+      </p:sp>
+      <p:sp>
+        <p:nvSpPr>
+          <p:cNvPr id="10" name="文本框 9">
+            <a:extLst>
+              <a:ext uri="{FF2B5EF4-FFF2-40B4-BE49-F238E27FC236}">
+                <a16:creationId xmlns:a16="http://schemas.microsoft.com/office/drawing/2014/main" id="{B0752F04-6689-4607-A456-A76DCA0F25DC}"/>
+              </a:ext>
+            </a:extLst>
+          </p:cNvPr>
+          <p:cNvSpPr txBox="1"/>
+          <p:nvPr/>
+        </p:nvSpPr>
+        <p:spPr>
+          <a:xfrm>
+            <a:off x="4953000" y="1456581"/>
+            <a:ext cx="4175760" cy="1815882"/>
+          </a:xfrm>
+          <a:prstGeom prst="rect">
+            <a:avLst/>
+          </a:prstGeom>
+          <a:noFill/>
+        </p:spPr>
+        <p:txBody>
+          <a:bodyPr wrap="square" rtlCol="0">
+            <a:spAutoFit/>
+          </a:bodyPr>
+          <a:lstStyle/>
+          <a:p>
+            <a:r>
+              <a:rPr lang="zh-CN" altLang="en-US" sz="2800" dirty="0"/>
+              <a:t>变量提升：</a:t>
+            </a:r>
+            <a:endParaRPr lang="en-US" altLang="zh-CN" sz="2800" dirty="0"/>
+          </a:p>
+          <a:p>
+            <a:r>
+              <a:rPr lang="en-US" altLang="zh-CN" sz="2800" dirty="0"/>
+              <a:t>Var a </a:t>
+            </a:r>
+          </a:p>
+          <a:p>
+            <a:r>
+              <a:rPr lang="en-US" altLang="zh-CN" sz="2800" dirty="0"/>
+              <a:t>ss=AAFF11</a:t>
+            </a:r>
+          </a:p>
+          <a:p>
+            <a:r>
+              <a:rPr lang="en-US" altLang="zh-CN" sz="2800" dirty="0"/>
+              <a:t>Var f  var m var n  var x </a:t>
+            </a:r>
+          </a:p>
+        </p:txBody>
+      </p:sp>
+      <p:cxnSp>
+        <p:nvCxnSpPr>
+          <p:cNvPr id="13" name="直接箭头连接符 12">
+            <a:extLst>
+              <a:ext uri="{FF2B5EF4-FFF2-40B4-BE49-F238E27FC236}">
+                <a16:creationId xmlns:a16="http://schemas.microsoft.com/office/drawing/2014/main" id="{7E83FE5E-3397-41D5-AF3B-397CB32DAFF4}"/>
+              </a:ext>
+            </a:extLst>
+          </p:cNvPr>
+          <p:cNvCxnSpPr>
+            <a:cxnSpLocks/>
+            <a:stCxn id="8" idx="1"/>
+          </p:cNvCxnSpPr>
+          <p:nvPr/>
+        </p:nvCxnSpPr>
+        <p:spPr>
+          <a:xfrm flipH="1">
+            <a:off x="5532895" y="933361"/>
+            <a:ext cx="4071663" cy="1685853"/>
+          </a:xfrm>
+          <a:prstGeom prst="straightConnector1">
+            <a:avLst/>
+          </a:prstGeom>
+          <a:ln w="38100">
+            <a:tailEnd type="triangle"/>
+          </a:ln>
+        </p:spPr>
+        <p:style>
+          <a:lnRef idx="1">
+            <a:schemeClr val="accent1"/>
+          </a:lnRef>
+          <a:fillRef idx="0">
+            <a:schemeClr val="accent1"/>
+          </a:fillRef>
+          <a:effectRef idx="0">
+            <a:schemeClr val="accent1"/>
+          </a:effectRef>
+          <a:fontRef idx="minor">
+            <a:schemeClr val="tx1"/>
+          </a:fontRef>
+        </p:style>
+      </p:cxnSp>
+      <p:sp>
+        <p:nvSpPr>
+          <p:cNvPr id="14" name="文本框 13">
+            <a:extLst>
+              <a:ext uri="{FF2B5EF4-FFF2-40B4-BE49-F238E27FC236}">
+                <a16:creationId xmlns:a16="http://schemas.microsoft.com/office/drawing/2014/main" id="{D48C2F89-3237-4F85-9BAC-1AEEFC9CBAC4}"/>
+              </a:ext>
+            </a:extLst>
+          </p:cNvPr>
+          <p:cNvSpPr txBox="1"/>
+          <p:nvPr/>
+        </p:nvSpPr>
+        <p:spPr>
+          <a:xfrm>
+            <a:off x="4952999" y="3534073"/>
+            <a:ext cx="4293435" cy="4031873"/>
+          </a:xfrm>
+          <a:prstGeom prst="rect">
+            <a:avLst/>
+          </a:prstGeom>
+          <a:noFill/>
+        </p:spPr>
+        <p:txBody>
+          <a:bodyPr wrap="square" rtlCol="0">
+            <a:spAutoFit/>
+          </a:bodyPr>
+          <a:lstStyle/>
+          <a:p>
+            <a:r>
+              <a:rPr lang="en-US" altLang="zh-CN" sz="3200" dirty="0"/>
+              <a:t>a= 9  0  2</a:t>
+            </a:r>
+          </a:p>
+          <a:p>
+            <a:r>
+              <a:rPr lang="en-US" altLang="zh-CN" sz="3200" dirty="0"/>
+              <a:t>f=  AAFF11() = </a:t>
+            </a:r>
+            <a:r>
+              <a:rPr lang="en-US" altLang="zh-CN" sz="3200" dirty="0">
+                <a:solidFill>
+                  <a:schemeClr val="accent6">
+                    <a:lumMod val="75000"/>
+                  </a:schemeClr>
+                </a:solidFill>
+              </a:rPr>
+              <a:t>AAFF22</a:t>
+            </a:r>
+          </a:p>
+          <a:p>
+            <a:r>
+              <a:rPr lang="en-US" altLang="zh-CN" sz="3200" dirty="0">
+                <a:solidFill>
+                  <a:schemeClr val="accent6">
+                    <a:lumMod val="75000"/>
+                  </a:schemeClr>
+                </a:solidFill>
+              </a:rPr>
+              <a:t>m= AAFF22(5) =&gt;5</a:t>
+            </a:r>
+          </a:p>
+          <a:p>
+            <a:r>
+              <a:rPr lang="en-US" altLang="zh-CN" sz="3200" dirty="0">
+                <a:solidFill>
+                  <a:schemeClr val="accent6">
+                    <a:lumMod val="75000"/>
+                  </a:schemeClr>
+                </a:solidFill>
+              </a:rPr>
+              <a:t>n= ss()(5) =AAFF11()(5) =&gt;5</a:t>
+            </a:r>
+          </a:p>
+          <a:p>
+            <a:r>
+              <a:rPr lang="en-US" altLang="zh-CN" sz="3200" dirty="0">
+                <a:solidFill>
+                  <a:schemeClr val="accent6">
+                    <a:lumMod val="75000"/>
+                  </a:schemeClr>
+                </a:solidFill>
+              </a:rPr>
+              <a:t>x= f(5)=AAFF22(5) = 6</a:t>
+            </a:r>
+          </a:p>
+          <a:p>
+            <a:r>
+              <a:rPr lang="en-US" altLang="zh-CN" sz="3200" dirty="0">
+                <a:solidFill>
+                  <a:schemeClr val="accent6">
+                    <a:lumMod val="75000"/>
+                  </a:schemeClr>
+                </a:solidFill>
+              </a:rPr>
+              <a:t>a=&gt; 2</a:t>
+            </a:r>
+          </a:p>
+          <a:p>
+            <a:endParaRPr lang="zh-CN" altLang="en-US" sz="3200" dirty="0">
+              <a:solidFill>
+                <a:schemeClr val="accent6">
+                  <a:lumMod val="75000"/>
+                </a:schemeClr>
+              </a:solidFill>
+            </a:endParaRPr>
+          </a:p>
+        </p:txBody>
+      </p:sp>
+      <p:sp>
+        <p:nvSpPr>
+          <p:cNvPr id="15" name="矩形: 圆角 14">
+            <a:extLst>
+              <a:ext uri="{FF2B5EF4-FFF2-40B4-BE49-F238E27FC236}">
+                <a16:creationId xmlns:a16="http://schemas.microsoft.com/office/drawing/2014/main" id="{51AEB70B-E735-4F67-BA3B-FA6A758EEBD2}"/>
+              </a:ext>
+            </a:extLst>
+          </p:cNvPr>
+          <p:cNvSpPr/>
+          <p:nvPr/>
+        </p:nvSpPr>
+        <p:spPr>
+          <a:xfrm>
+            <a:off x="9601685" y="5100434"/>
+            <a:ext cx="3535680" cy="2746089"/>
+          </a:xfrm>
+          <a:prstGeom prst="roundRect">
+            <a:avLst>
+              <a:gd name="adj" fmla="val 6482"/>
+            </a:avLst>
+          </a:prstGeom>
+          <a:noFill/>
+        </p:spPr>
+        <p:style>
+          <a:lnRef idx="2">
+            <a:schemeClr val="accent1">
+              <a:shade val="50000"/>
+            </a:schemeClr>
+          </a:lnRef>
+          <a:fillRef idx="1">
+            <a:schemeClr val="accent1"/>
+          </a:fillRef>
+          <a:effectRef idx="0">
+            <a:schemeClr val="accent1"/>
+          </a:effectRef>
+          <a:fontRef idx="minor">
+            <a:schemeClr val="lt1"/>
+          </a:fontRef>
+        </p:style>
+        <p:txBody>
+          <a:bodyPr rtlCol="0" anchor="ctr"/>
+          <a:lstStyle/>
+          <a:p>
+            <a:pPr algn="ctr"/>
+            <a:endParaRPr lang="zh-CN" altLang="en-US"/>
+          </a:p>
+        </p:txBody>
+      </p:sp>
+      <p:sp>
+        <p:nvSpPr>
+          <p:cNvPr id="16" name="文本框 15">
+            <a:extLst>
+              <a:ext uri="{FF2B5EF4-FFF2-40B4-BE49-F238E27FC236}">
+                <a16:creationId xmlns:a16="http://schemas.microsoft.com/office/drawing/2014/main" id="{65493BFB-3290-49FA-8E73-5905F7189446}"/>
+              </a:ext>
+            </a:extLst>
+          </p:cNvPr>
+          <p:cNvSpPr txBox="1"/>
+          <p:nvPr/>
+        </p:nvSpPr>
+        <p:spPr>
+          <a:xfrm>
+            <a:off x="9524111" y="4360089"/>
+            <a:ext cx="1704313" cy="523220"/>
+          </a:xfrm>
+          <a:prstGeom prst="rect">
+            <a:avLst/>
+          </a:prstGeom>
+          <a:noFill/>
+        </p:spPr>
+        <p:txBody>
+          <a:bodyPr wrap="none" rtlCol="0">
+            <a:spAutoFit/>
+          </a:bodyPr>
+          <a:lstStyle/>
+          <a:p>
+            <a:r>
+              <a:rPr lang="en-US" altLang="zh-CN" sz="2800" b="1" dirty="0"/>
+              <a:t>AAFF11(  )</a:t>
+            </a:r>
+            <a:endParaRPr lang="zh-CN" altLang="en-US" sz="2800" b="1" dirty="0"/>
+          </a:p>
+        </p:txBody>
+      </p:sp>
+      <p:cxnSp>
+        <p:nvCxnSpPr>
+          <p:cNvPr id="18" name="直接连接符 17">
+            <a:extLst>
+              <a:ext uri="{FF2B5EF4-FFF2-40B4-BE49-F238E27FC236}">
+                <a16:creationId xmlns:a16="http://schemas.microsoft.com/office/drawing/2014/main" id="{5AA543DD-A2FE-4668-876F-C68251B6220F}"/>
+              </a:ext>
+            </a:extLst>
+          </p:cNvPr>
+          <p:cNvCxnSpPr>
+            <a:cxnSpLocks/>
+          </p:cNvCxnSpPr>
+          <p:nvPr/>
+        </p:nvCxnSpPr>
+        <p:spPr>
+          <a:xfrm>
+            <a:off x="9616925" y="6435223"/>
+            <a:ext cx="3520440" cy="0"/>
+          </a:xfrm>
+          <a:prstGeom prst="line">
+            <a:avLst/>
+          </a:prstGeom>
+        </p:spPr>
+        <p:style>
+          <a:lnRef idx="1">
+            <a:schemeClr val="accent1"/>
+          </a:lnRef>
+          <a:fillRef idx="0">
+            <a:schemeClr val="accent1"/>
+          </a:fillRef>
+          <a:effectRef idx="0">
+            <a:schemeClr val="accent1"/>
+          </a:effectRef>
+          <a:fontRef idx="minor">
+            <a:schemeClr val="tx1"/>
+          </a:fontRef>
+        </p:style>
+      </p:cxnSp>
+      <p:sp>
+        <p:nvSpPr>
+          <p:cNvPr id="19" name="文本框 18">
+            <a:extLst>
+              <a:ext uri="{FF2B5EF4-FFF2-40B4-BE49-F238E27FC236}">
+                <a16:creationId xmlns:a16="http://schemas.microsoft.com/office/drawing/2014/main" id="{1EB600D9-9068-467C-BDBD-062A6C47DD13}"/>
+              </a:ext>
+            </a:extLst>
+          </p:cNvPr>
+          <p:cNvSpPr txBox="1"/>
+          <p:nvPr/>
+        </p:nvSpPr>
+        <p:spPr>
+          <a:xfrm>
+            <a:off x="9723605" y="5144713"/>
+            <a:ext cx="2916070" cy="1077218"/>
+          </a:xfrm>
+          <a:prstGeom prst="rect">
+            <a:avLst/>
+          </a:prstGeom>
+          <a:noFill/>
+        </p:spPr>
+        <p:txBody>
+          <a:bodyPr wrap="square" rtlCol="0">
+            <a:spAutoFit/>
+          </a:bodyPr>
+          <a:lstStyle/>
+          <a:p>
+            <a:r>
+              <a:rPr lang="zh-CN" altLang="en-US" sz="3200" dirty="0"/>
+              <a:t>形参：无</a:t>
+            </a:r>
+            <a:endParaRPr lang="en-US" altLang="zh-CN" sz="3200" dirty="0"/>
+          </a:p>
+          <a:p>
+            <a:r>
+              <a:rPr lang="zh-CN" altLang="en-US" sz="3200" dirty="0"/>
+              <a:t>变量提升</a:t>
+            </a:r>
+            <a:r>
+              <a:rPr lang="en-US" altLang="zh-CN" sz="3200" dirty="0"/>
+              <a:t>: </a:t>
+            </a:r>
+            <a:r>
+              <a:rPr lang="zh-CN" altLang="en-US" sz="3200" dirty="0"/>
+              <a:t>无</a:t>
+            </a:r>
+          </a:p>
+        </p:txBody>
+      </p:sp>
+      <p:sp>
+        <p:nvSpPr>
+          <p:cNvPr id="20" name="文本框 19">
+            <a:extLst>
+              <a:ext uri="{FF2B5EF4-FFF2-40B4-BE49-F238E27FC236}">
+                <a16:creationId xmlns:a16="http://schemas.microsoft.com/office/drawing/2014/main" id="{40798C7E-4262-4937-B943-E2FD7519CCB1}"/>
+              </a:ext>
+            </a:extLst>
+          </p:cNvPr>
+          <p:cNvSpPr txBox="1"/>
+          <p:nvPr/>
+        </p:nvSpPr>
+        <p:spPr>
+          <a:xfrm>
+            <a:off x="9726478" y="6513347"/>
+            <a:ext cx="2926080" cy="1077218"/>
+          </a:xfrm>
+          <a:prstGeom prst="rect">
+            <a:avLst/>
+          </a:prstGeom>
+          <a:noFill/>
+        </p:spPr>
+        <p:txBody>
+          <a:bodyPr wrap="square" rtlCol="0">
+            <a:spAutoFit/>
+          </a:bodyPr>
+          <a:lstStyle/>
+          <a:p>
+            <a:r>
+              <a:rPr lang="en-US" altLang="zh-CN" sz="3200" dirty="0"/>
+              <a:t>a = 0 1  2</a:t>
+            </a:r>
+          </a:p>
+          <a:p>
+            <a:r>
+              <a:rPr lang="en-US" altLang="zh-CN" sz="3200" dirty="0"/>
+              <a:t>Return  </a:t>
+            </a:r>
+            <a:r>
+              <a:rPr lang="en-US" altLang="zh-CN" sz="3200" dirty="0">
+                <a:solidFill>
+                  <a:schemeClr val="accent6">
+                    <a:lumMod val="75000"/>
+                  </a:schemeClr>
+                </a:solidFill>
+              </a:rPr>
+              <a:t>AAFF22</a:t>
+            </a:r>
+            <a:endParaRPr lang="zh-CN" altLang="en-US" sz="3200" dirty="0">
+              <a:solidFill>
+                <a:schemeClr val="accent6">
+                  <a:lumMod val="75000"/>
+                </a:schemeClr>
+              </a:solidFill>
+            </a:endParaRPr>
+          </a:p>
+        </p:txBody>
+      </p:sp>
+      <p:sp>
+        <p:nvSpPr>
+          <p:cNvPr id="9" name="文本框 8">
+            <a:extLst>
+              <a:ext uri="{FF2B5EF4-FFF2-40B4-BE49-F238E27FC236}">
+                <a16:creationId xmlns:a16="http://schemas.microsoft.com/office/drawing/2014/main" id="{52B47153-E632-45B5-9517-A31D43493DF2}"/>
+              </a:ext>
+            </a:extLst>
+          </p:cNvPr>
+          <p:cNvSpPr txBox="1"/>
+          <p:nvPr/>
+        </p:nvSpPr>
+        <p:spPr>
+          <a:xfrm>
+            <a:off x="9723605" y="1166589"/>
+            <a:ext cx="2715593" cy="2677656"/>
+          </a:xfrm>
+          <a:prstGeom prst="rect">
+            <a:avLst/>
+          </a:prstGeom>
+          <a:noFill/>
+        </p:spPr>
+        <p:txBody>
+          <a:bodyPr wrap="square" rtlCol="0">
+            <a:spAutoFit/>
+          </a:bodyPr>
+          <a:lstStyle/>
+          <a:p>
+            <a:r>
+              <a:rPr lang="en-US" altLang="zh-CN" sz="2800" dirty="0"/>
+              <a:t>a = 0;</a:t>
+            </a:r>
+          </a:p>
+          <a:p>
+            <a:r>
+              <a:rPr lang="en-US" altLang="zh-CN" sz="2800" dirty="0"/>
+              <a:t>            return function (b) {</a:t>
+            </a:r>
+          </a:p>
+          <a:p>
+            <a:r>
+              <a:rPr lang="en-US" altLang="zh-CN" sz="2800" dirty="0"/>
+              <a:t>                return b + (a++)</a:t>
+            </a:r>
+          </a:p>
+          <a:p>
+            <a:r>
+              <a:rPr lang="en-US" altLang="zh-CN" sz="2800" dirty="0"/>
+              <a:t>            }</a:t>
+            </a:r>
+          </a:p>
+        </p:txBody>
+      </p:sp>
+      <p:cxnSp>
+        <p:nvCxnSpPr>
+          <p:cNvPr id="21" name="直接连接符 20">
+            <a:extLst>
+              <a:ext uri="{FF2B5EF4-FFF2-40B4-BE49-F238E27FC236}">
+                <a16:creationId xmlns:a16="http://schemas.microsoft.com/office/drawing/2014/main" id="{2B9BD2E6-243D-4F67-9119-B0026742E009}"/>
+              </a:ext>
+            </a:extLst>
+          </p:cNvPr>
+          <p:cNvCxnSpPr/>
+          <p:nvPr/>
+        </p:nvCxnSpPr>
+        <p:spPr>
+          <a:xfrm>
+            <a:off x="5437322" y="3616018"/>
+            <a:ext cx="458225" cy="481471"/>
+          </a:xfrm>
+          <a:prstGeom prst="line">
+            <a:avLst/>
+          </a:prstGeom>
+          <a:ln>
+            <a:solidFill>
+              <a:srgbClr val="FF0000"/>
+            </a:solidFill>
+          </a:ln>
+        </p:spPr>
+        <p:style>
+          <a:lnRef idx="1">
+            <a:schemeClr val="accent1"/>
+          </a:lnRef>
+          <a:fillRef idx="0">
+            <a:schemeClr val="accent1"/>
+          </a:fillRef>
+          <a:effectRef idx="0">
+            <a:schemeClr val="accent1"/>
+          </a:effectRef>
+          <a:fontRef idx="minor">
+            <a:schemeClr val="tx1"/>
+          </a:fontRef>
+        </p:style>
+      </p:cxnSp>
+      <p:sp>
+        <p:nvSpPr>
+          <p:cNvPr id="22" name="矩形 21">
+            <a:extLst>
+              <a:ext uri="{FF2B5EF4-FFF2-40B4-BE49-F238E27FC236}">
+                <a16:creationId xmlns:a16="http://schemas.microsoft.com/office/drawing/2014/main" id="{77D56EED-D5FA-47DF-B3C5-5E1818FDB31F}"/>
+              </a:ext>
+            </a:extLst>
+          </p:cNvPr>
+          <p:cNvSpPr/>
+          <p:nvPr/>
+        </p:nvSpPr>
+        <p:spPr>
+          <a:xfrm>
+            <a:off x="13488370" y="1194971"/>
+            <a:ext cx="2645366" cy="2150976"/>
+          </a:xfrm>
+          <a:prstGeom prst="rect">
+            <a:avLst/>
+          </a:prstGeom>
+          <a:noFill/>
+          <a:ln>
+            <a:solidFill>
+              <a:srgbClr val="0070C0"/>
+            </a:solidFill>
+          </a:ln>
+        </p:spPr>
+        <p:style>
+          <a:lnRef idx="2">
+            <a:schemeClr val="accent1">
+              <a:shade val="50000"/>
+            </a:schemeClr>
+          </a:lnRef>
+          <a:fillRef idx="1">
+            <a:schemeClr val="accent1"/>
+          </a:fillRef>
+          <a:effectRef idx="0">
+            <a:schemeClr val="accent1"/>
+          </a:effectRef>
+          <a:fontRef idx="minor">
+            <a:schemeClr val="lt1"/>
+          </a:fontRef>
+        </p:style>
+        <p:txBody>
+          <a:bodyPr rtlCol="0" anchor="ctr"/>
+          <a:lstStyle/>
+          <a:p>
+            <a:pPr algn="ctr"/>
+            <a:endParaRPr lang="zh-CN" altLang="en-US"/>
+          </a:p>
+        </p:txBody>
+      </p:sp>
+      <p:sp>
+        <p:nvSpPr>
+          <p:cNvPr id="23" name="文本框 22">
+            <a:extLst>
+              <a:ext uri="{FF2B5EF4-FFF2-40B4-BE49-F238E27FC236}">
+                <a16:creationId xmlns:a16="http://schemas.microsoft.com/office/drawing/2014/main" id="{550060EE-BF1D-459B-AF53-EB2B69FEF4A7}"/>
+              </a:ext>
+            </a:extLst>
+          </p:cNvPr>
+          <p:cNvSpPr txBox="1"/>
+          <p:nvPr/>
+        </p:nvSpPr>
+        <p:spPr>
+          <a:xfrm>
+            <a:off x="13480457" y="504973"/>
+            <a:ext cx="1316386" cy="523220"/>
+          </a:xfrm>
+          <a:prstGeom prst="rect">
+            <a:avLst/>
+          </a:prstGeom>
+          <a:noFill/>
+        </p:spPr>
+        <p:txBody>
+          <a:bodyPr wrap="none" rtlCol="0">
+            <a:spAutoFit/>
+          </a:bodyPr>
+          <a:lstStyle/>
+          <a:p>
+            <a:r>
+              <a:rPr lang="en-US" altLang="zh-CN" sz="2800" b="1" dirty="0">
+                <a:solidFill>
+                  <a:schemeClr val="accent6">
+                    <a:lumMod val="75000"/>
+                  </a:schemeClr>
+                </a:solidFill>
+              </a:rPr>
+              <a:t>AAFF22</a:t>
+            </a:r>
+            <a:endParaRPr lang="zh-CN" altLang="en-US" sz="2800" b="1" dirty="0">
+              <a:solidFill>
+                <a:schemeClr val="accent6">
+                  <a:lumMod val="75000"/>
+                </a:schemeClr>
+              </a:solidFill>
+            </a:endParaRPr>
+          </a:p>
+        </p:txBody>
+      </p:sp>
+      <p:sp>
+        <p:nvSpPr>
+          <p:cNvPr id="24" name="文本框 23">
+            <a:extLst>
+              <a:ext uri="{FF2B5EF4-FFF2-40B4-BE49-F238E27FC236}">
+                <a16:creationId xmlns:a16="http://schemas.microsoft.com/office/drawing/2014/main" id="{8D873A19-2496-4B8A-85A2-D5138D259C77}"/>
+              </a:ext>
+            </a:extLst>
+          </p:cNvPr>
+          <p:cNvSpPr txBox="1"/>
+          <p:nvPr/>
+        </p:nvSpPr>
+        <p:spPr>
+          <a:xfrm>
+            <a:off x="13631761" y="1310639"/>
+            <a:ext cx="2362490" cy="1323439"/>
+          </a:xfrm>
+          <a:prstGeom prst="rect">
+            <a:avLst/>
+          </a:prstGeom>
+          <a:noFill/>
+        </p:spPr>
+        <p:txBody>
+          <a:bodyPr wrap="square" rtlCol="0">
+            <a:spAutoFit/>
+          </a:bodyPr>
+          <a:lstStyle/>
+          <a:p>
+            <a:r>
+              <a:rPr lang="en-US" altLang="zh-CN" sz="4000" dirty="0"/>
+              <a:t>return b + (a++)</a:t>
+            </a:r>
+            <a:endParaRPr lang="zh-CN" altLang="en-US" sz="4000" dirty="0"/>
+          </a:p>
+        </p:txBody>
+      </p:sp>
+      <p:sp>
+        <p:nvSpPr>
+          <p:cNvPr id="25" name="矩形 24">
+            <a:extLst>
+              <a:ext uri="{FF2B5EF4-FFF2-40B4-BE49-F238E27FC236}">
+                <a16:creationId xmlns:a16="http://schemas.microsoft.com/office/drawing/2014/main" id="{F9243FF1-E500-49D3-95E5-DE41082C97CF}"/>
+              </a:ext>
+            </a:extLst>
+          </p:cNvPr>
+          <p:cNvSpPr/>
+          <p:nvPr/>
+        </p:nvSpPr>
+        <p:spPr>
+          <a:xfrm>
+            <a:off x="16672591" y="1194971"/>
+            <a:ext cx="2645366" cy="2077492"/>
+          </a:xfrm>
+          <a:prstGeom prst="rect">
+            <a:avLst/>
+          </a:prstGeom>
+          <a:noFill/>
+          <a:ln>
+            <a:solidFill>
+              <a:srgbClr val="0070C0"/>
+            </a:solidFill>
+          </a:ln>
+        </p:spPr>
+        <p:style>
+          <a:lnRef idx="2">
+            <a:schemeClr val="accent1">
+              <a:shade val="50000"/>
+            </a:schemeClr>
+          </a:lnRef>
+          <a:fillRef idx="1">
+            <a:schemeClr val="accent1"/>
+          </a:fillRef>
+          <a:effectRef idx="0">
+            <a:schemeClr val="accent1"/>
+          </a:effectRef>
+          <a:fontRef idx="minor">
+            <a:schemeClr val="lt1"/>
+          </a:fontRef>
+        </p:style>
+        <p:txBody>
+          <a:bodyPr rtlCol="0" anchor="ctr"/>
+          <a:lstStyle/>
+          <a:p>
+            <a:pPr algn="ctr"/>
+            <a:endParaRPr lang="zh-CN" altLang="en-US"/>
+          </a:p>
+        </p:txBody>
+      </p:sp>
+      <p:sp>
+        <p:nvSpPr>
+          <p:cNvPr id="26" name="文本框 25">
+            <a:extLst>
+              <a:ext uri="{FF2B5EF4-FFF2-40B4-BE49-F238E27FC236}">
+                <a16:creationId xmlns:a16="http://schemas.microsoft.com/office/drawing/2014/main" id="{155C1B8F-1EFB-4D93-8D44-CF805B82D422}"/>
+              </a:ext>
+            </a:extLst>
+          </p:cNvPr>
+          <p:cNvSpPr txBox="1"/>
+          <p:nvPr/>
+        </p:nvSpPr>
+        <p:spPr>
+          <a:xfrm>
+            <a:off x="16664678" y="504973"/>
+            <a:ext cx="1723549" cy="523220"/>
+          </a:xfrm>
+          <a:prstGeom prst="rect">
+            <a:avLst/>
+          </a:prstGeom>
+          <a:noFill/>
+        </p:spPr>
+        <p:txBody>
+          <a:bodyPr wrap="none" rtlCol="0">
+            <a:spAutoFit/>
+          </a:bodyPr>
+          <a:lstStyle/>
+          <a:p>
+            <a:r>
+              <a:rPr lang="en-US" altLang="zh-CN" sz="2800" b="1" dirty="0">
+                <a:solidFill>
+                  <a:schemeClr val="accent6">
+                    <a:lumMod val="75000"/>
+                  </a:schemeClr>
+                </a:solidFill>
+              </a:rPr>
+              <a:t>AAFF22(5)</a:t>
+            </a:r>
+            <a:endParaRPr lang="zh-CN" altLang="en-US" sz="2800" b="1" dirty="0">
+              <a:solidFill>
+                <a:schemeClr val="accent6">
+                  <a:lumMod val="75000"/>
+                </a:schemeClr>
+              </a:solidFill>
+            </a:endParaRPr>
+          </a:p>
+        </p:txBody>
+      </p:sp>
+      <p:sp>
+        <p:nvSpPr>
+          <p:cNvPr id="27" name="文本框 26">
+            <a:extLst>
+              <a:ext uri="{FF2B5EF4-FFF2-40B4-BE49-F238E27FC236}">
+                <a16:creationId xmlns:a16="http://schemas.microsoft.com/office/drawing/2014/main" id="{269D04CB-B592-4F8D-BAD8-665E8FB69AF2}"/>
+              </a:ext>
+            </a:extLst>
+          </p:cNvPr>
+          <p:cNvSpPr txBox="1"/>
+          <p:nvPr/>
+        </p:nvSpPr>
+        <p:spPr>
+          <a:xfrm>
+            <a:off x="16814029" y="1776287"/>
+            <a:ext cx="2932426" cy="1569660"/>
+          </a:xfrm>
+          <a:prstGeom prst="rect">
+            <a:avLst/>
+          </a:prstGeom>
+          <a:noFill/>
+        </p:spPr>
+        <p:txBody>
+          <a:bodyPr wrap="square" rtlCol="0">
+            <a:spAutoFit/>
+          </a:bodyPr>
+          <a:lstStyle/>
+          <a:p>
+            <a:r>
+              <a:rPr lang="en-US" altLang="zh-CN" sz="3200" dirty="0"/>
+              <a:t>Return</a:t>
+            </a:r>
+          </a:p>
+          <a:p>
+            <a:r>
+              <a:rPr lang="en-US" altLang="zh-CN" sz="3200" dirty="0"/>
+              <a:t> b + (a++)</a:t>
+            </a:r>
+          </a:p>
+          <a:p>
+            <a:r>
+              <a:rPr lang="en-US" altLang="zh-CN" sz="3200" dirty="0"/>
+              <a:t>5+(0++) =5</a:t>
+            </a:r>
+            <a:endParaRPr lang="zh-CN" altLang="en-US" sz="3200" dirty="0"/>
+          </a:p>
+        </p:txBody>
+      </p:sp>
+      <p:cxnSp>
+        <p:nvCxnSpPr>
+          <p:cNvPr id="29" name="直接连接符 28">
+            <a:extLst>
+              <a:ext uri="{FF2B5EF4-FFF2-40B4-BE49-F238E27FC236}">
+                <a16:creationId xmlns:a16="http://schemas.microsoft.com/office/drawing/2014/main" id="{63ADBC6E-3871-4570-AEAB-089A53F60190}"/>
+              </a:ext>
+            </a:extLst>
+          </p:cNvPr>
+          <p:cNvCxnSpPr/>
+          <p:nvPr/>
+        </p:nvCxnSpPr>
+        <p:spPr>
+          <a:xfrm>
+            <a:off x="16672591" y="1848823"/>
+            <a:ext cx="2645366" cy="0"/>
+          </a:xfrm>
+          <a:prstGeom prst="line">
+            <a:avLst/>
+          </a:prstGeom>
+        </p:spPr>
+        <p:style>
+          <a:lnRef idx="1">
+            <a:schemeClr val="accent1"/>
+          </a:lnRef>
+          <a:fillRef idx="0">
+            <a:schemeClr val="accent1"/>
+          </a:fillRef>
+          <a:effectRef idx="0">
+            <a:schemeClr val="accent1"/>
+          </a:effectRef>
+          <a:fontRef idx="minor">
+            <a:schemeClr val="tx1"/>
+          </a:fontRef>
+        </p:style>
+      </p:cxnSp>
+      <p:sp>
+        <p:nvSpPr>
+          <p:cNvPr id="30" name="文本框 29">
+            <a:extLst>
+              <a:ext uri="{FF2B5EF4-FFF2-40B4-BE49-F238E27FC236}">
+                <a16:creationId xmlns:a16="http://schemas.microsoft.com/office/drawing/2014/main" id="{46E27BE2-396D-4FBB-848C-5C4D74FD20F2}"/>
+              </a:ext>
+            </a:extLst>
+          </p:cNvPr>
+          <p:cNvSpPr txBox="1"/>
+          <p:nvPr/>
+        </p:nvSpPr>
+        <p:spPr>
+          <a:xfrm>
+            <a:off x="16724221" y="1310639"/>
+            <a:ext cx="2362490" cy="523220"/>
+          </a:xfrm>
+          <a:prstGeom prst="rect">
+            <a:avLst/>
+          </a:prstGeom>
+          <a:noFill/>
+        </p:spPr>
+        <p:txBody>
+          <a:bodyPr wrap="square" rtlCol="0">
+            <a:spAutoFit/>
+          </a:bodyPr>
+          <a:lstStyle/>
+          <a:p>
+            <a:r>
+              <a:rPr lang="zh-CN" altLang="en-US" sz="2800" dirty="0"/>
+              <a:t>形参：</a:t>
+            </a:r>
+            <a:r>
+              <a:rPr lang="en-US" altLang="zh-CN" sz="2800" dirty="0"/>
+              <a:t>b=5</a:t>
+            </a:r>
+            <a:endParaRPr lang="zh-CN" altLang="en-US" sz="2800" dirty="0"/>
+          </a:p>
+        </p:txBody>
+      </p:sp>
+      <p:cxnSp>
+        <p:nvCxnSpPr>
+          <p:cNvPr id="32" name="直接连接符 31">
+            <a:extLst>
+              <a:ext uri="{FF2B5EF4-FFF2-40B4-BE49-F238E27FC236}">
+                <a16:creationId xmlns:a16="http://schemas.microsoft.com/office/drawing/2014/main" id="{D653B819-03E7-465A-817F-61E6125E7A3E}"/>
+              </a:ext>
+            </a:extLst>
+          </p:cNvPr>
+          <p:cNvCxnSpPr/>
+          <p:nvPr/>
+        </p:nvCxnSpPr>
+        <p:spPr>
+          <a:xfrm>
+            <a:off x="10425968" y="6513348"/>
+            <a:ext cx="159374" cy="476388"/>
+          </a:xfrm>
+          <a:prstGeom prst="line">
+            <a:avLst/>
+          </a:prstGeom>
+          <a:ln>
+            <a:solidFill>
+              <a:srgbClr val="FF0000"/>
+            </a:solidFill>
+          </a:ln>
+        </p:spPr>
+        <p:style>
+          <a:lnRef idx="1">
+            <a:schemeClr val="accent1"/>
+          </a:lnRef>
+          <a:fillRef idx="0">
+            <a:schemeClr val="accent1"/>
+          </a:fillRef>
+          <a:effectRef idx="0">
+            <a:schemeClr val="accent1"/>
+          </a:effectRef>
+          <a:fontRef idx="minor">
+            <a:schemeClr val="tx1"/>
+          </a:fontRef>
+        </p:style>
+      </p:cxnSp>
+      <p:sp>
+        <p:nvSpPr>
+          <p:cNvPr id="33" name="矩形: 圆角 32">
+            <a:extLst>
+              <a:ext uri="{FF2B5EF4-FFF2-40B4-BE49-F238E27FC236}">
+                <a16:creationId xmlns:a16="http://schemas.microsoft.com/office/drawing/2014/main" id="{020824A1-BAA5-4014-92B8-AE2D325E06DB}"/>
+              </a:ext>
+            </a:extLst>
+          </p:cNvPr>
+          <p:cNvSpPr/>
+          <p:nvPr/>
+        </p:nvSpPr>
+        <p:spPr>
+          <a:xfrm>
+            <a:off x="13634601" y="5056155"/>
+            <a:ext cx="3535680" cy="2746089"/>
+          </a:xfrm>
+          <a:prstGeom prst="roundRect">
+            <a:avLst>
+              <a:gd name="adj" fmla="val 6482"/>
+            </a:avLst>
+          </a:prstGeom>
+          <a:noFill/>
+        </p:spPr>
+        <p:style>
+          <a:lnRef idx="2">
+            <a:schemeClr val="accent1">
+              <a:shade val="50000"/>
+            </a:schemeClr>
+          </a:lnRef>
+          <a:fillRef idx="1">
+            <a:schemeClr val="accent1"/>
+          </a:fillRef>
+          <a:effectRef idx="0">
+            <a:schemeClr val="accent1"/>
+          </a:effectRef>
+          <a:fontRef idx="minor">
+            <a:schemeClr val="lt1"/>
+          </a:fontRef>
+        </p:style>
+        <p:txBody>
+          <a:bodyPr rtlCol="0" anchor="ctr"/>
+          <a:lstStyle/>
+          <a:p>
+            <a:pPr algn="ctr"/>
+            <a:endParaRPr lang="zh-CN" altLang="en-US"/>
+          </a:p>
+        </p:txBody>
+      </p:sp>
+      <p:sp>
+        <p:nvSpPr>
+          <p:cNvPr id="34" name="文本框 33">
+            <a:extLst>
+              <a:ext uri="{FF2B5EF4-FFF2-40B4-BE49-F238E27FC236}">
+                <a16:creationId xmlns:a16="http://schemas.microsoft.com/office/drawing/2014/main" id="{F192E382-A131-418F-AD7D-CE682368EA75}"/>
+              </a:ext>
+            </a:extLst>
+          </p:cNvPr>
+          <p:cNvSpPr txBox="1"/>
+          <p:nvPr/>
+        </p:nvSpPr>
+        <p:spPr>
+          <a:xfrm>
+            <a:off x="13557027" y="4315810"/>
+            <a:ext cx="1622560" cy="523220"/>
+          </a:xfrm>
+          <a:prstGeom prst="rect">
+            <a:avLst/>
+          </a:prstGeom>
+          <a:noFill/>
+        </p:spPr>
+        <p:txBody>
+          <a:bodyPr wrap="none" rtlCol="0">
+            <a:spAutoFit/>
+          </a:bodyPr>
+          <a:lstStyle/>
+          <a:p>
+            <a:r>
+              <a:rPr lang="en-US" altLang="zh-CN" sz="2800" b="1" dirty="0"/>
+              <a:t>AAFF11( )</a:t>
+            </a:r>
+            <a:endParaRPr lang="zh-CN" altLang="en-US" sz="2800" b="1" dirty="0"/>
+          </a:p>
+        </p:txBody>
+      </p:sp>
+      <p:cxnSp>
+        <p:nvCxnSpPr>
+          <p:cNvPr id="35" name="直接连接符 34">
+            <a:extLst>
+              <a:ext uri="{FF2B5EF4-FFF2-40B4-BE49-F238E27FC236}">
+                <a16:creationId xmlns:a16="http://schemas.microsoft.com/office/drawing/2014/main" id="{770F9E80-FD4F-4760-90C2-813A9263D1FF}"/>
+              </a:ext>
+            </a:extLst>
+          </p:cNvPr>
+          <p:cNvCxnSpPr>
+            <a:cxnSpLocks/>
+          </p:cNvCxnSpPr>
+          <p:nvPr/>
+        </p:nvCxnSpPr>
+        <p:spPr>
+          <a:xfrm>
+            <a:off x="13649841" y="6390944"/>
+            <a:ext cx="3520440" cy="0"/>
+          </a:xfrm>
+          <a:prstGeom prst="line">
+            <a:avLst/>
+          </a:prstGeom>
+        </p:spPr>
+        <p:style>
+          <a:lnRef idx="1">
+            <a:schemeClr val="accent1"/>
+          </a:lnRef>
+          <a:fillRef idx="0">
+            <a:schemeClr val="accent1"/>
+          </a:fillRef>
+          <a:effectRef idx="0">
+            <a:schemeClr val="accent1"/>
+          </a:effectRef>
+          <a:fontRef idx="minor">
+            <a:schemeClr val="tx1"/>
+          </a:fontRef>
+        </p:style>
+      </p:cxnSp>
+      <p:sp>
+        <p:nvSpPr>
+          <p:cNvPr id="36" name="文本框 35">
+            <a:extLst>
+              <a:ext uri="{FF2B5EF4-FFF2-40B4-BE49-F238E27FC236}">
+                <a16:creationId xmlns:a16="http://schemas.microsoft.com/office/drawing/2014/main" id="{F45047B0-49BD-4D14-B424-1D400C296CE8}"/>
+              </a:ext>
+            </a:extLst>
+          </p:cNvPr>
+          <p:cNvSpPr txBox="1"/>
+          <p:nvPr/>
+        </p:nvSpPr>
+        <p:spPr>
+          <a:xfrm>
+            <a:off x="13756521" y="5100434"/>
+            <a:ext cx="2916070" cy="1077218"/>
+          </a:xfrm>
+          <a:prstGeom prst="rect">
+            <a:avLst/>
+          </a:prstGeom>
+          <a:noFill/>
+        </p:spPr>
+        <p:txBody>
+          <a:bodyPr wrap="square" rtlCol="0">
+            <a:spAutoFit/>
+          </a:bodyPr>
+          <a:lstStyle/>
+          <a:p>
+            <a:r>
+              <a:rPr lang="zh-CN" altLang="en-US" sz="3200" dirty="0"/>
+              <a:t>形参：无</a:t>
+            </a:r>
+            <a:endParaRPr lang="en-US" altLang="zh-CN" sz="3200" dirty="0"/>
+          </a:p>
+          <a:p>
+            <a:r>
+              <a:rPr lang="zh-CN" altLang="en-US" sz="3200" dirty="0"/>
+              <a:t>变量提升</a:t>
+            </a:r>
+            <a:r>
+              <a:rPr lang="en-US" altLang="zh-CN" sz="3200" dirty="0"/>
+              <a:t>: </a:t>
+            </a:r>
+            <a:r>
+              <a:rPr lang="zh-CN" altLang="en-US" sz="3200" dirty="0"/>
+              <a:t>无</a:t>
+            </a:r>
+          </a:p>
+        </p:txBody>
+      </p:sp>
+      <p:sp>
+        <p:nvSpPr>
+          <p:cNvPr id="37" name="文本框 36">
+            <a:extLst>
+              <a:ext uri="{FF2B5EF4-FFF2-40B4-BE49-F238E27FC236}">
+                <a16:creationId xmlns:a16="http://schemas.microsoft.com/office/drawing/2014/main" id="{547B5D19-A03F-45D6-9D00-CB92540957EC}"/>
+              </a:ext>
+            </a:extLst>
+          </p:cNvPr>
+          <p:cNvSpPr txBox="1"/>
+          <p:nvPr/>
+        </p:nvSpPr>
+        <p:spPr>
+          <a:xfrm>
+            <a:off x="13759394" y="6469068"/>
+            <a:ext cx="2926080" cy="1077218"/>
+          </a:xfrm>
+          <a:prstGeom prst="rect">
+            <a:avLst/>
+          </a:prstGeom>
+          <a:noFill/>
+          <a:ln>
+            <a:solidFill>
+              <a:schemeClr val="accent2"/>
+            </a:solidFill>
+          </a:ln>
+        </p:spPr>
+        <p:txBody>
+          <a:bodyPr wrap="square" rtlCol="0">
+            <a:spAutoFit/>
+          </a:bodyPr>
+          <a:lstStyle/>
+          <a:p>
+            <a:r>
+              <a:rPr lang="en-US" altLang="zh-CN" sz="3200" dirty="0"/>
+              <a:t>a = 0 1</a:t>
+            </a:r>
+          </a:p>
+          <a:p>
+            <a:r>
+              <a:rPr lang="en-US" altLang="zh-CN" sz="3200" dirty="0"/>
+              <a:t>Return  </a:t>
+            </a:r>
+            <a:r>
+              <a:rPr lang="en-US" altLang="zh-CN" sz="3200" dirty="0">
+                <a:solidFill>
+                  <a:schemeClr val="accent2"/>
+                </a:solidFill>
+              </a:rPr>
+              <a:t>AAFF33</a:t>
+            </a:r>
+            <a:endParaRPr lang="zh-CN" altLang="en-US" sz="3200" dirty="0">
+              <a:solidFill>
+                <a:schemeClr val="accent2"/>
+              </a:solidFill>
+            </a:endParaRPr>
+          </a:p>
+        </p:txBody>
+      </p:sp>
+      <p:sp>
+        <p:nvSpPr>
+          <p:cNvPr id="41" name="矩形 40">
+            <a:extLst>
+              <a:ext uri="{FF2B5EF4-FFF2-40B4-BE49-F238E27FC236}">
+                <a16:creationId xmlns:a16="http://schemas.microsoft.com/office/drawing/2014/main" id="{811160E0-6B56-409D-9EAD-F3D119D6E4B8}"/>
+              </a:ext>
+            </a:extLst>
+          </p:cNvPr>
+          <p:cNvSpPr/>
+          <p:nvPr/>
+        </p:nvSpPr>
+        <p:spPr>
+          <a:xfrm>
+            <a:off x="19762894" y="1243697"/>
+            <a:ext cx="2645366" cy="1709540"/>
+          </a:xfrm>
+          <a:prstGeom prst="rect">
+            <a:avLst/>
+          </a:prstGeom>
+          <a:noFill/>
+          <a:ln>
+            <a:solidFill>
+              <a:srgbClr val="0070C0"/>
+            </a:solidFill>
+          </a:ln>
+        </p:spPr>
+        <p:style>
+          <a:lnRef idx="2">
+            <a:schemeClr val="accent1">
+              <a:shade val="50000"/>
+            </a:schemeClr>
+          </a:lnRef>
+          <a:fillRef idx="1">
+            <a:schemeClr val="accent1"/>
+          </a:fillRef>
+          <a:effectRef idx="0">
+            <a:schemeClr val="accent1"/>
+          </a:effectRef>
+          <a:fontRef idx="minor">
+            <a:schemeClr val="lt1"/>
+          </a:fontRef>
+        </p:style>
+        <p:txBody>
+          <a:bodyPr rtlCol="0" anchor="ctr"/>
+          <a:lstStyle/>
+          <a:p>
+            <a:pPr algn="ctr"/>
+            <a:endParaRPr lang="zh-CN" altLang="en-US"/>
+          </a:p>
+        </p:txBody>
+      </p:sp>
+      <p:sp>
+        <p:nvSpPr>
+          <p:cNvPr id="42" name="文本框 41">
+            <a:extLst>
+              <a:ext uri="{FF2B5EF4-FFF2-40B4-BE49-F238E27FC236}">
+                <a16:creationId xmlns:a16="http://schemas.microsoft.com/office/drawing/2014/main" id="{996C5819-46AC-4731-BBD5-987E1999315B}"/>
+              </a:ext>
+            </a:extLst>
+          </p:cNvPr>
+          <p:cNvSpPr txBox="1"/>
+          <p:nvPr/>
+        </p:nvSpPr>
+        <p:spPr>
+          <a:xfrm>
+            <a:off x="19754981" y="553699"/>
+            <a:ext cx="1316386" cy="523220"/>
+          </a:xfrm>
+          <a:prstGeom prst="rect">
+            <a:avLst/>
+          </a:prstGeom>
+          <a:noFill/>
+          <a:ln>
+            <a:solidFill>
+              <a:schemeClr val="accent2"/>
+            </a:solidFill>
+          </a:ln>
+        </p:spPr>
+        <p:txBody>
+          <a:bodyPr wrap="none" rtlCol="0">
+            <a:spAutoFit/>
+          </a:bodyPr>
+          <a:lstStyle/>
+          <a:p>
+            <a:r>
+              <a:rPr lang="en-US" altLang="zh-CN" sz="2800" b="1" dirty="0">
+                <a:solidFill>
+                  <a:schemeClr val="accent2"/>
+                </a:solidFill>
+              </a:rPr>
+              <a:t>AAFF33</a:t>
+            </a:r>
+            <a:endParaRPr lang="zh-CN" altLang="en-US" sz="2800" b="1" dirty="0">
+              <a:solidFill>
+                <a:schemeClr val="accent2"/>
+              </a:solidFill>
+            </a:endParaRPr>
+          </a:p>
+        </p:txBody>
+      </p:sp>
+      <p:sp>
+        <p:nvSpPr>
+          <p:cNvPr id="43" name="文本框 42">
+            <a:extLst>
+              <a:ext uri="{FF2B5EF4-FFF2-40B4-BE49-F238E27FC236}">
+                <a16:creationId xmlns:a16="http://schemas.microsoft.com/office/drawing/2014/main" id="{8C4FECEB-28B3-40C1-8722-A9AEBEEB8845}"/>
+              </a:ext>
+            </a:extLst>
+          </p:cNvPr>
+          <p:cNvSpPr txBox="1"/>
+          <p:nvPr/>
+        </p:nvSpPr>
+        <p:spPr>
+          <a:xfrm>
+            <a:off x="19906285" y="1359365"/>
+            <a:ext cx="2362490" cy="1323439"/>
+          </a:xfrm>
+          <a:prstGeom prst="rect">
+            <a:avLst/>
+          </a:prstGeom>
+          <a:noFill/>
+        </p:spPr>
+        <p:txBody>
+          <a:bodyPr wrap="square" rtlCol="0">
+            <a:spAutoFit/>
+          </a:bodyPr>
+          <a:lstStyle/>
+          <a:p>
+            <a:r>
+              <a:rPr lang="en-US" altLang="zh-CN" sz="4000" dirty="0"/>
+              <a:t>return b + (a++)</a:t>
+            </a:r>
+            <a:endParaRPr lang="zh-CN" altLang="en-US" sz="4000" dirty="0"/>
+          </a:p>
+        </p:txBody>
+      </p:sp>
+      <p:sp>
+        <p:nvSpPr>
+          <p:cNvPr id="44" name="矩形 43">
+            <a:extLst>
+              <a:ext uri="{FF2B5EF4-FFF2-40B4-BE49-F238E27FC236}">
+                <a16:creationId xmlns:a16="http://schemas.microsoft.com/office/drawing/2014/main" id="{C3AB47A2-A3A2-41B0-978E-081906620A49}"/>
+              </a:ext>
+            </a:extLst>
+          </p:cNvPr>
+          <p:cNvSpPr/>
+          <p:nvPr/>
+        </p:nvSpPr>
+        <p:spPr>
+          <a:xfrm>
+            <a:off x="17824408" y="4951836"/>
+            <a:ext cx="2645366" cy="2594447"/>
+          </a:xfrm>
+          <a:prstGeom prst="rect">
+            <a:avLst/>
+          </a:prstGeom>
+          <a:noFill/>
+          <a:ln>
+            <a:solidFill>
+              <a:srgbClr val="0070C0"/>
+            </a:solidFill>
+          </a:ln>
+        </p:spPr>
+        <p:style>
+          <a:lnRef idx="2">
+            <a:schemeClr val="accent1">
+              <a:shade val="50000"/>
+            </a:schemeClr>
+          </a:lnRef>
+          <a:fillRef idx="1">
+            <a:schemeClr val="accent1"/>
+          </a:fillRef>
+          <a:effectRef idx="0">
+            <a:schemeClr val="accent1"/>
+          </a:effectRef>
+          <a:fontRef idx="minor">
+            <a:schemeClr val="lt1"/>
+          </a:fontRef>
+        </p:style>
+        <p:txBody>
+          <a:bodyPr rtlCol="0" anchor="ctr"/>
+          <a:lstStyle/>
+          <a:p>
+            <a:pPr algn="ctr"/>
+            <a:endParaRPr lang="zh-CN" altLang="en-US"/>
+          </a:p>
+        </p:txBody>
+      </p:sp>
+      <p:sp>
+        <p:nvSpPr>
+          <p:cNvPr id="45" name="文本框 44">
+            <a:extLst>
+              <a:ext uri="{FF2B5EF4-FFF2-40B4-BE49-F238E27FC236}">
+                <a16:creationId xmlns:a16="http://schemas.microsoft.com/office/drawing/2014/main" id="{CB2D5E41-20EC-4B86-A6BB-4485CF2DC6BB}"/>
+              </a:ext>
+            </a:extLst>
+          </p:cNvPr>
+          <p:cNvSpPr txBox="1"/>
+          <p:nvPr/>
+        </p:nvSpPr>
+        <p:spPr>
+          <a:xfrm>
+            <a:off x="17816495" y="4261839"/>
+            <a:ext cx="1723549" cy="523220"/>
+          </a:xfrm>
+          <a:prstGeom prst="rect">
+            <a:avLst/>
+          </a:prstGeom>
+          <a:noFill/>
+          <a:ln>
+            <a:noFill/>
+          </a:ln>
+        </p:spPr>
+        <p:txBody>
+          <a:bodyPr wrap="none" rtlCol="0">
+            <a:spAutoFit/>
+          </a:bodyPr>
+          <a:lstStyle/>
+          <a:p>
+            <a:r>
+              <a:rPr lang="en-US" altLang="zh-CN" sz="2800" b="1" dirty="0">
+                <a:solidFill>
+                  <a:schemeClr val="accent2"/>
+                </a:solidFill>
+              </a:rPr>
+              <a:t>AAFF33(5)</a:t>
+            </a:r>
+            <a:endParaRPr lang="zh-CN" altLang="en-US" sz="2800" b="1" dirty="0">
+              <a:solidFill>
+                <a:schemeClr val="accent2"/>
+              </a:solidFill>
+            </a:endParaRPr>
+          </a:p>
+        </p:txBody>
+      </p:sp>
+      <p:sp>
+        <p:nvSpPr>
+          <p:cNvPr id="46" name="文本框 45">
+            <a:extLst>
+              <a:ext uri="{FF2B5EF4-FFF2-40B4-BE49-F238E27FC236}">
+                <a16:creationId xmlns:a16="http://schemas.microsoft.com/office/drawing/2014/main" id="{B06BBF50-08F6-4A59-8B5B-E257E99B9E60}"/>
+              </a:ext>
+            </a:extLst>
+          </p:cNvPr>
+          <p:cNvSpPr txBox="1"/>
+          <p:nvPr/>
+        </p:nvSpPr>
+        <p:spPr>
+          <a:xfrm>
+            <a:off x="17965846" y="5823941"/>
+            <a:ext cx="2362490" cy="1754326"/>
+          </a:xfrm>
+          <a:prstGeom prst="rect">
+            <a:avLst/>
+          </a:prstGeom>
+          <a:noFill/>
+        </p:spPr>
+        <p:txBody>
+          <a:bodyPr wrap="square" rtlCol="0">
+            <a:spAutoFit/>
+          </a:bodyPr>
+          <a:lstStyle/>
+          <a:p>
+            <a:r>
+              <a:rPr lang="en-US" altLang="zh-CN" sz="3600" dirty="0"/>
+              <a:t>return </a:t>
+            </a:r>
+          </a:p>
+          <a:p>
+            <a:r>
+              <a:rPr lang="en-US" altLang="zh-CN" sz="3600" dirty="0"/>
+              <a:t>b + (a++)</a:t>
+            </a:r>
+          </a:p>
+          <a:p>
+            <a:r>
+              <a:rPr lang="en-US" altLang="zh-CN" sz="3600" dirty="0"/>
+              <a:t>5+(0++)=5</a:t>
+            </a:r>
+            <a:endParaRPr lang="zh-CN" altLang="en-US" sz="3600" dirty="0"/>
+          </a:p>
+        </p:txBody>
+      </p:sp>
+      <p:sp>
+        <p:nvSpPr>
+          <p:cNvPr id="47" name="文本框 46">
+            <a:extLst>
+              <a:ext uri="{FF2B5EF4-FFF2-40B4-BE49-F238E27FC236}">
+                <a16:creationId xmlns:a16="http://schemas.microsoft.com/office/drawing/2014/main" id="{C0A40A98-4EDE-4A26-8376-363D377D7755}"/>
+              </a:ext>
+            </a:extLst>
+          </p:cNvPr>
+          <p:cNvSpPr txBox="1"/>
+          <p:nvPr/>
+        </p:nvSpPr>
+        <p:spPr>
+          <a:xfrm>
+            <a:off x="17905466" y="5085622"/>
+            <a:ext cx="2362490" cy="523220"/>
+          </a:xfrm>
+          <a:prstGeom prst="rect">
+            <a:avLst/>
+          </a:prstGeom>
+          <a:noFill/>
+        </p:spPr>
+        <p:txBody>
+          <a:bodyPr wrap="square" rtlCol="0">
+            <a:spAutoFit/>
+          </a:bodyPr>
+          <a:lstStyle/>
+          <a:p>
+            <a:r>
+              <a:rPr lang="zh-CN" altLang="en-US" sz="2800" dirty="0"/>
+              <a:t>形参：</a:t>
+            </a:r>
+            <a:r>
+              <a:rPr lang="en-US" altLang="zh-CN" sz="2800" dirty="0"/>
+              <a:t>b=5</a:t>
+            </a:r>
+            <a:endParaRPr lang="zh-CN" altLang="en-US" sz="2800" dirty="0"/>
+          </a:p>
+        </p:txBody>
+      </p:sp>
+      <p:cxnSp>
+        <p:nvCxnSpPr>
+          <p:cNvPr id="49" name="直接连接符 48">
+            <a:extLst>
+              <a:ext uri="{FF2B5EF4-FFF2-40B4-BE49-F238E27FC236}">
+                <a16:creationId xmlns:a16="http://schemas.microsoft.com/office/drawing/2014/main" id="{9FC40889-F853-4527-912A-AB0AA5FB0FF8}"/>
+              </a:ext>
+            </a:extLst>
+          </p:cNvPr>
+          <p:cNvCxnSpPr>
+            <a:cxnSpLocks/>
+          </p:cNvCxnSpPr>
+          <p:nvPr/>
+        </p:nvCxnSpPr>
+        <p:spPr>
+          <a:xfrm>
+            <a:off x="17824408" y="5683322"/>
+            <a:ext cx="2645366" cy="0"/>
+          </a:xfrm>
+          <a:prstGeom prst="line">
+            <a:avLst/>
+          </a:prstGeom>
+        </p:spPr>
+        <p:style>
+          <a:lnRef idx="1">
+            <a:schemeClr val="accent1"/>
+          </a:lnRef>
+          <a:fillRef idx="0">
+            <a:schemeClr val="accent1"/>
+          </a:fillRef>
+          <a:effectRef idx="0">
+            <a:schemeClr val="accent1"/>
+          </a:effectRef>
+          <a:fontRef idx="minor">
+            <a:schemeClr val="tx1"/>
+          </a:fontRef>
+        </p:style>
+      </p:cxnSp>
+      <p:cxnSp>
+        <p:nvCxnSpPr>
+          <p:cNvPr id="52" name="直接连接符 51">
+            <a:extLst>
+              <a:ext uri="{FF2B5EF4-FFF2-40B4-BE49-F238E27FC236}">
+                <a16:creationId xmlns:a16="http://schemas.microsoft.com/office/drawing/2014/main" id="{A69F9E02-A4C2-4299-A288-E648EBCAFAD9}"/>
+              </a:ext>
+            </a:extLst>
+          </p:cNvPr>
+          <p:cNvCxnSpPr/>
+          <p:nvPr/>
+        </p:nvCxnSpPr>
+        <p:spPr>
+          <a:xfrm>
+            <a:off x="14368307" y="6513347"/>
+            <a:ext cx="277591" cy="367900"/>
+          </a:xfrm>
+          <a:prstGeom prst="line">
+            <a:avLst/>
+          </a:prstGeom>
+          <a:ln>
+            <a:solidFill>
+              <a:srgbClr val="FF0000"/>
+            </a:solidFill>
+          </a:ln>
+        </p:spPr>
+        <p:style>
+          <a:lnRef idx="1">
+            <a:schemeClr val="accent1"/>
+          </a:lnRef>
+          <a:fillRef idx="0">
+            <a:schemeClr val="accent1"/>
+          </a:fillRef>
+          <a:effectRef idx="0">
+            <a:schemeClr val="accent1"/>
+          </a:effectRef>
+          <a:fontRef idx="minor">
+            <a:schemeClr val="tx1"/>
+          </a:fontRef>
+        </p:style>
+      </p:cxnSp>
+      <p:sp>
+        <p:nvSpPr>
+          <p:cNvPr id="53" name="矩形 52">
+            <a:extLst>
+              <a:ext uri="{FF2B5EF4-FFF2-40B4-BE49-F238E27FC236}">
+                <a16:creationId xmlns:a16="http://schemas.microsoft.com/office/drawing/2014/main" id="{64B8B128-CAE9-4AD5-9D70-EBF804F150DD}"/>
+              </a:ext>
+            </a:extLst>
+          </p:cNvPr>
+          <p:cNvSpPr/>
+          <p:nvPr/>
+        </p:nvSpPr>
+        <p:spPr>
+          <a:xfrm>
+            <a:off x="20805506" y="4945818"/>
+            <a:ext cx="2645366" cy="2632447"/>
+          </a:xfrm>
+          <a:prstGeom prst="rect">
+            <a:avLst/>
+          </a:prstGeom>
+          <a:noFill/>
+          <a:ln>
+            <a:solidFill>
+              <a:srgbClr val="0070C0"/>
+            </a:solidFill>
+          </a:ln>
+        </p:spPr>
+        <p:style>
+          <a:lnRef idx="2">
+            <a:schemeClr val="accent1">
+              <a:shade val="50000"/>
+            </a:schemeClr>
+          </a:lnRef>
+          <a:fillRef idx="1">
+            <a:schemeClr val="accent1"/>
+          </a:fillRef>
+          <a:effectRef idx="0">
+            <a:schemeClr val="accent1"/>
+          </a:effectRef>
+          <a:fontRef idx="minor">
+            <a:schemeClr val="lt1"/>
+          </a:fontRef>
+        </p:style>
+        <p:txBody>
+          <a:bodyPr rtlCol="0" anchor="ctr"/>
+          <a:lstStyle/>
+          <a:p>
+            <a:pPr algn="ctr"/>
+            <a:endParaRPr lang="zh-CN" altLang="en-US"/>
+          </a:p>
+        </p:txBody>
+      </p:sp>
+      <p:sp>
+        <p:nvSpPr>
+          <p:cNvPr id="54" name="文本框 53">
+            <a:extLst>
+              <a:ext uri="{FF2B5EF4-FFF2-40B4-BE49-F238E27FC236}">
+                <a16:creationId xmlns:a16="http://schemas.microsoft.com/office/drawing/2014/main" id="{40949D7F-D7F5-434C-BAE9-22FC64AA0733}"/>
+              </a:ext>
+            </a:extLst>
+          </p:cNvPr>
+          <p:cNvSpPr txBox="1"/>
+          <p:nvPr/>
+        </p:nvSpPr>
+        <p:spPr>
+          <a:xfrm>
+            <a:off x="20797593" y="4255821"/>
+            <a:ext cx="1723549" cy="523220"/>
+          </a:xfrm>
+          <a:prstGeom prst="rect">
+            <a:avLst/>
+          </a:prstGeom>
+          <a:noFill/>
+        </p:spPr>
+        <p:txBody>
+          <a:bodyPr wrap="none" rtlCol="0">
+            <a:spAutoFit/>
+          </a:bodyPr>
+          <a:lstStyle/>
+          <a:p>
+            <a:r>
+              <a:rPr lang="en-US" altLang="zh-CN" sz="2800" b="1" dirty="0">
+                <a:solidFill>
+                  <a:schemeClr val="accent6">
+                    <a:lumMod val="75000"/>
+                  </a:schemeClr>
+                </a:solidFill>
+              </a:rPr>
+              <a:t>AAFF22(5)</a:t>
+            </a:r>
+            <a:endParaRPr lang="zh-CN" altLang="en-US" sz="2800" b="1" dirty="0">
+              <a:solidFill>
+                <a:schemeClr val="accent6">
+                  <a:lumMod val="75000"/>
+                </a:schemeClr>
+              </a:solidFill>
+            </a:endParaRPr>
+          </a:p>
+        </p:txBody>
+      </p:sp>
+      <p:cxnSp>
+        <p:nvCxnSpPr>
+          <p:cNvPr id="55" name="直接连接符 54">
+            <a:extLst>
+              <a:ext uri="{FF2B5EF4-FFF2-40B4-BE49-F238E27FC236}">
+                <a16:creationId xmlns:a16="http://schemas.microsoft.com/office/drawing/2014/main" id="{7C27D8D6-DE0B-40B4-9E52-F0DF05A68E4B}"/>
+              </a:ext>
+            </a:extLst>
+          </p:cNvPr>
+          <p:cNvCxnSpPr/>
+          <p:nvPr/>
+        </p:nvCxnSpPr>
+        <p:spPr>
+          <a:xfrm>
+            <a:off x="20805506" y="5599671"/>
+            <a:ext cx="2645366" cy="0"/>
+          </a:xfrm>
+          <a:prstGeom prst="line">
+            <a:avLst/>
+          </a:prstGeom>
+        </p:spPr>
+        <p:style>
+          <a:lnRef idx="1">
+            <a:schemeClr val="accent1"/>
+          </a:lnRef>
+          <a:fillRef idx="0">
+            <a:schemeClr val="accent1"/>
+          </a:fillRef>
+          <a:effectRef idx="0">
+            <a:schemeClr val="accent1"/>
+          </a:effectRef>
+          <a:fontRef idx="minor">
+            <a:schemeClr val="tx1"/>
+          </a:fontRef>
+        </p:style>
+      </p:cxnSp>
+      <p:sp>
+        <p:nvSpPr>
+          <p:cNvPr id="56" name="文本框 55">
+            <a:extLst>
+              <a:ext uri="{FF2B5EF4-FFF2-40B4-BE49-F238E27FC236}">
+                <a16:creationId xmlns:a16="http://schemas.microsoft.com/office/drawing/2014/main" id="{F926361D-6FA0-48FA-80D2-631CF5EEFD2B}"/>
+              </a:ext>
+            </a:extLst>
+          </p:cNvPr>
+          <p:cNvSpPr txBox="1"/>
+          <p:nvPr/>
+        </p:nvSpPr>
+        <p:spPr>
+          <a:xfrm>
+            <a:off x="20857136" y="5061487"/>
+            <a:ext cx="2362490" cy="523220"/>
+          </a:xfrm>
+          <a:prstGeom prst="rect">
+            <a:avLst/>
+          </a:prstGeom>
+          <a:noFill/>
+        </p:spPr>
+        <p:txBody>
+          <a:bodyPr wrap="square" rtlCol="0">
+            <a:spAutoFit/>
+          </a:bodyPr>
+          <a:lstStyle/>
+          <a:p>
+            <a:r>
+              <a:rPr lang="zh-CN" altLang="en-US" sz="2800" dirty="0"/>
+              <a:t>形参：</a:t>
+            </a:r>
+            <a:r>
+              <a:rPr lang="en-US" altLang="zh-CN" sz="2800" dirty="0"/>
+              <a:t>b=5</a:t>
+            </a:r>
+            <a:endParaRPr lang="zh-CN" altLang="en-US" sz="2800" dirty="0"/>
+          </a:p>
+        </p:txBody>
+      </p:sp>
+      <p:sp>
+        <p:nvSpPr>
+          <p:cNvPr id="57" name="文本框 56">
+            <a:extLst>
+              <a:ext uri="{FF2B5EF4-FFF2-40B4-BE49-F238E27FC236}">
+                <a16:creationId xmlns:a16="http://schemas.microsoft.com/office/drawing/2014/main" id="{4880A2A0-2BEB-4FE0-A6A0-53A6A3C0307D}"/>
+              </a:ext>
+            </a:extLst>
+          </p:cNvPr>
+          <p:cNvSpPr txBox="1"/>
+          <p:nvPr/>
+        </p:nvSpPr>
+        <p:spPr>
+          <a:xfrm>
+            <a:off x="20857136" y="5683322"/>
+            <a:ext cx="2362490" cy="954107"/>
+          </a:xfrm>
+          <a:prstGeom prst="rect">
+            <a:avLst/>
+          </a:prstGeom>
+          <a:noFill/>
+        </p:spPr>
+        <p:txBody>
+          <a:bodyPr wrap="square" rtlCol="0">
+            <a:spAutoFit/>
+          </a:bodyPr>
+          <a:lstStyle/>
+          <a:p>
+            <a:r>
+              <a:rPr lang="en-US" altLang="zh-CN" sz="2800" dirty="0"/>
+              <a:t>Return b+(a++)</a:t>
+            </a:r>
+          </a:p>
+          <a:p>
+            <a:r>
+              <a:rPr lang="en-US" altLang="zh-CN" sz="2800" dirty="0"/>
+              <a:t>5+(1++)=6</a:t>
+            </a:r>
+            <a:endParaRPr lang="zh-CN" altLang="en-US" sz="2800" dirty="0"/>
+          </a:p>
+        </p:txBody>
+      </p:sp>
+      <p:cxnSp>
+        <p:nvCxnSpPr>
+          <p:cNvPr id="59" name="直接连接符 58">
+            <a:extLst>
+              <a:ext uri="{FF2B5EF4-FFF2-40B4-BE49-F238E27FC236}">
+                <a16:creationId xmlns:a16="http://schemas.microsoft.com/office/drawing/2014/main" id="{928489CE-7104-4921-87FC-9C9A2F692CE6}"/>
+              </a:ext>
+            </a:extLst>
+          </p:cNvPr>
+          <p:cNvCxnSpPr/>
+          <p:nvPr/>
+        </p:nvCxnSpPr>
+        <p:spPr>
+          <a:xfrm>
+            <a:off x="10707262" y="6637428"/>
+            <a:ext cx="213682" cy="352308"/>
+          </a:xfrm>
+          <a:prstGeom prst="line">
+            <a:avLst/>
+          </a:prstGeom>
+          <a:ln>
+            <a:solidFill>
+              <a:srgbClr val="FF0000"/>
+            </a:solidFill>
+          </a:ln>
+        </p:spPr>
+        <p:style>
+          <a:lnRef idx="1">
+            <a:schemeClr val="accent1"/>
+          </a:lnRef>
+          <a:fillRef idx="0">
+            <a:schemeClr val="accent1"/>
+          </a:fillRef>
+          <a:effectRef idx="0">
+            <a:schemeClr val="accent1"/>
+          </a:effectRef>
+          <a:fontRef idx="minor">
+            <a:schemeClr val="tx1"/>
+          </a:fontRef>
+        </p:style>
+      </p:cxnSp>
+      <p:cxnSp>
+        <p:nvCxnSpPr>
+          <p:cNvPr id="61" name="直接连接符 60">
+            <a:extLst>
+              <a:ext uri="{FF2B5EF4-FFF2-40B4-BE49-F238E27FC236}">
+                <a16:creationId xmlns:a16="http://schemas.microsoft.com/office/drawing/2014/main" id="{ECA790B1-29BC-4BF9-86E8-A2A82AA775D8}"/>
+              </a:ext>
+            </a:extLst>
+          </p:cNvPr>
+          <p:cNvCxnSpPr/>
+          <p:nvPr/>
+        </p:nvCxnSpPr>
+        <p:spPr>
+          <a:xfrm>
+            <a:off x="5895547" y="3616018"/>
+            <a:ext cx="272778" cy="481471"/>
+          </a:xfrm>
+          <a:prstGeom prst="line">
+            <a:avLst/>
+          </a:prstGeom>
+          <a:ln>
+            <a:solidFill>
+              <a:srgbClr val="FF0000"/>
+            </a:solidFill>
+          </a:ln>
+        </p:spPr>
+        <p:style>
+          <a:lnRef idx="1">
+            <a:schemeClr val="accent1"/>
+          </a:lnRef>
+          <a:fillRef idx="0">
+            <a:schemeClr val="accent1"/>
+          </a:fillRef>
+          <a:effectRef idx="0">
+            <a:schemeClr val="accent1"/>
+          </a:effectRef>
+          <a:fontRef idx="minor">
+            <a:schemeClr val="tx1"/>
+          </a:fontRef>
+        </p:style>
+      </p:cxnSp>
+    </p:spTree>
+    <p:extLst>
+      <p:ext uri="{BB962C8B-B14F-4D97-AF65-F5344CB8AC3E}">
+        <p14:creationId xmlns:p14="http://schemas.microsoft.com/office/powerpoint/2010/main" val="3681113333"/>
+      </p:ext>
+    </p:extLst>
+  </p:cSld>
+  <p:clrMapOvr>
+    <a:masterClrMapping/>
+  </p:clrMapOvr>
+</p:sld>
+</file>
+
+<file path=ppt/slides/slide9.xml><?xml version="1.0" encoding="utf-8"?>
+<p:sld xmlns:a="http://schemas.openxmlformats.org/drawingml/2006/main" xmlns:r="http://schemas.openxmlformats.org/officeDocument/2006/relationships" xmlns:p="http://schemas.openxmlformats.org/presentationml/2006/main">
+  <p:cSld>
+    <p:spTree>
+      <p:nvGrpSpPr>
+        <p:cNvPr id="1" name=""/>
+        <p:cNvGrpSpPr/>
+        <p:nvPr/>
+      </p:nvGrpSpPr>
+      <p:grpSpPr>
+        <a:xfrm>
+          <a:off x="0" y="0"/>
+          <a:ext cx="0" cy="0"/>
+          <a:chOff x="0" y="0"/>
+          <a:chExt cx="0" cy="0"/>
+        </a:xfrm>
+      </p:grpSpPr>
+      <p:sp>
+        <p:nvSpPr>
+          <p:cNvPr id="2" name="文本框 1">
+            <a:extLst>
+              <a:ext uri="{FF2B5EF4-FFF2-40B4-BE49-F238E27FC236}">
+                <a16:creationId xmlns:a16="http://schemas.microsoft.com/office/drawing/2014/main" id="{7713A2CF-07D3-475B-B7E2-4189F49EC5F0}"/>
+              </a:ext>
+            </a:extLst>
+          </p:cNvPr>
+          <p:cNvSpPr txBox="1"/>
+          <p:nvPr/>
+        </p:nvSpPr>
+        <p:spPr>
+          <a:xfrm>
+            <a:off x="80060" y="637880"/>
+            <a:ext cx="4844834" cy="8956298"/>
+          </a:xfrm>
+          <a:prstGeom prst="rect">
+            <a:avLst/>
+          </a:prstGeom>
+          <a:noFill/>
+        </p:spPr>
+        <p:txBody>
+          <a:bodyPr wrap="square" rtlCol="0">
+            <a:spAutoFit/>
+          </a:bodyPr>
+          <a:lstStyle/>
+          <a:p>
+            <a:r>
+              <a:rPr lang="en-US" altLang="zh-CN" sz="3600" dirty="0"/>
+              <a:t>  var a=2;</a:t>
+            </a:r>
+          </a:p>
+          <a:p>
+            <a:r>
+              <a:rPr lang="en-US" altLang="zh-CN" sz="3600" dirty="0"/>
+              <a:t>  var obj1={</a:t>
+            </a:r>
+          </a:p>
+          <a:p>
+            <a:r>
+              <a:rPr lang="en-US" altLang="zh-CN" sz="3600" dirty="0"/>
+              <a:t>    a:1,</a:t>
+            </a:r>
+          </a:p>
+          <a:p>
+            <a:r>
+              <a:rPr lang="en-US" altLang="zh-CN" sz="3600" dirty="0"/>
+              <a:t>    fn1:(function (a) {</a:t>
+            </a:r>
+          </a:p>
+          <a:p>
+            <a:r>
+              <a:rPr lang="en-US" altLang="zh-CN" sz="3600" dirty="0"/>
+              <a:t>        </a:t>
+            </a:r>
+            <a:r>
+              <a:rPr lang="en-US" altLang="zh-CN" sz="3600" dirty="0" err="1"/>
+              <a:t>this.a</a:t>
+            </a:r>
+            <a:r>
+              <a:rPr lang="en-US" altLang="zh-CN" sz="3600" dirty="0"/>
+              <a:t>=a;</a:t>
+            </a:r>
+          </a:p>
+          <a:p>
+            <a:r>
+              <a:rPr lang="en-US" altLang="zh-CN" sz="3600" dirty="0"/>
+              <a:t>        a++;</a:t>
+            </a:r>
+          </a:p>
+          <a:p>
+            <a:r>
+              <a:rPr lang="en-US" altLang="zh-CN" sz="3600" dirty="0"/>
+              <a:t>        return function () {</a:t>
+            </a:r>
+          </a:p>
+          <a:p>
+            <a:r>
+              <a:rPr lang="en-US" altLang="zh-CN" sz="3600" dirty="0"/>
+              <a:t>            </a:t>
+            </a:r>
+            <a:r>
+              <a:rPr lang="en-US" altLang="zh-CN" sz="3600" dirty="0" err="1"/>
+              <a:t>this.a</a:t>
+            </a:r>
+            <a:r>
+              <a:rPr lang="en-US" altLang="zh-CN" sz="3600" dirty="0"/>
+              <a:t>=a++;</a:t>
+            </a:r>
+          </a:p>
+          <a:p>
+            <a:r>
+              <a:rPr lang="en-US" altLang="zh-CN" sz="3600" dirty="0"/>
+              <a:t>            console.log(a);</a:t>
+            </a:r>
+          </a:p>
+          <a:p>
+            <a:r>
+              <a:rPr lang="en-US" altLang="zh-CN" sz="3600" dirty="0"/>
+              <a:t>        }</a:t>
+            </a:r>
+          </a:p>
+          <a:p>
+            <a:r>
+              <a:rPr lang="en-US" altLang="zh-CN" sz="3600" dirty="0"/>
+              <a:t>    })(a)</a:t>
+            </a:r>
+          </a:p>
+          <a:p>
+            <a:r>
+              <a:rPr lang="en-US" altLang="zh-CN" sz="3600" dirty="0"/>
+              <a:t>};</a:t>
+            </a:r>
+          </a:p>
+          <a:p>
+            <a:r>
+              <a:rPr lang="en-US" altLang="zh-CN" sz="3600" dirty="0"/>
+              <a:t>obj1.fn1();</a:t>
+            </a:r>
+          </a:p>
+          <a:p>
+            <a:r>
+              <a:rPr lang="en-US" altLang="zh-CN" sz="3600" dirty="0"/>
+              <a:t>var fn1=obj1.fn1;</a:t>
+            </a:r>
+          </a:p>
+          <a:p>
+            <a:r>
+              <a:rPr lang="en-US" altLang="zh-CN" sz="3600" dirty="0"/>
+              <a:t>fn1();</a:t>
+            </a:r>
+          </a:p>
+          <a:p>
+            <a:r>
+              <a:rPr lang="en-US" altLang="zh-CN" sz="3600" dirty="0"/>
+              <a:t>Console.log(</a:t>
+            </a:r>
+            <a:r>
+              <a:rPr lang="en-US" altLang="zh-CN" sz="3600" dirty="0" err="1"/>
+              <a:t>a,obj.a</a:t>
+            </a:r>
+            <a:r>
+              <a:rPr lang="en-US" altLang="zh-CN" sz="3600" dirty="0"/>
+              <a:t>)</a:t>
+            </a:r>
+            <a:endParaRPr lang="zh-CN" altLang="en-US" sz="3600" dirty="0"/>
+          </a:p>
+        </p:txBody>
+      </p:sp>
+      <p:sp>
+        <p:nvSpPr>
+          <p:cNvPr id="3" name="矩形 2">
+            <a:extLst>
+              <a:ext uri="{FF2B5EF4-FFF2-40B4-BE49-F238E27FC236}">
+                <a16:creationId xmlns:a16="http://schemas.microsoft.com/office/drawing/2014/main" id="{EDA2A581-D648-44DB-9D2F-EB837F930B4D}"/>
+              </a:ext>
+            </a:extLst>
+          </p:cNvPr>
+          <p:cNvSpPr/>
+          <p:nvPr/>
+        </p:nvSpPr>
+        <p:spPr>
+          <a:xfrm>
+            <a:off x="4831080" y="1310639"/>
+            <a:ext cx="4419600" cy="5958066"/>
+          </a:xfrm>
+          <a:prstGeom prst="rect">
+            <a:avLst/>
+          </a:prstGeom>
+          <a:noFill/>
+        </p:spPr>
+        <p:style>
+          <a:lnRef idx="2">
+            <a:schemeClr val="accent1">
+              <a:shade val="50000"/>
+            </a:schemeClr>
+          </a:lnRef>
+          <a:fillRef idx="1">
+            <a:schemeClr val="accent1"/>
+          </a:fillRef>
+          <a:effectRef idx="0">
+            <a:schemeClr val="accent1"/>
+          </a:effectRef>
+          <a:fontRef idx="minor">
+            <a:schemeClr val="lt1"/>
+          </a:fontRef>
+        </p:style>
+        <p:txBody>
+          <a:bodyPr rtlCol="0" anchor="ctr"/>
+          <a:lstStyle/>
+          <a:p>
+            <a:pPr algn="ctr"/>
+            <a:endParaRPr lang="zh-CN" altLang="en-US"/>
+          </a:p>
+        </p:txBody>
+      </p:sp>
+      <p:sp>
+        <p:nvSpPr>
+          <p:cNvPr id="4" name="文本框 3">
+            <a:extLst>
+              <a:ext uri="{FF2B5EF4-FFF2-40B4-BE49-F238E27FC236}">
+                <a16:creationId xmlns:a16="http://schemas.microsoft.com/office/drawing/2014/main" id="{A8DDC73D-250B-4C5C-8938-57F97254DA42}"/>
+              </a:ext>
+            </a:extLst>
+          </p:cNvPr>
+          <p:cNvSpPr txBox="1"/>
+          <p:nvPr/>
+        </p:nvSpPr>
+        <p:spPr>
+          <a:xfrm>
+            <a:off x="4831080" y="548640"/>
+            <a:ext cx="1676869" cy="646331"/>
+          </a:xfrm>
+          <a:prstGeom prst="rect">
+            <a:avLst/>
+          </a:prstGeom>
+          <a:noFill/>
+        </p:spPr>
+        <p:txBody>
+          <a:bodyPr wrap="none" rtlCol="0">
+            <a:spAutoFit/>
+          </a:bodyPr>
+          <a:lstStyle/>
+          <a:p>
+            <a:r>
+              <a:rPr lang="en-US" altLang="zh-CN" sz="3600" dirty="0">
+                <a:solidFill>
+                  <a:srgbClr val="00B0F0"/>
+                </a:solidFill>
+              </a:rPr>
+              <a:t>window</a:t>
+            </a:r>
+            <a:endParaRPr lang="zh-CN" altLang="en-US" sz="3600" dirty="0">
+              <a:solidFill>
+                <a:srgbClr val="00B0F0"/>
+              </a:solidFill>
+            </a:endParaRPr>
+          </a:p>
+        </p:txBody>
+      </p:sp>
+      <p:cxnSp>
+        <p:nvCxnSpPr>
+          <p:cNvPr id="6" name="直接连接符 5">
+            <a:extLst>
+              <a:ext uri="{FF2B5EF4-FFF2-40B4-BE49-F238E27FC236}">
+                <a16:creationId xmlns:a16="http://schemas.microsoft.com/office/drawing/2014/main" id="{DBC9F127-DCE4-44C4-84CA-CF691EFF6624}"/>
+              </a:ext>
+            </a:extLst>
+          </p:cNvPr>
+          <p:cNvCxnSpPr/>
+          <p:nvPr/>
+        </p:nvCxnSpPr>
+        <p:spPr>
+          <a:xfrm>
+            <a:off x="4831080" y="3444240"/>
+            <a:ext cx="4419600" cy="0"/>
+          </a:xfrm>
+          <a:prstGeom prst="line">
+            <a:avLst/>
+          </a:prstGeom>
+        </p:spPr>
+        <p:style>
+          <a:lnRef idx="1">
+            <a:schemeClr val="accent1"/>
+          </a:lnRef>
+          <a:fillRef idx="0">
+            <a:schemeClr val="accent1"/>
+          </a:fillRef>
+          <a:effectRef idx="0">
+            <a:schemeClr val="accent1"/>
+          </a:effectRef>
+          <a:fontRef idx="minor">
+            <a:schemeClr val="tx1"/>
+          </a:fontRef>
+        </p:style>
+      </p:cxnSp>
+      <p:sp>
+        <p:nvSpPr>
+          <p:cNvPr id="7" name="矩形 6">
+            <a:extLst>
+              <a:ext uri="{FF2B5EF4-FFF2-40B4-BE49-F238E27FC236}">
+                <a16:creationId xmlns:a16="http://schemas.microsoft.com/office/drawing/2014/main" id="{60C1CEDF-4DBE-4918-A90F-1B5FB860F951}"/>
+              </a:ext>
+            </a:extLst>
+          </p:cNvPr>
+          <p:cNvSpPr/>
+          <p:nvPr/>
+        </p:nvSpPr>
+        <p:spPr>
+          <a:xfrm>
+            <a:off x="9604558" y="1146600"/>
+            <a:ext cx="3532807" cy="6122103"/>
+          </a:xfrm>
+          <a:prstGeom prst="rect">
+            <a:avLst/>
+          </a:prstGeom>
+        </p:spPr>
+        <p:style>
+          <a:lnRef idx="2">
+            <a:schemeClr val="dk1"/>
+          </a:lnRef>
+          <a:fillRef idx="1">
+            <a:schemeClr val="lt1"/>
+          </a:fillRef>
+          <a:effectRef idx="0">
+            <a:schemeClr val="dk1"/>
+          </a:effectRef>
+          <a:fontRef idx="minor">
+            <a:schemeClr val="dk1"/>
+          </a:fontRef>
+        </p:style>
+        <p:txBody>
+          <a:bodyPr rtlCol="0" anchor="ctr"/>
+          <a:lstStyle/>
+          <a:p>
+            <a:pPr algn="ctr"/>
+            <a:endParaRPr lang="zh-CN" altLang="en-US"/>
+          </a:p>
+        </p:txBody>
+      </p:sp>
+      <p:sp>
+        <p:nvSpPr>
+          <p:cNvPr id="8" name="文本框 7">
+            <a:extLst>
+              <a:ext uri="{FF2B5EF4-FFF2-40B4-BE49-F238E27FC236}">
+                <a16:creationId xmlns:a16="http://schemas.microsoft.com/office/drawing/2014/main" id="{66FB6035-F0B5-4D3E-BEA8-A280B9D2B030}"/>
+              </a:ext>
+            </a:extLst>
+          </p:cNvPr>
+          <p:cNvSpPr txBox="1"/>
+          <p:nvPr/>
+        </p:nvSpPr>
+        <p:spPr>
+          <a:xfrm>
+            <a:off x="9604558" y="439921"/>
+            <a:ext cx="1316386" cy="523220"/>
+          </a:xfrm>
+          <a:prstGeom prst="rect">
+            <a:avLst/>
+          </a:prstGeom>
+          <a:noFill/>
+        </p:spPr>
+        <p:txBody>
+          <a:bodyPr wrap="none" rtlCol="0">
+            <a:spAutoFit/>
+          </a:bodyPr>
+          <a:lstStyle/>
+          <a:p>
+            <a:r>
+              <a:rPr lang="en-US" altLang="zh-CN" sz="2800" b="1" dirty="0"/>
+              <a:t>AAFF11</a:t>
+            </a:r>
+            <a:endParaRPr lang="zh-CN" altLang="en-US" sz="2800" b="1" dirty="0"/>
+          </a:p>
+        </p:txBody>
+      </p:sp>
+      <p:sp>
+        <p:nvSpPr>
+          <p:cNvPr id="10" name="文本框 9">
+            <a:extLst>
+              <a:ext uri="{FF2B5EF4-FFF2-40B4-BE49-F238E27FC236}">
+                <a16:creationId xmlns:a16="http://schemas.microsoft.com/office/drawing/2014/main" id="{B0752F04-6689-4607-A456-A76DCA0F25DC}"/>
+              </a:ext>
+            </a:extLst>
+          </p:cNvPr>
+          <p:cNvSpPr txBox="1"/>
+          <p:nvPr/>
+        </p:nvSpPr>
+        <p:spPr>
+          <a:xfrm>
+            <a:off x="4953000" y="1456581"/>
+            <a:ext cx="4175760" cy="1815882"/>
+          </a:xfrm>
+          <a:prstGeom prst="rect">
+            <a:avLst/>
+          </a:prstGeom>
+          <a:noFill/>
+        </p:spPr>
+        <p:txBody>
+          <a:bodyPr wrap="square" rtlCol="0">
+            <a:spAutoFit/>
+          </a:bodyPr>
+          <a:lstStyle/>
+          <a:p>
+            <a:r>
+              <a:rPr lang="zh-CN" altLang="en-US" sz="2800" dirty="0"/>
+              <a:t>变量提升：</a:t>
+            </a:r>
+            <a:endParaRPr lang="en-US" altLang="zh-CN" sz="2800" dirty="0"/>
+          </a:p>
+          <a:p>
+            <a:r>
+              <a:rPr lang="en-US" altLang="zh-CN" sz="2800" dirty="0"/>
+              <a:t>Var  a</a:t>
+            </a:r>
+          </a:p>
+          <a:p>
+            <a:r>
+              <a:rPr lang="en-US" altLang="zh-CN" sz="2800" dirty="0"/>
+              <a:t>Var obj1</a:t>
+            </a:r>
+          </a:p>
+          <a:p>
+            <a:r>
+              <a:rPr lang="en-US" altLang="zh-CN" sz="2800" dirty="0"/>
+              <a:t>Var fn1</a:t>
+            </a:r>
+          </a:p>
+        </p:txBody>
+      </p:sp>
+      <p:cxnSp>
+        <p:nvCxnSpPr>
+          <p:cNvPr id="13" name="直接箭头连接符 12">
+            <a:extLst>
+              <a:ext uri="{FF2B5EF4-FFF2-40B4-BE49-F238E27FC236}">
+                <a16:creationId xmlns:a16="http://schemas.microsoft.com/office/drawing/2014/main" id="{7E83FE5E-3397-41D5-AF3B-397CB32DAFF4}"/>
+              </a:ext>
+            </a:extLst>
+          </p:cNvPr>
+          <p:cNvCxnSpPr>
+            <a:cxnSpLocks/>
+            <a:stCxn id="8" idx="1"/>
+          </p:cNvCxnSpPr>
+          <p:nvPr/>
+        </p:nvCxnSpPr>
+        <p:spPr>
+          <a:xfrm flipH="1">
+            <a:off x="7040880" y="701531"/>
+            <a:ext cx="2563678" cy="22556"/>
+          </a:xfrm>
+          <a:prstGeom prst="straightConnector1">
+            <a:avLst/>
+          </a:prstGeom>
+          <a:ln w="38100">
+            <a:tailEnd type="triangle"/>
+          </a:ln>
+        </p:spPr>
+        <p:style>
+          <a:lnRef idx="1">
+            <a:schemeClr val="accent1"/>
+          </a:lnRef>
+          <a:fillRef idx="0">
+            <a:schemeClr val="accent1"/>
+          </a:fillRef>
+          <a:effectRef idx="0">
+            <a:schemeClr val="accent1"/>
+          </a:effectRef>
+          <a:fontRef idx="minor">
+            <a:schemeClr val="tx1"/>
+          </a:fontRef>
+        </p:style>
+      </p:cxnSp>
+      <p:sp>
+        <p:nvSpPr>
+          <p:cNvPr id="14" name="文本框 13">
+            <a:extLst>
+              <a:ext uri="{FF2B5EF4-FFF2-40B4-BE49-F238E27FC236}">
+                <a16:creationId xmlns:a16="http://schemas.microsoft.com/office/drawing/2014/main" id="{D48C2F89-3237-4F85-9BAC-1AEEFC9CBAC4}"/>
+              </a:ext>
+            </a:extLst>
+          </p:cNvPr>
+          <p:cNvSpPr txBox="1"/>
+          <p:nvPr/>
+        </p:nvSpPr>
+        <p:spPr>
+          <a:xfrm>
+            <a:off x="4952999" y="3534073"/>
+            <a:ext cx="4293435" cy="2062103"/>
+          </a:xfrm>
+          <a:prstGeom prst="rect">
+            <a:avLst/>
+          </a:prstGeom>
+          <a:noFill/>
+        </p:spPr>
+        <p:txBody>
+          <a:bodyPr wrap="square" rtlCol="0">
+            <a:spAutoFit/>
+          </a:bodyPr>
+          <a:lstStyle/>
+          <a:p>
+            <a:r>
+              <a:rPr lang="en-US" altLang="zh-CN" sz="3200" dirty="0"/>
+              <a:t>a=2 4</a:t>
+            </a:r>
+          </a:p>
+          <a:p>
+            <a:r>
+              <a:rPr lang="en-US" altLang="zh-CN" sz="3200" dirty="0">
+                <a:solidFill>
+                  <a:schemeClr val="accent6">
+                    <a:lumMod val="75000"/>
+                  </a:schemeClr>
+                </a:solidFill>
+              </a:rPr>
+              <a:t>obj1 = AAFF11</a:t>
+            </a:r>
+          </a:p>
+          <a:p>
+            <a:r>
+              <a:rPr lang="en-US" altLang="zh-CN" sz="3200" dirty="0">
+                <a:solidFill>
+                  <a:schemeClr val="accent6">
+                    <a:lumMod val="75000"/>
+                  </a:schemeClr>
+                </a:solidFill>
+              </a:rPr>
+              <a:t>Obj1.fn1()= AAFF33()=&gt;4</a:t>
+            </a:r>
+          </a:p>
+          <a:p>
+            <a:r>
+              <a:rPr lang="en-US" altLang="zh-CN" sz="3200" dirty="0">
+                <a:solidFill>
+                  <a:schemeClr val="accent6">
+                    <a:lumMod val="75000"/>
+                  </a:schemeClr>
+                </a:solidFill>
+              </a:rPr>
+              <a:t>Fn1()= AAFF33()  =&gt; 5</a:t>
+            </a:r>
+            <a:endParaRPr lang="zh-CN" altLang="en-US" sz="3200" dirty="0">
+              <a:solidFill>
+                <a:schemeClr val="accent6">
+                  <a:lumMod val="75000"/>
+                </a:schemeClr>
+              </a:solidFill>
+            </a:endParaRPr>
+          </a:p>
+        </p:txBody>
+      </p:sp>
+      <p:sp>
+        <p:nvSpPr>
+          <p:cNvPr id="15" name="矩形: 圆角 14">
+            <a:extLst>
+              <a:ext uri="{FF2B5EF4-FFF2-40B4-BE49-F238E27FC236}">
+                <a16:creationId xmlns:a16="http://schemas.microsoft.com/office/drawing/2014/main" id="{51AEB70B-E735-4F67-BA3B-FA6A758EEBD2}"/>
+              </a:ext>
+            </a:extLst>
+          </p:cNvPr>
+          <p:cNvSpPr/>
+          <p:nvPr/>
+        </p:nvSpPr>
+        <p:spPr>
+          <a:xfrm>
+            <a:off x="13562196" y="1146600"/>
+            <a:ext cx="3535680" cy="6122103"/>
+          </a:xfrm>
+          <a:prstGeom prst="roundRect">
+            <a:avLst>
+              <a:gd name="adj" fmla="val 6482"/>
+            </a:avLst>
+          </a:prstGeom>
+          <a:noFill/>
+        </p:spPr>
+        <p:style>
+          <a:lnRef idx="2">
+            <a:schemeClr val="accent1">
+              <a:shade val="50000"/>
+            </a:schemeClr>
+          </a:lnRef>
+          <a:fillRef idx="1">
+            <a:schemeClr val="accent1"/>
+          </a:fillRef>
+          <a:effectRef idx="0">
+            <a:schemeClr val="accent1"/>
+          </a:effectRef>
+          <a:fontRef idx="minor">
+            <a:schemeClr val="lt1"/>
+          </a:fontRef>
+        </p:style>
+        <p:txBody>
+          <a:bodyPr rtlCol="0" anchor="ctr"/>
+          <a:lstStyle/>
+          <a:p>
+            <a:pPr algn="ctr"/>
+            <a:endParaRPr lang="zh-CN" altLang="en-US"/>
+          </a:p>
+        </p:txBody>
+      </p:sp>
+      <p:sp>
+        <p:nvSpPr>
+          <p:cNvPr id="16" name="文本框 15">
+            <a:extLst>
+              <a:ext uri="{FF2B5EF4-FFF2-40B4-BE49-F238E27FC236}">
+                <a16:creationId xmlns:a16="http://schemas.microsoft.com/office/drawing/2014/main" id="{65493BFB-3290-49FA-8E73-5905F7189446}"/>
+              </a:ext>
+            </a:extLst>
+          </p:cNvPr>
+          <p:cNvSpPr txBox="1"/>
+          <p:nvPr/>
+        </p:nvSpPr>
+        <p:spPr>
+          <a:xfrm>
+            <a:off x="13655102" y="514741"/>
+            <a:ext cx="1805302" cy="523220"/>
+          </a:xfrm>
+          <a:prstGeom prst="rect">
+            <a:avLst/>
+          </a:prstGeom>
+          <a:noFill/>
+        </p:spPr>
+        <p:txBody>
+          <a:bodyPr wrap="none" rtlCol="0">
+            <a:spAutoFit/>
+          </a:bodyPr>
+          <a:lstStyle/>
+          <a:p>
+            <a:r>
+              <a:rPr lang="en-US" altLang="zh-CN" sz="2800" b="1" dirty="0"/>
+              <a:t>AAFF22(2 )</a:t>
+            </a:r>
+            <a:endParaRPr lang="zh-CN" altLang="en-US" sz="2800" b="1" dirty="0"/>
+          </a:p>
+        </p:txBody>
+      </p:sp>
+      <p:cxnSp>
+        <p:nvCxnSpPr>
+          <p:cNvPr id="18" name="直接连接符 17">
+            <a:extLst>
+              <a:ext uri="{FF2B5EF4-FFF2-40B4-BE49-F238E27FC236}">
+                <a16:creationId xmlns:a16="http://schemas.microsoft.com/office/drawing/2014/main" id="{5AA543DD-A2FE-4668-876F-C68251B6220F}"/>
+              </a:ext>
+            </a:extLst>
+          </p:cNvPr>
+          <p:cNvCxnSpPr>
+            <a:cxnSpLocks/>
+          </p:cNvCxnSpPr>
+          <p:nvPr/>
+        </p:nvCxnSpPr>
+        <p:spPr>
+          <a:xfrm>
+            <a:off x="13577436" y="2481389"/>
+            <a:ext cx="3520440" cy="0"/>
+          </a:xfrm>
+          <a:prstGeom prst="line">
+            <a:avLst/>
+          </a:prstGeom>
+        </p:spPr>
+        <p:style>
+          <a:lnRef idx="1">
+            <a:schemeClr val="accent1"/>
+          </a:lnRef>
+          <a:fillRef idx="0">
+            <a:schemeClr val="accent1"/>
+          </a:fillRef>
+          <a:effectRef idx="0">
+            <a:schemeClr val="accent1"/>
+          </a:effectRef>
+          <a:fontRef idx="minor">
+            <a:schemeClr val="tx1"/>
+          </a:fontRef>
+        </p:style>
+      </p:cxnSp>
+      <p:sp>
+        <p:nvSpPr>
+          <p:cNvPr id="19" name="文本框 18">
+            <a:extLst>
+              <a:ext uri="{FF2B5EF4-FFF2-40B4-BE49-F238E27FC236}">
+                <a16:creationId xmlns:a16="http://schemas.microsoft.com/office/drawing/2014/main" id="{1EB600D9-9068-467C-BDBD-062A6C47DD13}"/>
+              </a:ext>
+            </a:extLst>
+          </p:cNvPr>
+          <p:cNvSpPr txBox="1"/>
+          <p:nvPr/>
+        </p:nvSpPr>
+        <p:spPr>
+          <a:xfrm>
+            <a:off x="13684116" y="1299365"/>
+            <a:ext cx="3413760" cy="1077218"/>
+          </a:xfrm>
+          <a:prstGeom prst="rect">
+            <a:avLst/>
+          </a:prstGeom>
+          <a:noFill/>
+        </p:spPr>
+        <p:txBody>
+          <a:bodyPr wrap="square" rtlCol="0">
+            <a:spAutoFit/>
+          </a:bodyPr>
+          <a:lstStyle/>
+          <a:p>
+            <a:r>
+              <a:rPr lang="zh-CN" altLang="en-US" sz="3200" dirty="0"/>
+              <a:t>形参：</a:t>
+            </a:r>
+            <a:r>
+              <a:rPr lang="en-US" altLang="zh-CN" sz="3200" dirty="0"/>
+              <a:t>a=2  3 4 5</a:t>
+            </a:r>
+          </a:p>
+          <a:p>
+            <a:r>
+              <a:rPr lang="zh-CN" altLang="en-US" sz="3200" dirty="0"/>
+              <a:t>变量提升</a:t>
+            </a:r>
+            <a:r>
+              <a:rPr lang="en-US" altLang="zh-CN" sz="3200" dirty="0"/>
+              <a:t>: </a:t>
+            </a:r>
+            <a:r>
+              <a:rPr lang="zh-CN" altLang="en-US" sz="3200" dirty="0"/>
+              <a:t>无</a:t>
+            </a:r>
+          </a:p>
+        </p:txBody>
+      </p:sp>
+      <p:sp>
+        <p:nvSpPr>
+          <p:cNvPr id="20" name="文本框 19">
+            <a:extLst>
+              <a:ext uri="{FF2B5EF4-FFF2-40B4-BE49-F238E27FC236}">
+                <a16:creationId xmlns:a16="http://schemas.microsoft.com/office/drawing/2014/main" id="{40798C7E-4262-4937-B943-E2FD7519CCB1}"/>
+              </a:ext>
+            </a:extLst>
+          </p:cNvPr>
+          <p:cNvSpPr txBox="1"/>
+          <p:nvPr/>
+        </p:nvSpPr>
+        <p:spPr>
+          <a:xfrm>
+            <a:off x="13725895" y="2529348"/>
+            <a:ext cx="2926080" cy="1569660"/>
+          </a:xfrm>
+          <a:prstGeom prst="rect">
+            <a:avLst/>
+          </a:prstGeom>
+          <a:noFill/>
+        </p:spPr>
+        <p:txBody>
+          <a:bodyPr wrap="square" rtlCol="0">
+            <a:spAutoFit/>
+          </a:bodyPr>
+          <a:lstStyle/>
+          <a:p>
+            <a:r>
+              <a:rPr lang="en-US" altLang="zh-CN" sz="3200" dirty="0" err="1"/>
+              <a:t>this.a</a:t>
+            </a:r>
+            <a:r>
+              <a:rPr lang="en-US" altLang="zh-CN" sz="3200" dirty="0"/>
+              <a:t>=a</a:t>
+            </a:r>
+          </a:p>
+          <a:p>
+            <a:r>
+              <a:rPr lang="en-US" altLang="zh-CN" sz="3200" dirty="0"/>
+              <a:t>a++</a:t>
+            </a:r>
+          </a:p>
+          <a:p>
+            <a:r>
+              <a:rPr lang="en-US" altLang="zh-CN" sz="3200" dirty="0"/>
+              <a:t>Return  </a:t>
+            </a:r>
+            <a:r>
+              <a:rPr lang="en-US" altLang="zh-CN" sz="3200" dirty="0">
+                <a:solidFill>
+                  <a:schemeClr val="accent2"/>
+                </a:solidFill>
+              </a:rPr>
+              <a:t>AAFF33</a:t>
+            </a:r>
+          </a:p>
+        </p:txBody>
+      </p:sp>
+      <p:sp>
+        <p:nvSpPr>
+          <p:cNvPr id="9" name="文本框 8">
+            <a:extLst>
+              <a:ext uri="{FF2B5EF4-FFF2-40B4-BE49-F238E27FC236}">
+                <a16:creationId xmlns:a16="http://schemas.microsoft.com/office/drawing/2014/main" id="{52B47153-E632-45B5-9517-A31D43493DF2}"/>
+              </a:ext>
+            </a:extLst>
+          </p:cNvPr>
+          <p:cNvSpPr txBox="1"/>
+          <p:nvPr/>
+        </p:nvSpPr>
+        <p:spPr>
+          <a:xfrm>
+            <a:off x="9675914" y="1385654"/>
+            <a:ext cx="3520441" cy="5262979"/>
+          </a:xfrm>
+          <a:prstGeom prst="rect">
+            <a:avLst/>
+          </a:prstGeom>
+          <a:noFill/>
+        </p:spPr>
+        <p:txBody>
+          <a:bodyPr wrap="square" rtlCol="0">
+            <a:spAutoFit/>
+          </a:bodyPr>
+          <a:lstStyle/>
+          <a:p>
+            <a:r>
+              <a:rPr lang="en-US" altLang="zh-CN" sz="2800" dirty="0"/>
+              <a:t>{</a:t>
+            </a:r>
+          </a:p>
+          <a:p>
+            <a:r>
+              <a:rPr lang="en-US" altLang="zh-CN" sz="2800" dirty="0"/>
+              <a:t>    a:1,  3</a:t>
+            </a:r>
+          </a:p>
+          <a:p>
+            <a:r>
+              <a:rPr lang="en-US" altLang="zh-CN" sz="2800" dirty="0"/>
+              <a:t>    fn1:(function (a) {</a:t>
+            </a:r>
+          </a:p>
+          <a:p>
+            <a:r>
+              <a:rPr lang="en-US" altLang="zh-CN" sz="2800" dirty="0"/>
+              <a:t>        </a:t>
+            </a:r>
+            <a:r>
+              <a:rPr lang="en-US" altLang="zh-CN" sz="2800" dirty="0" err="1"/>
+              <a:t>this.a</a:t>
+            </a:r>
+            <a:r>
+              <a:rPr lang="en-US" altLang="zh-CN" sz="2800" dirty="0"/>
+              <a:t>=a;</a:t>
+            </a:r>
+          </a:p>
+          <a:p>
+            <a:r>
+              <a:rPr lang="en-US" altLang="zh-CN" sz="2800" dirty="0"/>
+              <a:t>        a++;</a:t>
+            </a:r>
+          </a:p>
+          <a:p>
+            <a:r>
+              <a:rPr lang="en-US" altLang="zh-CN" sz="2800" dirty="0"/>
+              <a:t>        return function () {</a:t>
+            </a:r>
+          </a:p>
+          <a:p>
+            <a:r>
+              <a:rPr lang="en-US" altLang="zh-CN" sz="2800" dirty="0"/>
+              <a:t>            </a:t>
+            </a:r>
+            <a:r>
+              <a:rPr lang="en-US" altLang="zh-CN" sz="2800" dirty="0" err="1"/>
+              <a:t>this.a</a:t>
+            </a:r>
+            <a:r>
+              <a:rPr lang="en-US" altLang="zh-CN" sz="2800" dirty="0"/>
+              <a:t>=a++;</a:t>
+            </a:r>
+          </a:p>
+          <a:p>
+            <a:r>
+              <a:rPr lang="en-US" altLang="zh-CN" sz="2800" dirty="0"/>
+              <a:t>            console.log(a);</a:t>
+            </a:r>
+          </a:p>
+          <a:p>
+            <a:r>
+              <a:rPr lang="en-US" altLang="zh-CN" sz="2800" dirty="0"/>
+              <a:t>        }</a:t>
+            </a:r>
+          </a:p>
+          <a:p>
+            <a:r>
+              <a:rPr lang="en-US" altLang="zh-CN" sz="2800" dirty="0"/>
+              <a:t>    })(a)</a:t>
+            </a:r>
+          </a:p>
+          <a:p>
+            <a:r>
+              <a:rPr lang="en-US" altLang="zh-CN" sz="2800" dirty="0"/>
+              <a:t>};</a:t>
+            </a:r>
+          </a:p>
+          <a:p>
+            <a:r>
+              <a:rPr lang="en-US" altLang="zh-CN" sz="2800" dirty="0"/>
+              <a:t> </a:t>
+            </a:r>
+          </a:p>
+        </p:txBody>
+      </p:sp>
+      <p:cxnSp>
+        <p:nvCxnSpPr>
+          <p:cNvPr id="12" name="直接连接符 11">
+            <a:extLst>
+              <a:ext uri="{FF2B5EF4-FFF2-40B4-BE49-F238E27FC236}">
+                <a16:creationId xmlns:a16="http://schemas.microsoft.com/office/drawing/2014/main" id="{F5B006A5-968C-499E-9A67-C3F75B1EEBE0}"/>
+              </a:ext>
+            </a:extLst>
+          </p:cNvPr>
+          <p:cNvCxnSpPr/>
+          <p:nvPr/>
+        </p:nvCxnSpPr>
+        <p:spPr>
+          <a:xfrm>
+            <a:off x="15343322" y="1456581"/>
+            <a:ext cx="309966" cy="232734"/>
+          </a:xfrm>
+          <a:prstGeom prst="line">
+            <a:avLst/>
+          </a:prstGeom>
+          <a:ln>
+            <a:solidFill>
+              <a:srgbClr val="FF0000"/>
+            </a:solidFill>
+          </a:ln>
+        </p:spPr>
+        <p:style>
+          <a:lnRef idx="1">
+            <a:schemeClr val="accent1"/>
+          </a:lnRef>
+          <a:fillRef idx="0">
+            <a:schemeClr val="accent1"/>
+          </a:fillRef>
+          <a:effectRef idx="0">
+            <a:schemeClr val="accent1"/>
+          </a:effectRef>
+          <a:fontRef idx="minor">
+            <a:schemeClr val="tx1"/>
+          </a:fontRef>
+        </p:style>
+      </p:cxnSp>
+      <p:sp>
+        <p:nvSpPr>
+          <p:cNvPr id="17" name="矩形 16">
+            <a:extLst>
+              <a:ext uri="{FF2B5EF4-FFF2-40B4-BE49-F238E27FC236}">
+                <a16:creationId xmlns:a16="http://schemas.microsoft.com/office/drawing/2014/main" id="{3AB746C7-CA10-4F09-8676-4D58E5CE31D6}"/>
+              </a:ext>
+            </a:extLst>
+          </p:cNvPr>
+          <p:cNvSpPr/>
+          <p:nvPr/>
+        </p:nvSpPr>
+        <p:spPr>
+          <a:xfrm>
+            <a:off x="17463716" y="1146600"/>
+            <a:ext cx="2862633" cy="1334787"/>
+          </a:xfrm>
+          <a:prstGeom prst="rect">
+            <a:avLst/>
+          </a:prstGeom>
+          <a:noFill/>
+        </p:spPr>
+        <p:style>
+          <a:lnRef idx="2">
+            <a:schemeClr val="accent1">
+              <a:shade val="50000"/>
+            </a:schemeClr>
+          </a:lnRef>
+          <a:fillRef idx="1">
+            <a:schemeClr val="accent1"/>
+          </a:fillRef>
+          <a:effectRef idx="0">
+            <a:schemeClr val="accent1"/>
+          </a:effectRef>
+          <a:fontRef idx="minor">
+            <a:schemeClr val="lt1"/>
+          </a:fontRef>
+        </p:style>
+        <p:txBody>
+          <a:bodyPr rtlCol="0" anchor="ctr"/>
+          <a:lstStyle/>
+          <a:p>
+            <a:pPr algn="ctr"/>
+            <a:endParaRPr lang="zh-CN" altLang="en-US"/>
+          </a:p>
+        </p:txBody>
+      </p:sp>
+      <p:sp>
+        <p:nvSpPr>
+          <p:cNvPr id="58" name="文本框 57">
+            <a:extLst>
+              <a:ext uri="{FF2B5EF4-FFF2-40B4-BE49-F238E27FC236}">
+                <a16:creationId xmlns:a16="http://schemas.microsoft.com/office/drawing/2014/main" id="{2F332EBA-DFB4-4C3E-8499-21CB6B18648C}"/>
+              </a:ext>
+            </a:extLst>
+          </p:cNvPr>
+          <p:cNvSpPr txBox="1"/>
+          <p:nvPr/>
+        </p:nvSpPr>
+        <p:spPr>
+          <a:xfrm>
+            <a:off x="17463716" y="577748"/>
+            <a:ext cx="1316386" cy="523220"/>
+          </a:xfrm>
+          <a:prstGeom prst="rect">
+            <a:avLst/>
+          </a:prstGeom>
+          <a:noFill/>
+        </p:spPr>
+        <p:txBody>
+          <a:bodyPr wrap="none" rtlCol="0">
+            <a:spAutoFit/>
+          </a:bodyPr>
+          <a:lstStyle/>
+          <a:p>
+            <a:r>
+              <a:rPr lang="en-US" altLang="zh-CN" sz="2800" b="1" dirty="0">
+                <a:solidFill>
+                  <a:schemeClr val="accent2"/>
+                </a:solidFill>
+              </a:rPr>
+              <a:t>AAFF33</a:t>
+            </a:r>
+            <a:endParaRPr lang="zh-CN" altLang="en-US" sz="2800" b="1" dirty="0">
+              <a:solidFill>
+                <a:schemeClr val="accent2"/>
+              </a:solidFill>
+            </a:endParaRPr>
+          </a:p>
+        </p:txBody>
+      </p:sp>
+      <p:sp>
+        <p:nvSpPr>
+          <p:cNvPr id="28" name="文本框 27">
+            <a:extLst>
+              <a:ext uri="{FF2B5EF4-FFF2-40B4-BE49-F238E27FC236}">
+                <a16:creationId xmlns:a16="http://schemas.microsoft.com/office/drawing/2014/main" id="{40AE05C6-88BD-48F4-AF80-750F0F7ED183}"/>
+              </a:ext>
+            </a:extLst>
+          </p:cNvPr>
+          <p:cNvSpPr txBox="1"/>
+          <p:nvPr/>
+        </p:nvSpPr>
+        <p:spPr>
+          <a:xfrm>
+            <a:off x="17463716" y="1194971"/>
+            <a:ext cx="2862633" cy="1200329"/>
+          </a:xfrm>
+          <a:prstGeom prst="rect">
+            <a:avLst/>
+          </a:prstGeom>
+          <a:noFill/>
+        </p:spPr>
+        <p:txBody>
+          <a:bodyPr wrap="square" rtlCol="0">
+            <a:spAutoFit/>
+          </a:bodyPr>
+          <a:lstStyle/>
+          <a:p>
+            <a:r>
+              <a:rPr lang="en-US" altLang="zh-CN" sz="3600" dirty="0" err="1"/>
+              <a:t>this.a</a:t>
+            </a:r>
+            <a:r>
+              <a:rPr lang="en-US" altLang="zh-CN" sz="3600" dirty="0"/>
+              <a:t>=a++;</a:t>
+            </a:r>
+          </a:p>
+          <a:p>
+            <a:r>
+              <a:rPr lang="en-US" altLang="zh-CN" sz="3600" dirty="0"/>
+              <a:t>console.log(a);</a:t>
+            </a:r>
+          </a:p>
+        </p:txBody>
+      </p:sp>
+      <p:sp>
+        <p:nvSpPr>
+          <p:cNvPr id="60" name="矩形 59">
+            <a:extLst>
+              <a:ext uri="{FF2B5EF4-FFF2-40B4-BE49-F238E27FC236}">
+                <a16:creationId xmlns:a16="http://schemas.microsoft.com/office/drawing/2014/main" id="{8BFB5C92-6F2C-4438-A6D9-DB1E00A23D93}"/>
+              </a:ext>
+            </a:extLst>
+          </p:cNvPr>
+          <p:cNvSpPr/>
+          <p:nvPr/>
+        </p:nvSpPr>
+        <p:spPr>
+          <a:xfrm>
+            <a:off x="17463716" y="3727792"/>
+            <a:ext cx="2862633" cy="3389809"/>
+          </a:xfrm>
+          <a:prstGeom prst="rect">
+            <a:avLst/>
+          </a:prstGeom>
+          <a:noFill/>
+        </p:spPr>
+        <p:style>
+          <a:lnRef idx="2">
+            <a:schemeClr val="accent1">
+              <a:shade val="50000"/>
+            </a:schemeClr>
+          </a:lnRef>
+          <a:fillRef idx="1">
+            <a:schemeClr val="accent1"/>
+          </a:fillRef>
+          <a:effectRef idx="0">
+            <a:schemeClr val="accent1"/>
+          </a:effectRef>
+          <a:fontRef idx="minor">
+            <a:schemeClr val="lt1"/>
+          </a:fontRef>
+        </p:style>
+        <p:txBody>
+          <a:bodyPr rtlCol="0" anchor="ctr"/>
+          <a:lstStyle/>
+          <a:p>
+            <a:pPr algn="ctr"/>
+            <a:endParaRPr lang="zh-CN" altLang="en-US"/>
+          </a:p>
+        </p:txBody>
+      </p:sp>
+      <p:sp>
+        <p:nvSpPr>
+          <p:cNvPr id="62" name="文本框 61">
+            <a:extLst>
+              <a:ext uri="{FF2B5EF4-FFF2-40B4-BE49-F238E27FC236}">
+                <a16:creationId xmlns:a16="http://schemas.microsoft.com/office/drawing/2014/main" id="{22E75488-996F-4B87-88D5-E088F9E755A1}"/>
+              </a:ext>
+            </a:extLst>
+          </p:cNvPr>
+          <p:cNvSpPr txBox="1"/>
+          <p:nvPr/>
+        </p:nvSpPr>
+        <p:spPr>
+          <a:xfrm>
+            <a:off x="17463716" y="3158941"/>
+            <a:ext cx="1622560" cy="523220"/>
+          </a:xfrm>
+          <a:prstGeom prst="rect">
+            <a:avLst/>
+          </a:prstGeom>
+          <a:noFill/>
+        </p:spPr>
+        <p:txBody>
+          <a:bodyPr wrap="none" rtlCol="0">
+            <a:spAutoFit/>
+          </a:bodyPr>
+          <a:lstStyle/>
+          <a:p>
+            <a:r>
+              <a:rPr lang="en-US" altLang="zh-CN" sz="2800" b="1" dirty="0">
+                <a:solidFill>
+                  <a:schemeClr val="accent2"/>
+                </a:solidFill>
+              </a:rPr>
+              <a:t>AAFF33( )</a:t>
+            </a:r>
+            <a:endParaRPr lang="zh-CN" altLang="en-US" sz="2800" b="1" dirty="0">
+              <a:solidFill>
+                <a:schemeClr val="accent2"/>
+              </a:solidFill>
+            </a:endParaRPr>
+          </a:p>
+        </p:txBody>
+      </p:sp>
+      <p:sp>
+        <p:nvSpPr>
+          <p:cNvPr id="63" name="文本框 62">
+            <a:extLst>
+              <a:ext uri="{FF2B5EF4-FFF2-40B4-BE49-F238E27FC236}">
+                <a16:creationId xmlns:a16="http://schemas.microsoft.com/office/drawing/2014/main" id="{6FC5E549-CE02-4E78-B4CA-4FADC776C6F3}"/>
+              </a:ext>
+            </a:extLst>
+          </p:cNvPr>
+          <p:cNvSpPr txBox="1"/>
+          <p:nvPr/>
+        </p:nvSpPr>
+        <p:spPr>
+          <a:xfrm>
+            <a:off x="17463716" y="4839030"/>
+            <a:ext cx="2862633" cy="1200329"/>
+          </a:xfrm>
+          <a:prstGeom prst="rect">
+            <a:avLst/>
+          </a:prstGeom>
+          <a:noFill/>
+        </p:spPr>
+        <p:txBody>
+          <a:bodyPr wrap="square" rtlCol="0">
+            <a:spAutoFit/>
+          </a:bodyPr>
+          <a:lstStyle/>
+          <a:p>
+            <a:r>
+              <a:rPr lang="en-US" altLang="zh-CN" sz="3600" dirty="0" err="1"/>
+              <a:t>this.a</a:t>
+            </a:r>
+            <a:r>
+              <a:rPr lang="en-US" altLang="zh-CN" sz="3600" dirty="0"/>
+              <a:t>=a++;</a:t>
+            </a:r>
+          </a:p>
+          <a:p>
+            <a:r>
+              <a:rPr lang="en-US" altLang="zh-CN" sz="3600" dirty="0"/>
+              <a:t>console.log(a);</a:t>
+            </a:r>
+          </a:p>
+        </p:txBody>
+      </p:sp>
+      <p:sp>
+        <p:nvSpPr>
+          <p:cNvPr id="64" name="文本框 63">
+            <a:extLst>
+              <a:ext uri="{FF2B5EF4-FFF2-40B4-BE49-F238E27FC236}">
+                <a16:creationId xmlns:a16="http://schemas.microsoft.com/office/drawing/2014/main" id="{2FFE9201-6C28-4ED9-A719-28635C7B6621}"/>
+              </a:ext>
+            </a:extLst>
+          </p:cNvPr>
+          <p:cNvSpPr txBox="1"/>
+          <p:nvPr/>
+        </p:nvSpPr>
+        <p:spPr>
+          <a:xfrm>
+            <a:off x="17532200" y="3839410"/>
+            <a:ext cx="2916070" cy="1077218"/>
+          </a:xfrm>
+          <a:prstGeom prst="rect">
+            <a:avLst/>
+          </a:prstGeom>
+          <a:noFill/>
+        </p:spPr>
+        <p:txBody>
+          <a:bodyPr wrap="square" rtlCol="0">
+            <a:spAutoFit/>
+          </a:bodyPr>
+          <a:lstStyle/>
+          <a:p>
+            <a:r>
+              <a:rPr lang="zh-CN" altLang="en-US" sz="3200" dirty="0"/>
+              <a:t>形参：无</a:t>
+            </a:r>
+            <a:endParaRPr lang="en-US" altLang="zh-CN" sz="3200" dirty="0"/>
+          </a:p>
+          <a:p>
+            <a:r>
+              <a:rPr lang="zh-CN" altLang="en-US" sz="3200" dirty="0"/>
+              <a:t>变量提升</a:t>
+            </a:r>
+            <a:r>
+              <a:rPr lang="en-US" altLang="zh-CN" sz="3200" dirty="0"/>
+              <a:t>: </a:t>
+            </a:r>
+            <a:r>
+              <a:rPr lang="zh-CN" altLang="en-US" sz="3200" dirty="0"/>
+              <a:t>无</a:t>
+            </a:r>
+          </a:p>
+        </p:txBody>
+      </p:sp>
+      <p:cxnSp>
+        <p:nvCxnSpPr>
+          <p:cNvPr id="38" name="直接连接符 37">
+            <a:extLst>
+              <a:ext uri="{FF2B5EF4-FFF2-40B4-BE49-F238E27FC236}">
+                <a16:creationId xmlns:a16="http://schemas.microsoft.com/office/drawing/2014/main" id="{DDD5CF82-D5A0-4837-B0CB-06022B19AD3D}"/>
+              </a:ext>
+            </a:extLst>
+          </p:cNvPr>
+          <p:cNvCxnSpPr/>
+          <p:nvPr/>
+        </p:nvCxnSpPr>
+        <p:spPr>
+          <a:xfrm>
+            <a:off x="10247252" y="1845372"/>
+            <a:ext cx="369086" cy="406007"/>
+          </a:xfrm>
+          <a:prstGeom prst="line">
+            <a:avLst/>
+          </a:prstGeom>
+          <a:ln>
+            <a:solidFill>
+              <a:srgbClr val="FF0000"/>
+            </a:solidFill>
+          </a:ln>
+        </p:spPr>
+        <p:style>
+          <a:lnRef idx="1">
+            <a:schemeClr val="accent1"/>
+          </a:lnRef>
+          <a:fillRef idx="0">
+            <a:schemeClr val="accent1"/>
+          </a:fillRef>
+          <a:effectRef idx="0">
+            <a:schemeClr val="accent1"/>
+          </a:effectRef>
+          <a:fontRef idx="minor">
+            <a:schemeClr val="tx1"/>
+          </a:fontRef>
+        </p:style>
+      </p:cxnSp>
+      <p:cxnSp>
+        <p:nvCxnSpPr>
+          <p:cNvPr id="40" name="直接连接符 39">
+            <a:extLst>
+              <a:ext uri="{FF2B5EF4-FFF2-40B4-BE49-F238E27FC236}">
+                <a16:creationId xmlns:a16="http://schemas.microsoft.com/office/drawing/2014/main" id="{2CCD675F-820F-4D01-92D4-CC3360AE7C45}"/>
+              </a:ext>
+            </a:extLst>
+          </p:cNvPr>
+          <p:cNvCxnSpPr/>
+          <p:nvPr/>
+        </p:nvCxnSpPr>
+        <p:spPr>
+          <a:xfrm>
+            <a:off x="15653288" y="1385654"/>
+            <a:ext cx="371959" cy="303661"/>
+          </a:xfrm>
+          <a:prstGeom prst="line">
+            <a:avLst/>
+          </a:prstGeom>
+          <a:ln>
+            <a:solidFill>
+              <a:srgbClr val="FF0000"/>
+            </a:solidFill>
+          </a:ln>
+        </p:spPr>
+        <p:style>
+          <a:lnRef idx="1">
+            <a:schemeClr val="accent1"/>
+          </a:lnRef>
+          <a:fillRef idx="0">
+            <a:schemeClr val="accent1"/>
+          </a:fillRef>
+          <a:effectRef idx="0">
+            <a:schemeClr val="accent1"/>
+          </a:effectRef>
+          <a:fontRef idx="minor">
+            <a:schemeClr val="tx1"/>
+          </a:fontRef>
+        </p:style>
+      </p:cxnSp>
+      <p:sp>
+        <p:nvSpPr>
+          <p:cNvPr id="66" name="矩形 65">
+            <a:extLst>
+              <a:ext uri="{FF2B5EF4-FFF2-40B4-BE49-F238E27FC236}">
+                <a16:creationId xmlns:a16="http://schemas.microsoft.com/office/drawing/2014/main" id="{5021D692-E307-4063-A37F-DCCC7347C3B2}"/>
+              </a:ext>
+            </a:extLst>
+          </p:cNvPr>
+          <p:cNvSpPr/>
+          <p:nvPr/>
+        </p:nvSpPr>
+        <p:spPr>
+          <a:xfrm>
+            <a:off x="20981832" y="3720916"/>
+            <a:ext cx="2862633" cy="3389809"/>
+          </a:xfrm>
+          <a:prstGeom prst="rect">
+            <a:avLst/>
+          </a:prstGeom>
+          <a:noFill/>
+        </p:spPr>
+        <p:style>
+          <a:lnRef idx="2">
+            <a:schemeClr val="accent1">
+              <a:shade val="50000"/>
+            </a:schemeClr>
+          </a:lnRef>
+          <a:fillRef idx="1">
+            <a:schemeClr val="accent1"/>
+          </a:fillRef>
+          <a:effectRef idx="0">
+            <a:schemeClr val="accent1"/>
+          </a:effectRef>
+          <a:fontRef idx="minor">
+            <a:schemeClr val="lt1"/>
+          </a:fontRef>
+        </p:style>
+        <p:txBody>
+          <a:bodyPr rtlCol="0" anchor="ctr"/>
+          <a:lstStyle/>
+          <a:p>
+            <a:pPr algn="ctr"/>
+            <a:endParaRPr lang="zh-CN" altLang="en-US"/>
+          </a:p>
+        </p:txBody>
+      </p:sp>
+      <p:sp>
+        <p:nvSpPr>
+          <p:cNvPr id="67" name="文本框 66">
+            <a:extLst>
+              <a:ext uri="{FF2B5EF4-FFF2-40B4-BE49-F238E27FC236}">
+                <a16:creationId xmlns:a16="http://schemas.microsoft.com/office/drawing/2014/main" id="{4345ECA7-2C85-4F07-9A63-7953C25FB05B}"/>
+              </a:ext>
+            </a:extLst>
+          </p:cNvPr>
+          <p:cNvSpPr txBox="1"/>
+          <p:nvPr/>
+        </p:nvSpPr>
+        <p:spPr>
+          <a:xfrm>
+            <a:off x="20981832" y="3152065"/>
+            <a:ext cx="1622560" cy="523220"/>
+          </a:xfrm>
+          <a:prstGeom prst="rect">
+            <a:avLst/>
+          </a:prstGeom>
+          <a:noFill/>
+        </p:spPr>
+        <p:txBody>
+          <a:bodyPr wrap="none" rtlCol="0">
+            <a:spAutoFit/>
+          </a:bodyPr>
+          <a:lstStyle/>
+          <a:p>
+            <a:r>
+              <a:rPr lang="en-US" altLang="zh-CN" sz="2800" b="1" dirty="0">
+                <a:solidFill>
+                  <a:schemeClr val="accent2"/>
+                </a:solidFill>
+              </a:rPr>
+              <a:t>AAFF33( )</a:t>
+            </a:r>
+            <a:endParaRPr lang="zh-CN" altLang="en-US" sz="2800" b="1" dirty="0">
+              <a:solidFill>
+                <a:schemeClr val="accent2"/>
+              </a:solidFill>
+            </a:endParaRPr>
+          </a:p>
+        </p:txBody>
+      </p:sp>
+      <p:sp>
+        <p:nvSpPr>
+          <p:cNvPr id="68" name="文本框 67">
+            <a:extLst>
+              <a:ext uri="{FF2B5EF4-FFF2-40B4-BE49-F238E27FC236}">
+                <a16:creationId xmlns:a16="http://schemas.microsoft.com/office/drawing/2014/main" id="{932CC4FF-57D2-4CC8-97C4-673EA9B62125}"/>
+              </a:ext>
+            </a:extLst>
+          </p:cNvPr>
+          <p:cNvSpPr txBox="1"/>
+          <p:nvPr/>
+        </p:nvSpPr>
+        <p:spPr>
+          <a:xfrm>
+            <a:off x="20981832" y="4832154"/>
+            <a:ext cx="2862633" cy="1200329"/>
+          </a:xfrm>
+          <a:prstGeom prst="rect">
+            <a:avLst/>
+          </a:prstGeom>
+          <a:noFill/>
+        </p:spPr>
+        <p:txBody>
+          <a:bodyPr wrap="square" rtlCol="0">
+            <a:spAutoFit/>
+          </a:bodyPr>
+          <a:lstStyle/>
+          <a:p>
+            <a:r>
+              <a:rPr lang="en-US" altLang="zh-CN" sz="3600" dirty="0" err="1"/>
+              <a:t>this.a</a:t>
+            </a:r>
+            <a:r>
+              <a:rPr lang="en-US" altLang="zh-CN" sz="3600" dirty="0"/>
+              <a:t>=a++;</a:t>
+            </a:r>
+          </a:p>
+          <a:p>
+            <a:r>
+              <a:rPr lang="en-US" altLang="zh-CN" sz="3600" dirty="0"/>
+              <a:t>console.log(a);</a:t>
+            </a:r>
+          </a:p>
+        </p:txBody>
+      </p:sp>
+      <p:sp>
+        <p:nvSpPr>
+          <p:cNvPr id="69" name="文本框 68">
+            <a:extLst>
+              <a:ext uri="{FF2B5EF4-FFF2-40B4-BE49-F238E27FC236}">
+                <a16:creationId xmlns:a16="http://schemas.microsoft.com/office/drawing/2014/main" id="{2D8A7D89-A9DE-4546-88F9-08FF7B169CC7}"/>
+              </a:ext>
+            </a:extLst>
+          </p:cNvPr>
+          <p:cNvSpPr txBox="1"/>
+          <p:nvPr/>
+        </p:nvSpPr>
+        <p:spPr>
+          <a:xfrm>
+            <a:off x="21050316" y="3832534"/>
+            <a:ext cx="2916070" cy="1077218"/>
+          </a:xfrm>
+          <a:prstGeom prst="rect">
+            <a:avLst/>
+          </a:prstGeom>
+          <a:noFill/>
+        </p:spPr>
+        <p:txBody>
+          <a:bodyPr wrap="square" rtlCol="0">
+            <a:spAutoFit/>
+          </a:bodyPr>
+          <a:lstStyle/>
+          <a:p>
+            <a:r>
+              <a:rPr lang="zh-CN" altLang="en-US" sz="3200" dirty="0"/>
+              <a:t>形参：无</a:t>
+            </a:r>
+            <a:endParaRPr lang="en-US" altLang="zh-CN" sz="3200" dirty="0"/>
+          </a:p>
+          <a:p>
+            <a:r>
+              <a:rPr lang="zh-CN" altLang="en-US" sz="3200" dirty="0"/>
+              <a:t>变量提升</a:t>
+            </a:r>
+            <a:r>
+              <a:rPr lang="en-US" altLang="zh-CN" sz="3200" dirty="0"/>
+              <a:t>: </a:t>
+            </a:r>
+            <a:r>
+              <a:rPr lang="zh-CN" altLang="en-US" sz="3200" dirty="0"/>
+              <a:t>无</a:t>
+            </a:r>
+          </a:p>
+        </p:txBody>
+      </p:sp>
+      <p:cxnSp>
+        <p:nvCxnSpPr>
+          <p:cNvPr id="50" name="直接连接符 49">
+            <a:extLst>
+              <a:ext uri="{FF2B5EF4-FFF2-40B4-BE49-F238E27FC236}">
+                <a16:creationId xmlns:a16="http://schemas.microsoft.com/office/drawing/2014/main" id="{1F71903C-C388-4C7A-8F3B-22A2DE5C55A2}"/>
+              </a:ext>
+            </a:extLst>
+          </p:cNvPr>
+          <p:cNvCxnSpPr/>
+          <p:nvPr/>
+        </p:nvCxnSpPr>
+        <p:spPr>
+          <a:xfrm>
+            <a:off x="5435555" y="3614242"/>
+            <a:ext cx="285047" cy="484766"/>
+          </a:xfrm>
+          <a:prstGeom prst="line">
+            <a:avLst/>
+          </a:prstGeom>
+          <a:ln>
+            <a:solidFill>
+              <a:srgbClr val="FF0000"/>
+            </a:solidFill>
+          </a:ln>
+        </p:spPr>
+        <p:style>
+          <a:lnRef idx="1">
+            <a:schemeClr val="accent1"/>
+          </a:lnRef>
+          <a:fillRef idx="0">
+            <a:schemeClr val="accent1"/>
+          </a:fillRef>
+          <a:effectRef idx="0">
+            <a:schemeClr val="accent1"/>
+          </a:effectRef>
+          <a:fontRef idx="minor">
+            <a:schemeClr val="tx1"/>
+          </a:fontRef>
+        </p:style>
+      </p:cxnSp>
+      <p:cxnSp>
+        <p:nvCxnSpPr>
+          <p:cNvPr id="70" name="直接连接符 69">
+            <a:extLst>
+              <a:ext uri="{FF2B5EF4-FFF2-40B4-BE49-F238E27FC236}">
+                <a16:creationId xmlns:a16="http://schemas.microsoft.com/office/drawing/2014/main" id="{8E14795B-A4F3-42B1-839A-415C99478CC7}"/>
+              </a:ext>
+            </a:extLst>
+          </p:cNvPr>
+          <p:cNvCxnSpPr/>
+          <p:nvPr/>
+        </p:nvCxnSpPr>
+        <p:spPr>
+          <a:xfrm>
+            <a:off x="16025247" y="1385654"/>
+            <a:ext cx="325465" cy="303661"/>
+          </a:xfrm>
+          <a:prstGeom prst="line">
+            <a:avLst/>
+          </a:prstGeom>
+          <a:ln>
+            <a:solidFill>
+              <a:srgbClr val="FF0000"/>
+            </a:solidFill>
+          </a:ln>
+        </p:spPr>
+        <p:style>
+          <a:lnRef idx="1">
+            <a:schemeClr val="accent1"/>
+          </a:lnRef>
+          <a:fillRef idx="0">
+            <a:schemeClr val="accent1"/>
+          </a:fillRef>
+          <a:effectRef idx="0">
+            <a:schemeClr val="accent1"/>
+          </a:effectRef>
+          <a:fontRef idx="minor">
+            <a:schemeClr val="tx1"/>
+          </a:fontRef>
+        </p:style>
+      </p:cxnSp>
+    </p:spTree>
+    <p:extLst>
+      <p:ext uri="{BB962C8B-B14F-4D97-AF65-F5344CB8AC3E}">
+        <p14:creationId xmlns:p14="http://schemas.microsoft.com/office/powerpoint/2010/main" val="3282511114"/>
       </p:ext>
     </p:extLst>
   </p:cSld>
